--- a/ctech401/module_4/CTECH401 Module 4 - Control Flow.pptx
+++ b/ctech401/module_4/CTECH401 Module 4 - Control Flow.pptx
@@ -5,7 +5,7 @@
     <p:sldMasterId id="2147483648" r:id="rId1"/>
   </p:sldMasterIdLst>
   <p:notesMasterIdLst>
-    <p:notesMasterId r:id="rId67"/>
+    <p:notesMasterId r:id="rId73"/>
   </p:notesMasterIdLst>
   <p:sldIdLst>
     <p:sldId id="347" r:id="rId2"/>
@@ -25,54 +25,60 @@
     <p:sldId id="361" r:id="rId16"/>
     <p:sldId id="362" r:id="rId17"/>
     <p:sldId id="364" r:id="rId18"/>
-    <p:sldId id="363" r:id="rId19"/>
-    <p:sldId id="365" r:id="rId20"/>
-    <p:sldId id="367" r:id="rId21"/>
-    <p:sldId id="368" r:id="rId22"/>
-    <p:sldId id="366" r:id="rId23"/>
-    <p:sldId id="369" r:id="rId24"/>
-    <p:sldId id="370" r:id="rId25"/>
-    <p:sldId id="371" r:id="rId26"/>
-    <p:sldId id="372" r:id="rId27"/>
-    <p:sldId id="373" r:id="rId28"/>
-    <p:sldId id="374" r:id="rId29"/>
-    <p:sldId id="375" r:id="rId30"/>
-    <p:sldId id="376" r:id="rId31"/>
-    <p:sldId id="377" r:id="rId32"/>
-    <p:sldId id="378" r:id="rId33"/>
-    <p:sldId id="379" r:id="rId34"/>
-    <p:sldId id="380" r:id="rId35"/>
-    <p:sldId id="381" r:id="rId36"/>
-    <p:sldId id="384" r:id="rId37"/>
-    <p:sldId id="382" r:id="rId38"/>
-    <p:sldId id="383" r:id="rId39"/>
-    <p:sldId id="385" r:id="rId40"/>
-    <p:sldId id="387" r:id="rId41"/>
-    <p:sldId id="386" r:id="rId42"/>
-    <p:sldId id="388" r:id="rId43"/>
-    <p:sldId id="390" r:id="rId44"/>
-    <p:sldId id="391" r:id="rId45"/>
-    <p:sldId id="392" r:id="rId46"/>
-    <p:sldId id="393" r:id="rId47"/>
-    <p:sldId id="394" r:id="rId48"/>
-    <p:sldId id="396" r:id="rId49"/>
-    <p:sldId id="397" r:id="rId50"/>
-    <p:sldId id="398" r:id="rId51"/>
-    <p:sldId id="399" r:id="rId52"/>
-    <p:sldId id="400" r:id="rId53"/>
-    <p:sldId id="402" r:id="rId54"/>
-    <p:sldId id="401" r:id="rId55"/>
-    <p:sldId id="403" r:id="rId56"/>
-    <p:sldId id="404" r:id="rId57"/>
-    <p:sldId id="405" r:id="rId58"/>
-    <p:sldId id="406" r:id="rId59"/>
-    <p:sldId id="407" r:id="rId60"/>
-    <p:sldId id="408" r:id="rId61"/>
-    <p:sldId id="409" r:id="rId62"/>
-    <p:sldId id="411" r:id="rId63"/>
-    <p:sldId id="410" r:id="rId64"/>
-    <p:sldId id="412" r:id="rId65"/>
-    <p:sldId id="413" r:id="rId66"/>
+    <p:sldId id="365" r:id="rId19"/>
+    <p:sldId id="414" r:id="rId20"/>
+    <p:sldId id="415" r:id="rId21"/>
+    <p:sldId id="367" r:id="rId22"/>
+    <p:sldId id="416" r:id="rId23"/>
+    <p:sldId id="368" r:id="rId24"/>
+    <p:sldId id="366" r:id="rId25"/>
+    <p:sldId id="369" r:id="rId26"/>
+    <p:sldId id="370" r:id="rId27"/>
+    <p:sldId id="371" r:id="rId28"/>
+    <p:sldId id="372" r:id="rId29"/>
+    <p:sldId id="373" r:id="rId30"/>
+    <p:sldId id="374" r:id="rId31"/>
+    <p:sldId id="375" r:id="rId32"/>
+    <p:sldId id="376" r:id="rId33"/>
+    <p:sldId id="377" r:id="rId34"/>
+    <p:sldId id="378" r:id="rId35"/>
+    <p:sldId id="379" r:id="rId36"/>
+    <p:sldId id="380" r:id="rId37"/>
+    <p:sldId id="381" r:id="rId38"/>
+    <p:sldId id="384" r:id="rId39"/>
+    <p:sldId id="382" r:id="rId40"/>
+    <p:sldId id="383" r:id="rId41"/>
+    <p:sldId id="385" r:id="rId42"/>
+    <p:sldId id="387" r:id="rId43"/>
+    <p:sldId id="386" r:id="rId44"/>
+    <p:sldId id="388" r:id="rId45"/>
+    <p:sldId id="390" r:id="rId46"/>
+    <p:sldId id="417" r:id="rId47"/>
+    <p:sldId id="391" r:id="rId48"/>
+    <p:sldId id="392" r:id="rId49"/>
+    <p:sldId id="418" r:id="rId50"/>
+    <p:sldId id="393" r:id="rId51"/>
+    <p:sldId id="394" r:id="rId52"/>
+    <p:sldId id="419" r:id="rId53"/>
+    <p:sldId id="396" r:id="rId54"/>
+    <p:sldId id="397" r:id="rId55"/>
+    <p:sldId id="420" r:id="rId56"/>
+    <p:sldId id="398" r:id="rId57"/>
+    <p:sldId id="399" r:id="rId58"/>
+    <p:sldId id="400" r:id="rId59"/>
+    <p:sldId id="402" r:id="rId60"/>
+    <p:sldId id="401" r:id="rId61"/>
+    <p:sldId id="403" r:id="rId62"/>
+    <p:sldId id="404" r:id="rId63"/>
+    <p:sldId id="405" r:id="rId64"/>
+    <p:sldId id="406" r:id="rId65"/>
+    <p:sldId id="407" r:id="rId66"/>
+    <p:sldId id="408" r:id="rId67"/>
+    <p:sldId id="409" r:id="rId68"/>
+    <p:sldId id="411" r:id="rId69"/>
+    <p:sldId id="410" r:id="rId70"/>
+    <p:sldId id="412" r:id="rId71"/>
+    <p:sldId id="413" r:id="rId72"/>
   </p:sldIdLst>
   <p:sldSz cx="12192000" cy="6858000"/>
   <p:notesSz cx="6858000" cy="9144000"/>
@@ -272,7 +278,7 @@
           <a:p>
             <a:fld id="{1778ACD8-6E14-F146-9986-2DDB8F18C1FA}" type="datetimeFigureOut">
               <a:rPr lang="en-US" smtClean="0"/>
-              <a:t>6/6/18</a:t>
+              <a:t>2/5/19</a:t>
             </a:fld>
             <a:endParaRPr lang="en-US"/>
           </a:p>
@@ -856,7 +862,7 @@
           <a:p>
             <a:fld id="{C8B14FCA-A5D1-0749-96A8-1423D61C59E6}" type="slidenum">
               <a:rPr lang="en-US" smtClean="0"/>
-              <a:t>21</a:t>
+              <a:t>22</a:t>
             </a:fld>
             <a:endParaRPr lang="en-US"/>
           </a:p>
@@ -865,7 +871,7 @@
     </p:spTree>
     <p:extLst>
       <p:ext uri="{BB962C8B-B14F-4D97-AF65-F5344CB8AC3E}">
-        <p14:creationId xmlns:p14="http://schemas.microsoft.com/office/powerpoint/2010/main" val="3299929429"/>
+        <p14:creationId xmlns:p14="http://schemas.microsoft.com/office/powerpoint/2010/main" val="4128066201"/>
       </p:ext>
     </p:extLst>
   </p:cSld>
@@ -940,7 +946,7 @@
           <a:p>
             <a:fld id="{C8B14FCA-A5D1-0749-96A8-1423D61C59E6}" type="slidenum">
               <a:rPr lang="en-US" smtClean="0"/>
-              <a:t>29</a:t>
+              <a:t>23</a:t>
             </a:fld>
             <a:endParaRPr lang="en-US"/>
           </a:p>
@@ -949,7 +955,7 @@
     </p:spTree>
     <p:extLst>
       <p:ext uri="{BB962C8B-B14F-4D97-AF65-F5344CB8AC3E}">
-        <p14:creationId xmlns:p14="http://schemas.microsoft.com/office/powerpoint/2010/main" val="474030021"/>
+        <p14:creationId xmlns:p14="http://schemas.microsoft.com/office/powerpoint/2010/main" val="3299929429"/>
       </p:ext>
     </p:extLst>
   </p:cSld>
@@ -1024,7 +1030,7 @@
           <a:p>
             <a:fld id="{C8B14FCA-A5D1-0749-96A8-1423D61C59E6}" type="slidenum">
               <a:rPr lang="en-US" smtClean="0"/>
-              <a:t>40</a:t>
+              <a:t>31</a:t>
             </a:fld>
             <a:endParaRPr lang="en-US"/>
           </a:p>
@@ -1033,7 +1039,7 @@
     </p:spTree>
     <p:extLst>
       <p:ext uri="{BB962C8B-B14F-4D97-AF65-F5344CB8AC3E}">
-        <p14:creationId xmlns:p14="http://schemas.microsoft.com/office/powerpoint/2010/main" val="1299466013"/>
+        <p14:creationId xmlns:p14="http://schemas.microsoft.com/office/powerpoint/2010/main" val="474030021"/>
       </p:ext>
     </p:extLst>
   </p:cSld>
@@ -1108,7 +1114,91 @@
           <a:p>
             <a:fld id="{C8B14FCA-A5D1-0749-96A8-1423D61C59E6}" type="slidenum">
               <a:rPr lang="en-US" smtClean="0"/>
-              <a:t>50</a:t>
+              <a:t>42</a:t>
+            </a:fld>
+            <a:endParaRPr lang="en-US"/>
+          </a:p>
+        </p:txBody>
+      </p:sp>
+    </p:spTree>
+    <p:extLst>
+      <p:ext uri="{BB962C8B-B14F-4D97-AF65-F5344CB8AC3E}">
+        <p14:creationId xmlns:p14="http://schemas.microsoft.com/office/powerpoint/2010/main" val="1299466013"/>
+      </p:ext>
+    </p:extLst>
+  </p:cSld>
+  <p:clrMapOvr>
+    <a:masterClrMapping/>
+  </p:clrMapOvr>
+</p:notes>
+</file>
+
+<file path=ppt/notesSlides/notesSlide8.xml><?xml version="1.0" encoding="utf-8"?>
+<p:notes xmlns:a="http://schemas.openxmlformats.org/drawingml/2006/main" xmlns:r="http://schemas.openxmlformats.org/officeDocument/2006/relationships" xmlns:p="http://schemas.openxmlformats.org/presentationml/2006/main">
+  <p:cSld>
+    <p:spTree>
+      <p:nvGrpSpPr>
+        <p:cNvPr id="1" name=""/>
+        <p:cNvGrpSpPr/>
+        <p:nvPr/>
+      </p:nvGrpSpPr>
+      <p:grpSpPr>
+        <a:xfrm>
+          <a:off x="0" y="0"/>
+          <a:ext cx="0" cy="0"/>
+          <a:chOff x="0" y="0"/>
+          <a:chExt cx="0" cy="0"/>
+        </a:xfrm>
+      </p:grpSpPr>
+      <p:sp>
+        <p:nvSpPr>
+          <p:cNvPr id="2" name="Slide Image Placeholder 1"/>
+          <p:cNvSpPr>
+            <a:spLocks noGrp="1" noRot="1" noChangeAspect="1"/>
+          </p:cNvSpPr>
+          <p:nvPr>
+            <p:ph type="sldImg"/>
+          </p:nvPr>
+        </p:nvSpPr>
+        <p:spPr/>
+      </p:sp>
+      <p:sp>
+        <p:nvSpPr>
+          <p:cNvPr id="3" name="Notes Placeholder 2"/>
+          <p:cNvSpPr>
+            <a:spLocks noGrp="1"/>
+          </p:cNvSpPr>
+          <p:nvPr>
+            <p:ph type="body" idx="1"/>
+          </p:nvPr>
+        </p:nvSpPr>
+        <p:spPr/>
+        <p:txBody>
+          <a:bodyPr/>
+          <a:lstStyle/>
+          <a:p>
+            <a:endParaRPr lang="en-US" dirty="0"/>
+          </a:p>
+        </p:txBody>
+      </p:sp>
+      <p:sp>
+        <p:nvSpPr>
+          <p:cNvPr id="4" name="Slide Number Placeholder 3"/>
+          <p:cNvSpPr>
+            <a:spLocks noGrp="1"/>
+          </p:cNvSpPr>
+          <p:nvPr>
+            <p:ph type="sldNum" sz="quarter" idx="10"/>
+          </p:nvPr>
+        </p:nvSpPr>
+        <p:spPr/>
+        <p:txBody>
+          <a:bodyPr/>
+          <a:lstStyle/>
+          <a:p>
+            <a:fld id="{C8B14FCA-A5D1-0749-96A8-1423D61C59E6}" type="slidenum">
+              <a:rPr lang="en-US" smtClean="0"/>
+              <a:t>56</a:t>
             </a:fld>
             <a:endParaRPr lang="en-US"/>
           </a:p>
@@ -2623,7 +2713,10 @@
           <a:bodyPr/>
           <a:lstStyle/>
           <a:p>
-            <a:endParaRPr lang="en-US"/>
+            <a:r>
+              <a:rPr lang="en-US" dirty="0"/>
+              <a:t>&lt;animal2.py&gt;</a:t>
+            </a:r>
           </a:p>
         </p:txBody>
       </p:sp>
@@ -2749,7 +2842,7 @@
           <a:p>
             <a:r>
               <a:rPr lang="en-US" dirty="0"/>
-              <a:t>In Python, statements at the same indentation level go together. You indent more inside an if body, and stop indenting more when the if body is done.</a:t>
+              <a:t>In Python, statements at the same indentation level go together. You indent further inside an if body, and stop indenting more when the if body is done.</a:t>
             </a:r>
           </a:p>
           <a:p>
@@ -3220,7 +3313,10 @@
           <a:bodyPr/>
           <a:lstStyle/>
           <a:p>
-            <a:endParaRPr lang="en-US"/>
+            <a:r>
+              <a:rPr lang="en-US" dirty="0"/>
+              <a:t>&lt;animal1.py&gt;</a:t>
+            </a:r>
           </a:p>
         </p:txBody>
       </p:sp>
@@ -3238,86 +3334,6 @@
 </file>
 
 <file path=ppt/slides/slide18.xml><?xml version="1.0" encoding="utf-8"?>
-<p:sld xmlns:a="http://schemas.openxmlformats.org/drawingml/2006/main" xmlns:r="http://schemas.openxmlformats.org/officeDocument/2006/relationships" xmlns:p="http://schemas.openxmlformats.org/presentationml/2006/main">
-  <p:cSld>
-    <p:spTree>
-      <p:nvGrpSpPr>
-        <p:cNvPr id="1" name=""/>
-        <p:cNvGrpSpPr/>
-        <p:nvPr/>
-      </p:nvGrpSpPr>
-      <p:grpSpPr>
-        <a:xfrm>
-          <a:off x="0" y="0"/>
-          <a:ext cx="0" cy="0"/>
-          <a:chOff x="0" y="0"/>
-          <a:chExt cx="0" cy="0"/>
-        </a:xfrm>
-      </p:grpSpPr>
-      <p:sp>
-        <p:nvSpPr>
-          <p:cNvPr id="2" name="Text Placeholder 1">
-            <a:extLst>
-              <a:ext uri="{FF2B5EF4-FFF2-40B4-BE49-F238E27FC236}">
-                <a16:creationId xmlns:a16="http://schemas.microsoft.com/office/drawing/2014/main" id="{2735263E-5024-304D-B562-EEA94DE6AA78}"/>
-              </a:ext>
-            </a:extLst>
-          </p:cNvPr>
-          <p:cNvSpPr>
-            <a:spLocks noGrp="1"/>
-          </p:cNvSpPr>
-          <p:nvPr>
-            <p:ph type="body" sz="quarter" idx="11"/>
-          </p:nvPr>
-        </p:nvSpPr>
-        <p:spPr/>
-        <p:txBody>
-          <a:bodyPr/>
-          <a:lstStyle/>
-          <a:p>
-            <a:endParaRPr lang="en-US"/>
-          </a:p>
-        </p:txBody>
-      </p:sp>
-      <p:sp>
-        <p:nvSpPr>
-          <p:cNvPr id="3" name="Text Placeholder 2">
-            <a:extLst>
-              <a:ext uri="{FF2B5EF4-FFF2-40B4-BE49-F238E27FC236}">
-                <a16:creationId xmlns:a16="http://schemas.microsoft.com/office/drawing/2014/main" id="{1131AB55-B3C3-7941-9743-47D7EB3FA910}"/>
-              </a:ext>
-            </a:extLst>
-          </p:cNvPr>
-          <p:cNvSpPr>
-            <a:spLocks noGrp="1"/>
-          </p:cNvSpPr>
-          <p:nvPr>
-            <p:ph type="body" sz="quarter" idx="12"/>
-          </p:nvPr>
-        </p:nvSpPr>
-        <p:spPr/>
-        <p:txBody>
-          <a:bodyPr/>
-          <a:lstStyle/>
-          <a:p>
-            <a:endParaRPr lang="en-US"/>
-          </a:p>
-        </p:txBody>
-      </p:sp>
-    </p:spTree>
-    <p:extLst>
-      <p:ext uri="{BB962C8B-B14F-4D97-AF65-F5344CB8AC3E}">
-        <p14:creationId xmlns:p14="http://schemas.microsoft.com/office/powerpoint/2010/main" val="2981281011"/>
-      </p:ext>
-    </p:extLst>
-  </p:cSld>
-  <p:clrMapOvr>
-    <a:masterClrMapping/>
-  </p:clrMapOvr>
-</p:sld>
-</file>
-
-<file path=ppt/slides/slide19.xml><?xml version="1.0" encoding="utf-8"?>
 <p:sld xmlns:a="http://schemas.openxmlformats.org/drawingml/2006/main" xmlns:r="http://schemas.openxmlformats.org/officeDocument/2006/relationships" xmlns:p="http://schemas.openxmlformats.org/presentationml/2006/main">
   <p:cSld>
     <p:spTree>
@@ -3402,6 +3418,78 @@
     <p:extLst>
       <p:ext uri="{BB962C8B-B14F-4D97-AF65-F5344CB8AC3E}">
         <p14:creationId xmlns:p14="http://schemas.microsoft.com/office/powerpoint/2010/main" val="1418310792"/>
+      </p:ext>
+    </p:extLst>
+  </p:cSld>
+  <p:clrMapOvr>
+    <a:masterClrMapping/>
+  </p:clrMapOvr>
+</p:sld>
+</file>
+
+<file path=ppt/slides/slide19.xml><?xml version="1.0" encoding="utf-8"?>
+<p:sld xmlns:a="http://schemas.openxmlformats.org/drawingml/2006/main" xmlns:r="http://schemas.openxmlformats.org/officeDocument/2006/relationships" xmlns:p="http://schemas.openxmlformats.org/presentationml/2006/main">
+  <p:cSld>
+    <p:spTree>
+      <p:nvGrpSpPr>
+        <p:cNvPr id="1" name=""/>
+        <p:cNvGrpSpPr/>
+        <p:nvPr/>
+      </p:nvGrpSpPr>
+      <p:grpSpPr>
+        <a:xfrm>
+          <a:off x="0" y="0"/>
+          <a:ext cx="0" cy="0"/>
+          <a:chOff x="0" y="0"/>
+          <a:chExt cx="0" cy="0"/>
+        </a:xfrm>
+      </p:grpSpPr>
+      <p:sp>
+        <p:nvSpPr>
+          <p:cNvPr id="2" name="Content Placeholder 1">
+            <a:extLst>
+              <a:ext uri="{FF2B5EF4-FFF2-40B4-BE49-F238E27FC236}">
+                <a16:creationId xmlns:a16="http://schemas.microsoft.com/office/drawing/2014/main" id="{8D0C3D43-AEA2-4B49-A66A-07411A429B09}"/>
+              </a:ext>
+            </a:extLst>
+          </p:cNvPr>
+          <p:cNvSpPr>
+            <a:spLocks noGrp="1"/>
+          </p:cNvSpPr>
+          <p:nvPr>
+            <p:ph sz="quarter" idx="10"/>
+          </p:nvPr>
+        </p:nvSpPr>
+        <p:spPr/>
+        <p:txBody>
+          <a:bodyPr>
+            <a:normAutofit/>
+          </a:bodyPr>
+          <a:lstStyle/>
+          <a:p>
+            <a:r>
+              <a:rPr lang="en-US" dirty="0"/>
+              <a:t>'dog' == 'dog' / True</a:t>
+            </a:r>
+          </a:p>
+          <a:p>
+            <a:r>
+              <a:rPr lang="en-US" dirty="0"/>
+              <a:t>'dog' == 'cat' / False</a:t>
+            </a:r>
+          </a:p>
+          <a:p>
+            <a:r>
+              <a:rPr lang="en-US" dirty="0"/>
+              <a:t>'dog' == 'Dog' / False – d and D are different</a:t>
+            </a:r>
+          </a:p>
+        </p:txBody>
+      </p:sp>
+    </p:spTree>
+    <p:extLst>
+      <p:ext uri="{BB962C8B-B14F-4D97-AF65-F5344CB8AC3E}">
+        <p14:creationId xmlns:p14="http://schemas.microsoft.com/office/powerpoint/2010/main" val="2389653483"/>
       </p:ext>
     </p:extLst>
   </p:cSld>
@@ -3541,31 +3629,19 @@
         <p:spPr/>
         <p:txBody>
           <a:bodyPr>
-            <a:normAutofit lnSpcReduction="10000"/>
+            <a:normAutofit/>
           </a:bodyPr>
           <a:lstStyle/>
           <a:p>
             <a:r>
               <a:rPr lang="en-US" dirty="0"/>
-              <a:t>'dog' == 'dog' / True</a:t>
-            </a:r>
-          </a:p>
-          <a:p>
-            <a:r>
-              <a:rPr lang="en-US" dirty="0"/>
-              <a:t>'dog' == 'cat' / False</a:t>
-            </a:r>
-          </a:p>
-          <a:p>
-            <a:r>
-              <a:rPr lang="en-US" dirty="0"/>
-              <a:t>'dog' == 'Dog' / False – d and D are different</a:t>
-            </a:r>
-          </a:p>
-          <a:p>
-            <a:r>
-              <a:rPr lang="en-US" dirty="0"/>
-              <a:t>10 == 10 / True – works for integers as well</a:t>
+              <a:t>This works for integers</a:t>
+            </a:r>
+          </a:p>
+          <a:p>
+            <a:r>
+              <a:rPr lang="en-US" dirty="0"/>
+              <a:t>10 == 10 / True </a:t>
             </a:r>
           </a:p>
           <a:p>
@@ -3575,9 +3651,18 @@
             </a:r>
           </a:p>
           <a:p>
-            <a:r>
-              <a:rPr lang="en-US" dirty="0"/>
-              <a:t>10 == 10.0 / True – can compare integers and floats</a:t>
+            <a:endParaRPr lang="en-US" dirty="0"/>
+          </a:p>
+          <a:p>
+            <a:r>
+              <a:rPr lang="en-US" dirty="0"/>
+              <a:t>You can compare integers and floats: both are numbers</a:t>
+            </a:r>
+          </a:p>
+          <a:p>
+            <a:r>
+              <a:rPr lang="en-US" dirty="0"/>
+              <a:t>10 == 10.0 / True </a:t>
             </a:r>
           </a:p>
           <a:p>
@@ -3587,9 +3672,78 @@
             </a:r>
           </a:p>
           <a:p>
-            <a:r>
-              <a:rPr lang="en-US" dirty="0"/>
-              <a:t>10 == 'dog' / False –incomparable types -&gt; False</a:t>
+            <a:endParaRPr lang="en-US" dirty="0"/>
+          </a:p>
+          <a:p>
+            <a:r>
+              <a:rPr lang="en-US" dirty="0"/>
+              <a:t>But you can't compare numbers and strings</a:t>
+            </a:r>
+          </a:p>
+          <a:p>
+            <a:r>
+              <a:rPr lang="en-US" dirty="0"/>
+              <a:t>10 == 'dog' / False –incomparable types</a:t>
+            </a:r>
+          </a:p>
+        </p:txBody>
+      </p:sp>
+    </p:spTree>
+    <p:extLst>
+      <p:ext uri="{BB962C8B-B14F-4D97-AF65-F5344CB8AC3E}">
+        <p14:creationId xmlns:p14="http://schemas.microsoft.com/office/powerpoint/2010/main" val="1480387781"/>
+      </p:ext>
+    </p:extLst>
+  </p:cSld>
+  <p:clrMapOvr>
+    <a:masterClrMapping/>
+  </p:clrMapOvr>
+</p:sld>
+</file>
+
+<file path=ppt/slides/slide21.xml><?xml version="1.0" encoding="utf-8"?>
+<p:sld xmlns:a="http://schemas.openxmlformats.org/drawingml/2006/main" xmlns:r="http://schemas.openxmlformats.org/officeDocument/2006/relationships" xmlns:p="http://schemas.openxmlformats.org/presentationml/2006/main">
+  <p:cSld>
+    <p:spTree>
+      <p:nvGrpSpPr>
+        <p:cNvPr id="1" name=""/>
+        <p:cNvGrpSpPr/>
+        <p:nvPr/>
+      </p:nvGrpSpPr>
+      <p:grpSpPr>
+        <a:xfrm>
+          <a:off x="0" y="0"/>
+          <a:ext cx="0" cy="0"/>
+          <a:chOff x="0" y="0"/>
+          <a:chExt cx="0" cy="0"/>
+        </a:xfrm>
+      </p:grpSpPr>
+      <p:sp>
+        <p:nvSpPr>
+          <p:cNvPr id="2" name="Content Placeholder 1">
+            <a:extLst>
+              <a:ext uri="{FF2B5EF4-FFF2-40B4-BE49-F238E27FC236}">
+                <a16:creationId xmlns:a16="http://schemas.microsoft.com/office/drawing/2014/main" id="{8D0C3D43-AEA2-4B49-A66A-07411A429B09}"/>
+              </a:ext>
+            </a:extLst>
+          </p:cNvPr>
+          <p:cNvSpPr>
+            <a:spLocks noGrp="1"/>
+          </p:cNvSpPr>
+          <p:nvPr>
+            <p:ph sz="quarter" idx="10"/>
+          </p:nvPr>
+        </p:nvSpPr>
+        <p:spPr/>
+        <p:txBody>
+          <a:bodyPr>
+            <a:normAutofit/>
+          </a:bodyPr>
+          <a:lstStyle/>
+          <a:p>
+            <a:r>
+              <a:rPr lang="en-US" dirty="0"/>
+              <a:t>You can put a variable on one side of a comparison</a:t>
             </a:r>
           </a:p>
           <a:p>
@@ -3601,8 +3755,20 @@
           <a:p>
             <a:r>
               <a:rPr lang="en-US" dirty="0"/>
-              <a:t>x == 10 / True - you can put a variable on one side</a:t>
-            </a:r>
+              <a:t>x == 10 / True – </a:t>
+            </a:r>
+          </a:p>
+          <a:p>
+            <a:endParaRPr lang="en-US" dirty="0"/>
+          </a:p>
+          <a:p>
+            <a:r>
+              <a:rPr lang="en-US" dirty="0"/>
+              <a:t>Or both sides</a:t>
+            </a:r>
+          </a:p>
+          <a:p>
+            <a:endParaRPr lang="en-US" dirty="0"/>
           </a:p>
           <a:p>
             <a:r>
@@ -3613,7 +3779,7 @@
           <a:p>
             <a:r>
               <a:rPr lang="en-US" dirty="0"/>
-              <a:t>x == y / False – or both sides</a:t>
+              <a:t>x == y / False </a:t>
             </a:r>
           </a:p>
         </p:txBody>
@@ -3631,7 +3797,94 @@
 </p:sld>
 </file>
 
-<file path=ppt/slides/slide21.xml><?xml version="1.0" encoding="utf-8"?>
+<file path=ppt/slides/slide22.xml><?xml version="1.0" encoding="utf-8"?>
+<p:sld xmlns:a="http://schemas.openxmlformats.org/drawingml/2006/main" xmlns:r="http://schemas.openxmlformats.org/officeDocument/2006/relationships" xmlns:p="http://schemas.openxmlformats.org/presentationml/2006/main">
+  <p:cSld>
+    <p:spTree>
+      <p:nvGrpSpPr>
+        <p:cNvPr id="1" name=""/>
+        <p:cNvGrpSpPr/>
+        <p:nvPr/>
+      </p:nvGrpSpPr>
+      <p:grpSpPr>
+        <a:xfrm>
+          <a:off x="0" y="0"/>
+          <a:ext cx="0" cy="0"/>
+          <a:chOff x="0" y="0"/>
+          <a:chExt cx="0" cy="0"/>
+        </a:xfrm>
+      </p:grpSpPr>
+      <p:sp>
+        <p:nvSpPr>
+          <p:cNvPr id="2" name="Text Placeholder 1">
+            <a:extLst>
+              <a:ext uri="{FF2B5EF4-FFF2-40B4-BE49-F238E27FC236}">
+                <a16:creationId xmlns:a16="http://schemas.microsoft.com/office/drawing/2014/main" id="{06E88012-EA37-4246-8DA9-19B4AF6595E1}"/>
+              </a:ext>
+            </a:extLst>
+          </p:cNvPr>
+          <p:cNvSpPr>
+            <a:spLocks noGrp="1"/>
+          </p:cNvSpPr>
+          <p:nvPr>
+            <p:ph type="body" sz="quarter" idx="10"/>
+          </p:nvPr>
+        </p:nvSpPr>
+        <p:spPr>
+          <a:xfrm>
+            <a:off x="3344863" y="1143000"/>
+            <a:ext cx="7593012" cy="2177006"/>
+          </a:xfrm>
+        </p:spPr>
+        <p:txBody>
+          <a:bodyPr/>
+          <a:lstStyle/>
+          <a:p>
+            <a:r>
+              <a:rPr lang="en-US" dirty="0">
+                <a:solidFill>
+                  <a:schemeClr val="bg1"/>
+                </a:solidFill>
+              </a:rPr>
+              <a:t>4</a:t>
+            </a:r>
+          </a:p>
+          <a:p>
+            <a:r>
+              <a:rPr lang="en-US" dirty="0">
+                <a:solidFill>
+                  <a:schemeClr val="bg1"/>
+                </a:solidFill>
+              </a:rPr>
+              <a:t>CTECH401_M4_04</a:t>
+            </a:r>
+          </a:p>
+          <a:p>
+            <a:r>
+              <a:rPr lang="en-US" dirty="0">
+                <a:solidFill>
+                  <a:schemeClr val="bg1"/>
+                </a:solidFill>
+              </a:rPr>
+              <a:t>More Comparisons</a:t>
+            </a:r>
+          </a:p>
+        </p:txBody>
+      </p:sp>
+    </p:spTree>
+    <p:extLst>
+      <p:ext uri="{BB962C8B-B14F-4D97-AF65-F5344CB8AC3E}">
+        <p14:creationId xmlns:p14="http://schemas.microsoft.com/office/powerpoint/2010/main" val="1134859769"/>
+      </p:ext>
+    </p:extLst>
+  </p:cSld>
+  <p:clrMapOvr>
+    <a:masterClrMapping/>
+  </p:clrMapOvr>
+</p:sld>
+</file>
+
+<file path=ppt/slides/slide23.xml><?xml version="1.0" encoding="utf-8"?>
 <p:sld xmlns:a="http://schemas.openxmlformats.org/drawingml/2006/main" xmlns:r="http://schemas.openxmlformats.org/officeDocument/2006/relationships" xmlns:p="http://schemas.openxmlformats.org/presentationml/2006/main">
   <p:cSld>
     <p:spTree>
@@ -3861,7 +4114,10 @@
           <a:bodyPr/>
           <a:lstStyle/>
           <a:p>
-            <a:endParaRPr lang="en-US"/>
+            <a:r>
+              <a:rPr lang="en-US" dirty="0"/>
+              <a:t>&lt;number1.py&gt;</a:t>
+            </a:r>
           </a:p>
         </p:txBody>
       </p:sp>
@@ -3878,7 +4134,7 @@
 </p:sld>
 </file>
 
-<file path=ppt/slides/slide22.xml><?xml version="1.0" encoding="utf-8"?>
+<file path=ppt/slides/slide24.xml><?xml version="1.0" encoding="utf-8"?>
 <p:sld xmlns:a="http://schemas.openxmlformats.org/drawingml/2006/main" xmlns:r="http://schemas.openxmlformats.org/officeDocument/2006/relationships" xmlns:p="http://schemas.openxmlformats.org/presentationml/2006/main">
   <p:cSld>
     <p:spTree>
@@ -3942,7 +4198,7 @@
 </p:sld>
 </file>
 
-<file path=ppt/slides/slide23.xml><?xml version="1.0" encoding="utf-8"?>
+<file path=ppt/slides/slide25.xml><?xml version="1.0" encoding="utf-8"?>
 <p:sld xmlns:a="http://schemas.openxmlformats.org/drawingml/2006/main" xmlns:r="http://schemas.openxmlformats.org/officeDocument/2006/relationships" xmlns:p="http://schemas.openxmlformats.org/presentationml/2006/main">
   <p:cSld>
     <p:spTree>
@@ -4030,7 +4286,7 @@
 </p:sld>
 </file>
 
-<file path=ppt/slides/slide24.xml><?xml version="1.0" encoding="utf-8"?>
+<file path=ppt/slides/slide26.xml><?xml version="1.0" encoding="utf-8"?>
 <p:sld xmlns:a="http://schemas.openxmlformats.org/drawingml/2006/main" xmlns:r="http://schemas.openxmlformats.org/officeDocument/2006/relationships" xmlns:p="http://schemas.openxmlformats.org/presentationml/2006/main">
   <p:cSld>
     <p:spTree>
@@ -4118,7 +4374,7 @@
 </p:sld>
 </file>
 
-<file path=ppt/slides/slide25.xml><?xml version="1.0" encoding="utf-8"?>
+<file path=ppt/slides/slide27.xml><?xml version="1.0" encoding="utf-8"?>
 <p:sld xmlns:a="http://schemas.openxmlformats.org/drawingml/2006/main" xmlns:r="http://schemas.openxmlformats.org/officeDocument/2006/relationships" xmlns:p="http://schemas.openxmlformats.org/presentationml/2006/main">
   <p:cSld>
     <p:spTree>
@@ -4227,7 +4483,7 @@
 </p:sld>
 </file>
 
-<file path=ppt/slides/slide26.xml><?xml version="1.0" encoding="utf-8"?>
+<file path=ppt/slides/slide28.xml><?xml version="1.0" encoding="utf-8"?>
 <p:sld xmlns:a="http://schemas.openxmlformats.org/drawingml/2006/main" xmlns:r="http://schemas.openxmlformats.org/officeDocument/2006/relationships" xmlns:p="http://schemas.openxmlformats.org/presentationml/2006/main">
   <p:cSld>
     <p:spTree>
@@ -4293,7 +4549,7 @@
 </p:sld>
 </file>
 
-<file path=ppt/slides/slide27.xml><?xml version="1.0" encoding="utf-8"?>
+<file path=ppt/slides/slide29.xml><?xml version="1.0" encoding="utf-8"?>
 <p:sld xmlns:a="http://schemas.openxmlformats.org/drawingml/2006/main" xmlns:r="http://schemas.openxmlformats.org/officeDocument/2006/relationships" xmlns:p="http://schemas.openxmlformats.org/presentationml/2006/main">
   <p:cSld>
     <p:spTree>
@@ -4424,184 +4680,6 @@
     <p:extLst>
       <p:ext uri="{BB962C8B-B14F-4D97-AF65-F5344CB8AC3E}">
         <p14:creationId xmlns:p14="http://schemas.microsoft.com/office/powerpoint/2010/main" val="1862398957"/>
-      </p:ext>
-    </p:extLst>
-  </p:cSld>
-  <p:clrMapOvr>
-    <a:masterClrMapping/>
-  </p:clrMapOvr>
-</p:sld>
-</file>
-
-<file path=ppt/slides/slide28.xml><?xml version="1.0" encoding="utf-8"?>
-<p:sld xmlns:a="http://schemas.openxmlformats.org/drawingml/2006/main" xmlns:r="http://schemas.openxmlformats.org/officeDocument/2006/relationships" xmlns:p="http://schemas.openxmlformats.org/presentationml/2006/main">
-  <p:cSld>
-    <p:spTree>
-      <p:nvGrpSpPr>
-        <p:cNvPr id="1" name=""/>
-        <p:cNvGrpSpPr/>
-        <p:nvPr/>
-      </p:nvGrpSpPr>
-      <p:grpSpPr>
-        <a:xfrm>
-          <a:off x="0" y="0"/>
-          <a:ext cx="0" cy="0"/>
-          <a:chOff x="0" y="0"/>
-          <a:chExt cx="0" cy="0"/>
-        </a:xfrm>
-      </p:grpSpPr>
-      <p:sp>
-        <p:nvSpPr>
-          <p:cNvPr id="2" name="Text Placeholder 1">
-            <a:extLst>
-              <a:ext uri="{FF2B5EF4-FFF2-40B4-BE49-F238E27FC236}">
-                <a16:creationId xmlns:a16="http://schemas.microsoft.com/office/drawing/2014/main" id="{7A16CCD2-D813-874C-A670-67A020027D70}"/>
-              </a:ext>
-            </a:extLst>
-          </p:cNvPr>
-          <p:cNvSpPr>
-            <a:spLocks noGrp="1"/>
-          </p:cNvSpPr>
-          <p:nvPr>
-            <p:ph type="body" sz="quarter" idx="10"/>
-          </p:nvPr>
-        </p:nvSpPr>
-        <p:spPr/>
-        <p:txBody>
-          <a:bodyPr/>
-          <a:lstStyle/>
-          <a:p>
-            <a:pPr marL="0" indent="0">
-              <a:buNone/>
-            </a:pPr>
-            <a:r>
-              <a:rPr lang="en-US" dirty="0"/>
-              <a:t>Now you have a repertoire of comparisons.</a:t>
-            </a:r>
-          </a:p>
-          <a:p>
-            <a:pPr marL="0" indent="0">
-              <a:buNone/>
-            </a:pPr>
-            <a:endParaRPr lang="en-US" dirty="0"/>
-          </a:p>
-          <a:p>
-            <a:pPr marL="0" indent="0">
-              <a:buNone/>
-            </a:pPr>
-            <a:r>
-              <a:rPr lang="en-US" dirty="0"/>
-              <a:t>You can use them in conditions.</a:t>
-            </a:r>
-          </a:p>
-          <a:p>
-            <a:pPr marL="0" indent="0">
-              <a:buNone/>
-            </a:pPr>
-            <a:endParaRPr lang="en-US" dirty="0"/>
-          </a:p>
-          <a:p>
-            <a:pPr marL="0" indent="0">
-              <a:buNone/>
-            </a:pPr>
-            <a:r>
-              <a:rPr lang="en-US" dirty="0"/>
-              <a:t> There will be more. :-)</a:t>
-            </a:r>
-          </a:p>
-        </p:txBody>
-      </p:sp>
-    </p:spTree>
-    <p:extLst>
-      <p:ext uri="{BB962C8B-B14F-4D97-AF65-F5344CB8AC3E}">
-        <p14:creationId xmlns:p14="http://schemas.microsoft.com/office/powerpoint/2010/main" val="2864007446"/>
-      </p:ext>
-    </p:extLst>
-  </p:cSld>
-  <p:clrMapOvr>
-    <a:masterClrMapping/>
-  </p:clrMapOvr>
-</p:sld>
-</file>
-
-<file path=ppt/slides/slide29.xml><?xml version="1.0" encoding="utf-8"?>
-<p:sld xmlns:a="http://schemas.openxmlformats.org/drawingml/2006/main" xmlns:r="http://schemas.openxmlformats.org/officeDocument/2006/relationships" xmlns:p="http://schemas.openxmlformats.org/presentationml/2006/main">
-  <p:cSld>
-    <p:spTree>
-      <p:nvGrpSpPr>
-        <p:cNvPr id="1" name=""/>
-        <p:cNvGrpSpPr/>
-        <p:nvPr/>
-      </p:nvGrpSpPr>
-      <p:grpSpPr>
-        <a:xfrm>
-          <a:off x="0" y="0"/>
-          <a:ext cx="0" cy="0"/>
-          <a:chOff x="0" y="0"/>
-          <a:chExt cx="0" cy="0"/>
-        </a:xfrm>
-      </p:grpSpPr>
-      <p:sp>
-        <p:nvSpPr>
-          <p:cNvPr id="2" name="Text Placeholder 1">
-            <a:extLst>
-              <a:ext uri="{FF2B5EF4-FFF2-40B4-BE49-F238E27FC236}">
-                <a16:creationId xmlns:a16="http://schemas.microsoft.com/office/drawing/2014/main" id="{06E88012-EA37-4246-8DA9-19B4AF6595E1}"/>
-              </a:ext>
-            </a:extLst>
-          </p:cNvPr>
-          <p:cNvSpPr>
-            <a:spLocks noGrp="1"/>
-          </p:cNvSpPr>
-          <p:nvPr>
-            <p:ph type="body" sz="quarter" idx="10"/>
-          </p:nvPr>
-        </p:nvSpPr>
-        <p:spPr>
-          <a:xfrm>
-            <a:off x="3344863" y="1143000"/>
-            <a:ext cx="7593012" cy="2177006"/>
-          </a:xfrm>
-        </p:spPr>
-        <p:txBody>
-          <a:bodyPr/>
-          <a:lstStyle/>
-          <a:p>
-            <a:r>
-              <a:rPr lang="en-US" dirty="0">
-                <a:solidFill>
-                  <a:schemeClr val="bg1"/>
-                </a:solidFill>
-              </a:rPr>
-              <a:t>4</a:t>
-            </a:r>
-          </a:p>
-          <a:p>
-            <a:r>
-              <a:rPr lang="en-US" dirty="0">
-                <a:solidFill>
-                  <a:schemeClr val="bg1"/>
-                </a:solidFill>
-              </a:rPr>
-              <a:t>CTECH401_M4_04</a:t>
-            </a:r>
-          </a:p>
-          <a:p>
-            <a:r>
-              <a:rPr lang="en-US" dirty="0">
-                <a:solidFill>
-                  <a:schemeClr val="bg1"/>
-                </a:solidFill>
-              </a:rPr>
-              <a:t>Booleans</a:t>
-            </a:r>
-          </a:p>
-        </p:txBody>
-      </p:sp>
-    </p:spTree>
-    <p:extLst>
-      <p:ext uri="{BB962C8B-B14F-4D97-AF65-F5344CB8AC3E}">
-        <p14:creationId xmlns:p14="http://schemas.microsoft.com/office/powerpoint/2010/main" val="68515327"/>
       </p:ext>
     </p:extLst>
   </p:cSld>
@@ -4720,6 +4798,184 @@
           <p:cNvPr id="2" name="Text Placeholder 1">
             <a:extLst>
               <a:ext uri="{FF2B5EF4-FFF2-40B4-BE49-F238E27FC236}">
+                <a16:creationId xmlns:a16="http://schemas.microsoft.com/office/drawing/2014/main" id="{7A16CCD2-D813-874C-A670-67A020027D70}"/>
+              </a:ext>
+            </a:extLst>
+          </p:cNvPr>
+          <p:cNvSpPr>
+            <a:spLocks noGrp="1"/>
+          </p:cNvSpPr>
+          <p:nvPr>
+            <p:ph type="body" sz="quarter" idx="10"/>
+          </p:nvPr>
+        </p:nvSpPr>
+        <p:spPr/>
+        <p:txBody>
+          <a:bodyPr/>
+          <a:lstStyle/>
+          <a:p>
+            <a:pPr marL="0" indent="0">
+              <a:buNone/>
+            </a:pPr>
+            <a:r>
+              <a:rPr lang="en-US" dirty="0"/>
+              <a:t>Now you have a repertoire of comparisons.</a:t>
+            </a:r>
+          </a:p>
+          <a:p>
+            <a:pPr marL="0" indent="0">
+              <a:buNone/>
+            </a:pPr>
+            <a:endParaRPr lang="en-US" dirty="0"/>
+          </a:p>
+          <a:p>
+            <a:pPr marL="0" indent="0">
+              <a:buNone/>
+            </a:pPr>
+            <a:r>
+              <a:rPr lang="en-US" dirty="0"/>
+              <a:t>You can use them in conditions.</a:t>
+            </a:r>
+          </a:p>
+          <a:p>
+            <a:pPr marL="0" indent="0">
+              <a:buNone/>
+            </a:pPr>
+            <a:endParaRPr lang="en-US" dirty="0"/>
+          </a:p>
+          <a:p>
+            <a:pPr marL="0" indent="0">
+              <a:buNone/>
+            </a:pPr>
+            <a:r>
+              <a:rPr lang="en-US" dirty="0"/>
+              <a:t> There will be more. :-)</a:t>
+            </a:r>
+          </a:p>
+        </p:txBody>
+      </p:sp>
+    </p:spTree>
+    <p:extLst>
+      <p:ext uri="{BB962C8B-B14F-4D97-AF65-F5344CB8AC3E}">
+        <p14:creationId xmlns:p14="http://schemas.microsoft.com/office/powerpoint/2010/main" val="2864007446"/>
+      </p:ext>
+    </p:extLst>
+  </p:cSld>
+  <p:clrMapOvr>
+    <a:masterClrMapping/>
+  </p:clrMapOvr>
+</p:sld>
+</file>
+
+<file path=ppt/slides/slide31.xml><?xml version="1.0" encoding="utf-8"?>
+<p:sld xmlns:a="http://schemas.openxmlformats.org/drawingml/2006/main" xmlns:r="http://schemas.openxmlformats.org/officeDocument/2006/relationships" xmlns:p="http://schemas.openxmlformats.org/presentationml/2006/main">
+  <p:cSld>
+    <p:spTree>
+      <p:nvGrpSpPr>
+        <p:cNvPr id="1" name=""/>
+        <p:cNvGrpSpPr/>
+        <p:nvPr/>
+      </p:nvGrpSpPr>
+      <p:grpSpPr>
+        <a:xfrm>
+          <a:off x="0" y="0"/>
+          <a:ext cx="0" cy="0"/>
+          <a:chOff x="0" y="0"/>
+          <a:chExt cx="0" cy="0"/>
+        </a:xfrm>
+      </p:grpSpPr>
+      <p:sp>
+        <p:nvSpPr>
+          <p:cNvPr id="2" name="Text Placeholder 1">
+            <a:extLst>
+              <a:ext uri="{FF2B5EF4-FFF2-40B4-BE49-F238E27FC236}">
+                <a16:creationId xmlns:a16="http://schemas.microsoft.com/office/drawing/2014/main" id="{06E88012-EA37-4246-8DA9-19B4AF6595E1}"/>
+              </a:ext>
+            </a:extLst>
+          </p:cNvPr>
+          <p:cNvSpPr>
+            <a:spLocks noGrp="1"/>
+          </p:cNvSpPr>
+          <p:nvPr>
+            <p:ph type="body" sz="quarter" idx="10"/>
+          </p:nvPr>
+        </p:nvSpPr>
+        <p:spPr>
+          <a:xfrm>
+            <a:off x="3344863" y="1143000"/>
+            <a:ext cx="7593012" cy="2177006"/>
+          </a:xfrm>
+        </p:spPr>
+        <p:txBody>
+          <a:bodyPr/>
+          <a:lstStyle/>
+          <a:p>
+            <a:r>
+              <a:rPr lang="en-US" dirty="0">
+                <a:solidFill>
+                  <a:schemeClr val="bg1"/>
+                </a:solidFill>
+              </a:rPr>
+              <a:t>4</a:t>
+            </a:r>
+          </a:p>
+          <a:p>
+            <a:r>
+              <a:rPr lang="en-US" dirty="0">
+                <a:solidFill>
+                  <a:schemeClr val="bg1"/>
+                </a:solidFill>
+              </a:rPr>
+              <a:t>CTECH401_M4_05</a:t>
+            </a:r>
+          </a:p>
+          <a:p>
+            <a:r>
+              <a:rPr lang="en-US" dirty="0">
+                <a:solidFill>
+                  <a:schemeClr val="bg1"/>
+                </a:solidFill>
+              </a:rPr>
+              <a:t>Booleans</a:t>
+            </a:r>
+          </a:p>
+        </p:txBody>
+      </p:sp>
+    </p:spTree>
+    <p:extLst>
+      <p:ext uri="{BB962C8B-B14F-4D97-AF65-F5344CB8AC3E}">
+        <p14:creationId xmlns:p14="http://schemas.microsoft.com/office/powerpoint/2010/main" val="68515327"/>
+      </p:ext>
+    </p:extLst>
+  </p:cSld>
+  <p:clrMapOvr>
+    <a:masterClrMapping/>
+  </p:clrMapOvr>
+</p:sld>
+</file>
+
+<file path=ppt/slides/slide32.xml><?xml version="1.0" encoding="utf-8"?>
+<p:sld xmlns:a="http://schemas.openxmlformats.org/drawingml/2006/main" xmlns:r="http://schemas.openxmlformats.org/officeDocument/2006/relationships" xmlns:p="http://schemas.openxmlformats.org/presentationml/2006/main">
+  <p:cSld>
+    <p:spTree>
+      <p:nvGrpSpPr>
+        <p:cNvPr id="1" name=""/>
+        <p:cNvGrpSpPr/>
+        <p:nvPr/>
+      </p:nvGrpSpPr>
+      <p:grpSpPr>
+        <a:xfrm>
+          <a:off x="0" y="0"/>
+          <a:ext cx="0" cy="0"/>
+          <a:chOff x="0" y="0"/>
+          <a:chExt cx="0" cy="0"/>
+        </a:xfrm>
+      </p:grpSpPr>
+      <p:sp>
+        <p:nvSpPr>
+          <p:cNvPr id="2" name="Text Placeholder 1">
+            <a:extLst>
+              <a:ext uri="{FF2B5EF4-FFF2-40B4-BE49-F238E27FC236}">
                 <a16:creationId xmlns:a16="http://schemas.microsoft.com/office/drawing/2014/main" id="{FAE27BDA-2269-4B48-8A56-661F9C1A4455}"/>
               </a:ext>
             </a:extLst>
@@ -4794,7 +5050,7 @@
 </p:sld>
 </file>
 
-<file path=ppt/slides/slide31.xml><?xml version="1.0" encoding="utf-8"?>
+<file path=ppt/slides/slide33.xml><?xml version="1.0" encoding="utf-8"?>
 <p:sld xmlns:a="http://schemas.openxmlformats.org/drawingml/2006/main" xmlns:r="http://schemas.openxmlformats.org/officeDocument/2006/relationships" xmlns:p="http://schemas.openxmlformats.org/presentationml/2006/main">
   <p:cSld>
     <p:spTree>
@@ -4842,7 +5098,7 @@
           <a:p>
             <a:r>
               <a:rPr lang="en-US" dirty="0"/>
-              <a:t>It has exactly two possible values: True and False</a:t>
+              <a:t>It has exactly two possible values: capital-T True and capital-F False</a:t>
             </a:r>
           </a:p>
           <a:p>
@@ -4902,7 +5158,7 @@
 </p:sld>
 </file>
 
-<file path=ppt/slides/slide32.xml><?xml version="1.0" encoding="utf-8"?>
+<file path=ppt/slides/slide34.xml><?xml version="1.0" encoding="utf-8"?>
 <p:sld xmlns:a="http://schemas.openxmlformats.org/drawingml/2006/main" xmlns:r="http://schemas.openxmlformats.org/officeDocument/2006/relationships" xmlns:p="http://schemas.openxmlformats.org/presentationml/2006/main">
   <p:cSld>
     <p:spTree>
@@ -4960,7 +5216,7 @@
 </p:sld>
 </file>
 
-<file path=ppt/slides/slide33.xml><?xml version="1.0" encoding="utf-8"?>
+<file path=ppt/slides/slide35.xml><?xml version="1.0" encoding="utf-8"?>
 <p:sld xmlns:a="http://schemas.openxmlformats.org/drawingml/2006/main" xmlns:r="http://schemas.openxmlformats.org/officeDocument/2006/relationships" xmlns:p="http://schemas.openxmlformats.org/presentationml/2006/main">
   <p:cSld>
     <p:spTree>
@@ -5226,7 +5482,10 @@
           <a:bodyPr/>
           <a:lstStyle/>
           <a:p>
-            <a:endParaRPr lang="en-US"/>
+            <a:r>
+              <a:rPr lang="en-US" dirty="0"/>
+              <a:t>&lt;number2.py&gt;</a:t>
+            </a:r>
           </a:p>
         </p:txBody>
       </p:sp>
@@ -5243,7 +5502,7 @@
 </p:sld>
 </file>
 
-<file path=ppt/slides/slide34.xml><?xml version="1.0" encoding="utf-8"?>
+<file path=ppt/slides/slide36.xml><?xml version="1.0" encoding="utf-8"?>
 <p:sld xmlns:a="http://schemas.openxmlformats.org/drawingml/2006/main" xmlns:r="http://schemas.openxmlformats.org/officeDocument/2006/relationships" xmlns:p="http://schemas.openxmlformats.org/presentationml/2006/main">
   <p:cSld>
     <p:spTree>
@@ -5340,7 +5599,7 @@
 </p:sld>
 </file>
 
-<file path=ppt/slides/slide35.xml><?xml version="1.0" encoding="utf-8"?>
+<file path=ppt/slides/slide37.xml><?xml version="1.0" encoding="utf-8"?>
 <p:sld xmlns:a="http://schemas.openxmlformats.org/drawingml/2006/main" xmlns:r="http://schemas.openxmlformats.org/officeDocument/2006/relationships" xmlns:p="http://schemas.openxmlformats.org/presentationml/2006/main">
   <p:cSld>
     <p:spTree>
@@ -5429,7 +5688,7 @@
 </p:sld>
 </file>
 
-<file path=ppt/slides/slide36.xml><?xml version="1.0" encoding="utf-8"?>
+<file path=ppt/slides/slide38.xml><?xml version="1.0" encoding="utf-8"?>
 <p:sld xmlns:a="http://schemas.openxmlformats.org/drawingml/2006/main" xmlns:r="http://schemas.openxmlformats.org/officeDocument/2006/relationships" xmlns:p="http://schemas.openxmlformats.org/presentationml/2006/main">
   <p:cSld>
     <p:spTree>
@@ -5516,7 +5775,7 @@
 </p:sld>
 </file>
 
-<file path=ppt/slides/slide37.xml><?xml version="1.0" encoding="utf-8"?>
+<file path=ppt/slides/slide39.xml><?xml version="1.0" encoding="utf-8"?>
 <p:sld xmlns:a="http://schemas.openxmlformats.org/drawingml/2006/main" xmlns:r="http://schemas.openxmlformats.org/officeDocument/2006/relationships" xmlns:p="http://schemas.openxmlformats.org/presentationml/2006/main">
   <p:cSld>
     <p:spTree>
@@ -5552,16 +5811,14 @@
         <p:spPr/>
         <p:txBody>
           <a:bodyPr>
-            <a:normAutofit fontScale="92500" lnSpcReduction="10000"/>
+            <a:normAutofit/>
           </a:bodyPr>
           <a:lstStyle/>
           <a:p>
             <a:r>
               <a:rPr lang="en-US" dirty="0"/>
-              <a:t>Take that example:</a:t>
-            </a:r>
-          </a:p>
-          <a:p>
+              <a:t>E.g., </a:t>
+            </a:r>
             <a:r>
               <a:rPr lang="en-US" b="1" dirty="0">
                 <a:solidFill>
@@ -5651,18 +5908,21 @@
             </a:r>
           </a:p>
           <a:p>
+            <a:pPr lvl="1"/>
             <a:r>
               <a:rPr lang="en-US" dirty="0"/>
               <a:t>if 2 &gt; 5 and 2 &lt; 10</a:t>
             </a:r>
           </a:p>
           <a:p>
+            <a:pPr lvl="1"/>
             <a:r>
               <a:rPr lang="en-US" dirty="0"/>
               <a:t>if False and True</a:t>
             </a:r>
           </a:p>
           <a:p>
+            <a:pPr lvl="1"/>
             <a:r>
               <a:rPr lang="en-US" dirty="0"/>
               <a:t>False</a:t>
@@ -5675,18 +5935,21 @@
             </a:r>
           </a:p>
           <a:p>
+            <a:pPr lvl="1"/>
             <a:r>
               <a:rPr lang="en-US" dirty="0"/>
               <a:t>if 8 &gt; 5 and 8 &lt; 10</a:t>
             </a:r>
           </a:p>
           <a:p>
+            <a:pPr lvl="1"/>
             <a:r>
               <a:rPr lang="en-US" dirty="0"/>
               <a:t>if True and True</a:t>
             </a:r>
           </a:p>
           <a:p>
+            <a:pPr lvl="1"/>
             <a:r>
               <a:rPr lang="en-US" dirty="0"/>
               <a:t>True</a:t>
@@ -5698,181 +5961,6 @@
     <p:extLst>
       <p:ext uri="{BB962C8B-B14F-4D97-AF65-F5344CB8AC3E}">
         <p14:creationId xmlns:p14="http://schemas.microsoft.com/office/powerpoint/2010/main" val="1603697246"/>
-      </p:ext>
-    </p:extLst>
-  </p:cSld>
-  <p:clrMapOvr>
-    <a:masterClrMapping/>
-  </p:clrMapOvr>
-</p:sld>
-</file>
-
-<file path=ppt/slides/slide38.xml><?xml version="1.0" encoding="utf-8"?>
-<p:sld xmlns:a="http://schemas.openxmlformats.org/drawingml/2006/main" xmlns:r="http://schemas.openxmlformats.org/officeDocument/2006/relationships" xmlns:p="http://schemas.openxmlformats.org/presentationml/2006/main">
-  <p:cSld>
-    <p:spTree>
-      <p:nvGrpSpPr>
-        <p:cNvPr id="1" name=""/>
-        <p:cNvGrpSpPr/>
-        <p:nvPr/>
-      </p:nvGrpSpPr>
-      <p:grpSpPr>
-        <a:xfrm>
-          <a:off x="0" y="0"/>
-          <a:ext cx="0" cy="0"/>
-          <a:chOff x="0" y="0"/>
-          <a:chExt cx="0" cy="0"/>
-        </a:xfrm>
-      </p:grpSpPr>
-      <p:sp>
-        <p:nvSpPr>
-          <p:cNvPr id="2" name="Text Placeholder 1">
-            <a:extLst>
-              <a:ext uri="{FF2B5EF4-FFF2-40B4-BE49-F238E27FC236}">
-                <a16:creationId xmlns:a16="http://schemas.microsoft.com/office/drawing/2014/main" id="{B2FE3947-9BE1-2043-BEA7-916E9395142F}"/>
-              </a:ext>
-            </a:extLst>
-          </p:cNvPr>
-          <p:cNvSpPr>
-            <a:spLocks noGrp="1"/>
-          </p:cNvSpPr>
-          <p:nvPr>
-            <p:ph type="body" sz="quarter" idx="10"/>
-          </p:nvPr>
-        </p:nvSpPr>
-        <p:spPr/>
-        <p:txBody>
-          <a:bodyPr/>
-          <a:lstStyle/>
-          <a:p>
-            <a:r>
-              <a:rPr lang="en-US" dirty="0"/>
-              <a:t>There are two more useful Boolean operators: or, not</a:t>
-            </a:r>
-          </a:p>
-          <a:p>
-            <a:r>
-              <a:rPr lang="en-US" dirty="0"/>
-              <a:t>They do what it says on the tin</a:t>
-            </a:r>
-          </a:p>
-          <a:p>
-            <a:r>
-              <a:rPr lang="en-US" dirty="0"/>
-              <a:t>or is true if </a:t>
-            </a:r>
-            <a:r>
-              <a:rPr lang="en-US" i="1" dirty="0"/>
-              <a:t>either</a:t>
-            </a:r>
-            <a:r>
-              <a:rPr lang="en-US" dirty="0"/>
-              <a:t> of the two Booleans is true</a:t>
-            </a:r>
-          </a:p>
-          <a:p>
-            <a:r>
-              <a:rPr lang="en-US" dirty="0"/>
-              <a:t>not is the opposite of what you apply it to</a:t>
-            </a:r>
-          </a:p>
-        </p:txBody>
-      </p:sp>
-    </p:spTree>
-    <p:extLst>
-      <p:ext uri="{BB962C8B-B14F-4D97-AF65-F5344CB8AC3E}">
-        <p14:creationId xmlns:p14="http://schemas.microsoft.com/office/powerpoint/2010/main" val="4202946907"/>
-      </p:ext>
-    </p:extLst>
-  </p:cSld>
-  <p:clrMapOvr>
-    <a:masterClrMapping/>
-  </p:clrMapOvr>
-</p:sld>
-</file>
-
-<file path=ppt/slides/slide39.xml><?xml version="1.0" encoding="utf-8"?>
-<p:sld xmlns:a="http://schemas.openxmlformats.org/drawingml/2006/main" xmlns:r="http://schemas.openxmlformats.org/officeDocument/2006/relationships" xmlns:p="http://schemas.openxmlformats.org/presentationml/2006/main">
-  <p:cSld>
-    <p:spTree>
-      <p:nvGrpSpPr>
-        <p:cNvPr id="1" name=""/>
-        <p:cNvGrpSpPr/>
-        <p:nvPr/>
-      </p:nvGrpSpPr>
-      <p:grpSpPr>
-        <a:xfrm>
-          <a:off x="0" y="0"/>
-          <a:ext cx="0" cy="0"/>
-          <a:chOff x="0" y="0"/>
-          <a:chExt cx="0" cy="0"/>
-        </a:xfrm>
-      </p:grpSpPr>
-      <p:sp>
-        <p:nvSpPr>
-          <p:cNvPr id="2" name="Content Placeholder 1">
-            <a:extLst>
-              <a:ext uri="{FF2B5EF4-FFF2-40B4-BE49-F238E27FC236}">
-                <a16:creationId xmlns:a16="http://schemas.microsoft.com/office/drawing/2014/main" id="{3AD694CF-D7F4-AB48-9192-3A7979326752}"/>
-              </a:ext>
-            </a:extLst>
-          </p:cNvPr>
-          <p:cNvSpPr>
-            <a:spLocks noGrp="1"/>
-          </p:cNvSpPr>
-          <p:nvPr>
-            <p:ph sz="quarter" idx="10"/>
-          </p:nvPr>
-        </p:nvSpPr>
-        <p:spPr/>
-        <p:txBody>
-          <a:bodyPr/>
-          <a:lstStyle/>
-          <a:p>
-            <a:r>
-              <a:rPr lang="en-US" dirty="0"/>
-              <a:t>True or True -&gt; True</a:t>
-            </a:r>
-          </a:p>
-          <a:p>
-            <a:r>
-              <a:rPr lang="en-US" dirty="0"/>
-              <a:t>True or False -&gt; True</a:t>
-            </a:r>
-          </a:p>
-          <a:p>
-            <a:r>
-              <a:rPr lang="en-US" dirty="0"/>
-              <a:t>False or True -&gt; True</a:t>
-            </a:r>
-          </a:p>
-          <a:p>
-            <a:r>
-              <a:rPr lang="en-US" dirty="0"/>
-              <a:t>False or False -&gt; False</a:t>
-            </a:r>
-          </a:p>
-          <a:p>
-            <a:endParaRPr lang="en-US" dirty="0"/>
-          </a:p>
-          <a:p>
-            <a:r>
-              <a:rPr lang="en-US" dirty="0"/>
-              <a:t>not True -&gt; False</a:t>
-            </a:r>
-          </a:p>
-          <a:p>
-            <a:r>
-              <a:rPr lang="en-US" dirty="0"/>
-              <a:t>not False -&gt; True</a:t>
-            </a:r>
-          </a:p>
-        </p:txBody>
-      </p:sp>
-    </p:spTree>
-    <p:extLst>
-      <p:ext uri="{BB962C8B-B14F-4D97-AF65-F5344CB8AC3E}">
-        <p14:creationId xmlns:p14="http://schemas.microsoft.com/office/powerpoint/2010/main" val="616563641"/>
       </p:ext>
     </p:extLst>
   </p:cSld>
@@ -5997,6 +6085,181 @@
           <p:cNvPr id="2" name="Text Placeholder 1">
             <a:extLst>
               <a:ext uri="{FF2B5EF4-FFF2-40B4-BE49-F238E27FC236}">
+                <a16:creationId xmlns:a16="http://schemas.microsoft.com/office/drawing/2014/main" id="{B2FE3947-9BE1-2043-BEA7-916E9395142F}"/>
+              </a:ext>
+            </a:extLst>
+          </p:cNvPr>
+          <p:cNvSpPr>
+            <a:spLocks noGrp="1"/>
+          </p:cNvSpPr>
+          <p:nvPr>
+            <p:ph type="body" sz="quarter" idx="10"/>
+          </p:nvPr>
+        </p:nvSpPr>
+        <p:spPr/>
+        <p:txBody>
+          <a:bodyPr/>
+          <a:lstStyle/>
+          <a:p>
+            <a:r>
+              <a:rPr lang="en-US" dirty="0"/>
+              <a:t>There are two more useful Boolean operators: or, not</a:t>
+            </a:r>
+          </a:p>
+          <a:p>
+            <a:r>
+              <a:rPr lang="en-US" dirty="0"/>
+              <a:t>They do what it says on the tin</a:t>
+            </a:r>
+          </a:p>
+          <a:p>
+            <a:r>
+              <a:rPr lang="en-US" dirty="0"/>
+              <a:t>or is true if </a:t>
+            </a:r>
+            <a:r>
+              <a:rPr lang="en-US" i="1" dirty="0"/>
+              <a:t>either</a:t>
+            </a:r>
+            <a:r>
+              <a:rPr lang="en-US" dirty="0"/>
+              <a:t> of the two Booleans is true</a:t>
+            </a:r>
+          </a:p>
+          <a:p>
+            <a:r>
+              <a:rPr lang="en-US" dirty="0"/>
+              <a:t>not is the opposite of what you apply it to</a:t>
+            </a:r>
+          </a:p>
+        </p:txBody>
+      </p:sp>
+    </p:spTree>
+    <p:extLst>
+      <p:ext uri="{BB962C8B-B14F-4D97-AF65-F5344CB8AC3E}">
+        <p14:creationId xmlns:p14="http://schemas.microsoft.com/office/powerpoint/2010/main" val="4202946907"/>
+      </p:ext>
+    </p:extLst>
+  </p:cSld>
+  <p:clrMapOvr>
+    <a:masterClrMapping/>
+  </p:clrMapOvr>
+</p:sld>
+</file>
+
+<file path=ppt/slides/slide41.xml><?xml version="1.0" encoding="utf-8"?>
+<p:sld xmlns:a="http://schemas.openxmlformats.org/drawingml/2006/main" xmlns:r="http://schemas.openxmlformats.org/officeDocument/2006/relationships" xmlns:p="http://schemas.openxmlformats.org/presentationml/2006/main">
+  <p:cSld>
+    <p:spTree>
+      <p:nvGrpSpPr>
+        <p:cNvPr id="1" name=""/>
+        <p:cNvGrpSpPr/>
+        <p:nvPr/>
+      </p:nvGrpSpPr>
+      <p:grpSpPr>
+        <a:xfrm>
+          <a:off x="0" y="0"/>
+          <a:ext cx="0" cy="0"/>
+          <a:chOff x="0" y="0"/>
+          <a:chExt cx="0" cy="0"/>
+        </a:xfrm>
+      </p:grpSpPr>
+      <p:sp>
+        <p:nvSpPr>
+          <p:cNvPr id="2" name="Content Placeholder 1">
+            <a:extLst>
+              <a:ext uri="{FF2B5EF4-FFF2-40B4-BE49-F238E27FC236}">
+                <a16:creationId xmlns:a16="http://schemas.microsoft.com/office/drawing/2014/main" id="{3AD694CF-D7F4-AB48-9192-3A7979326752}"/>
+              </a:ext>
+            </a:extLst>
+          </p:cNvPr>
+          <p:cNvSpPr>
+            <a:spLocks noGrp="1"/>
+          </p:cNvSpPr>
+          <p:nvPr>
+            <p:ph sz="quarter" idx="10"/>
+          </p:nvPr>
+        </p:nvSpPr>
+        <p:spPr/>
+        <p:txBody>
+          <a:bodyPr/>
+          <a:lstStyle/>
+          <a:p>
+            <a:r>
+              <a:rPr lang="en-US" dirty="0"/>
+              <a:t>True or True -&gt; True</a:t>
+            </a:r>
+          </a:p>
+          <a:p>
+            <a:r>
+              <a:rPr lang="en-US" dirty="0"/>
+              <a:t>True or False -&gt; True</a:t>
+            </a:r>
+          </a:p>
+          <a:p>
+            <a:r>
+              <a:rPr lang="en-US" dirty="0"/>
+              <a:t>False or True -&gt; True</a:t>
+            </a:r>
+          </a:p>
+          <a:p>
+            <a:r>
+              <a:rPr lang="en-US" dirty="0"/>
+              <a:t>False or False -&gt; False</a:t>
+            </a:r>
+          </a:p>
+          <a:p>
+            <a:endParaRPr lang="en-US" dirty="0"/>
+          </a:p>
+          <a:p>
+            <a:r>
+              <a:rPr lang="en-US" dirty="0"/>
+              <a:t>not True -&gt; False</a:t>
+            </a:r>
+          </a:p>
+          <a:p>
+            <a:r>
+              <a:rPr lang="en-US" dirty="0"/>
+              <a:t>not False -&gt; True</a:t>
+            </a:r>
+          </a:p>
+        </p:txBody>
+      </p:sp>
+    </p:spTree>
+    <p:extLst>
+      <p:ext uri="{BB962C8B-B14F-4D97-AF65-F5344CB8AC3E}">
+        <p14:creationId xmlns:p14="http://schemas.microsoft.com/office/powerpoint/2010/main" val="616563641"/>
+      </p:ext>
+    </p:extLst>
+  </p:cSld>
+  <p:clrMapOvr>
+    <a:masterClrMapping/>
+  </p:clrMapOvr>
+</p:sld>
+</file>
+
+<file path=ppt/slides/slide42.xml><?xml version="1.0" encoding="utf-8"?>
+<p:sld xmlns:a="http://schemas.openxmlformats.org/drawingml/2006/main" xmlns:r="http://schemas.openxmlformats.org/officeDocument/2006/relationships" xmlns:p="http://schemas.openxmlformats.org/presentationml/2006/main">
+  <p:cSld>
+    <p:spTree>
+      <p:nvGrpSpPr>
+        <p:cNvPr id="1" name=""/>
+        <p:cNvGrpSpPr/>
+        <p:nvPr/>
+      </p:nvGrpSpPr>
+      <p:grpSpPr>
+        <a:xfrm>
+          <a:off x="0" y="0"/>
+          <a:ext cx="0" cy="0"/>
+          <a:chOff x="0" y="0"/>
+          <a:chExt cx="0" cy="0"/>
+        </a:xfrm>
+      </p:grpSpPr>
+      <p:sp>
+        <p:nvSpPr>
+          <p:cNvPr id="2" name="Text Placeholder 1">
+            <a:extLst>
+              <a:ext uri="{FF2B5EF4-FFF2-40B4-BE49-F238E27FC236}">
                 <a16:creationId xmlns:a16="http://schemas.microsoft.com/office/drawing/2014/main" id="{06E88012-EA37-4246-8DA9-19B4AF6595E1}"/>
               </a:ext>
             </a:extLst>
@@ -6034,7 +6297,7 @@
                   <a:schemeClr val="bg1"/>
                 </a:solidFill>
               </a:rPr>
-              <a:t>CTECH401_M4_05</a:t>
+              <a:t>CTECH401_M4_06</a:t>
             </a:r>
           </a:p>
           <a:p>
@@ -6062,7 +6325,7 @@
 </p:sld>
 </file>
 
-<file path=ppt/slides/slide41.xml><?xml version="1.0" encoding="utf-8"?>
+<file path=ppt/slides/slide43.xml><?xml version="1.0" encoding="utf-8"?>
 <p:sld xmlns:a="http://schemas.openxmlformats.org/drawingml/2006/main" xmlns:r="http://schemas.openxmlformats.org/officeDocument/2006/relationships" xmlns:p="http://schemas.openxmlformats.org/presentationml/2006/main">
   <p:cSld>
     <p:spTree>
@@ -6120,7 +6383,7 @@
 </p:sld>
 </file>
 
-<file path=ppt/slides/slide42.xml><?xml version="1.0" encoding="utf-8"?>
+<file path=ppt/slides/slide44.xml><?xml version="1.0" encoding="utf-8"?>
 <p:sld xmlns:a="http://schemas.openxmlformats.org/drawingml/2006/main" xmlns:r="http://schemas.openxmlformats.org/officeDocument/2006/relationships" xmlns:p="http://schemas.openxmlformats.org/presentationml/2006/main">
   <p:cSld>
     <p:spTree>
@@ -6414,7 +6677,10 @@
           <a:bodyPr/>
           <a:lstStyle/>
           <a:p>
-            <a:endParaRPr lang="en-US"/>
+            <a:r>
+              <a:rPr lang="en-US" dirty="0"/>
+              <a:t>&lt;animal3.py&gt;</a:t>
+            </a:r>
           </a:p>
         </p:txBody>
       </p:sp>
@@ -6431,7 +6697,7 @@
 </p:sld>
 </file>
 
-<file path=ppt/slides/slide43.xml><?xml version="1.0" encoding="utf-8"?>
+<file path=ppt/slides/slide45.xml><?xml version="1.0" encoding="utf-8"?>
 <p:sld xmlns:a="http://schemas.openxmlformats.org/drawingml/2006/main" xmlns:r="http://schemas.openxmlformats.org/officeDocument/2006/relationships" xmlns:p="http://schemas.openxmlformats.org/presentationml/2006/main">
   <p:cSld>
     <p:spTree>
@@ -6467,7 +6733,7 @@
         <p:spPr/>
         <p:txBody>
           <a:bodyPr>
-            <a:normAutofit lnSpcReduction="10000"/>
+            <a:normAutofit/>
           </a:bodyPr>
           <a:lstStyle/>
           <a:p>
@@ -6482,6 +6748,21 @@
           <a:p>
             <a:r>
               <a:rPr lang="en-US" dirty="0"/>
+              <a:t>$ python animal3.py</a:t>
+            </a:r>
+          </a:p>
+          <a:p>
+            <a:r>
+              <a:rPr lang="en-US" dirty="0"/>
+              <a:t>dog</a:t>
+            </a:r>
+          </a:p>
+          <a:p>
+            <a:endParaRPr lang="en-US" dirty="0"/>
+          </a:p>
+          <a:p>
+            <a:r>
+              <a:rPr lang="en-US" dirty="0"/>
               <a:t>Suppose the user types in 'dog': then it goes into the if body. It prints 'Cool, I like dogs too,' Then it goes to the next line and prints 'Thank you.' </a:t>
             </a:r>
             <a:r>
@@ -6490,16 +6771,7 @@
             </a:r>
             <a:r>
               <a:rPr lang="en-US" dirty="0"/>
-              <a:t> it's done with the if body, so it goes to the first statement after the body, and it prints 'Goodbye'</a:t>
-            </a:r>
-          </a:p>
-          <a:p>
-            <a:endParaRPr lang="en-US" dirty="0"/>
-          </a:p>
-          <a:p>
-            <a:r>
-              <a:rPr lang="en-US" dirty="0"/>
-              <a:t>Suppose the user types in 'cat': then since the condition is false, Python skips the entire if body. It goes to the line right afterwards and prints 'Goodbye'</a:t>
+              <a:t> it's done with the if body, so it goes to the first statement after the body, and it prints 'Goodbye.</a:t>
             </a:r>
           </a:p>
         </p:txBody>
@@ -6517,7 +6789,82 @@
 </p:sld>
 </file>
 
-<file path=ppt/slides/slide44.xml><?xml version="1.0" encoding="utf-8"?>
+<file path=ppt/slides/slide46.xml><?xml version="1.0" encoding="utf-8"?>
+<p:sld xmlns:a="http://schemas.openxmlformats.org/drawingml/2006/main" xmlns:r="http://schemas.openxmlformats.org/officeDocument/2006/relationships" xmlns:p="http://schemas.openxmlformats.org/presentationml/2006/main">
+  <p:cSld>
+    <p:spTree>
+      <p:nvGrpSpPr>
+        <p:cNvPr id="1" name=""/>
+        <p:cNvGrpSpPr/>
+        <p:nvPr/>
+      </p:nvGrpSpPr>
+      <p:grpSpPr>
+        <a:xfrm>
+          <a:off x="0" y="0"/>
+          <a:ext cx="0" cy="0"/>
+          <a:chOff x="0" y="0"/>
+          <a:chExt cx="0" cy="0"/>
+        </a:xfrm>
+      </p:grpSpPr>
+      <p:sp>
+        <p:nvSpPr>
+          <p:cNvPr id="2" name="Content Placeholder 1">
+            <a:extLst>
+              <a:ext uri="{FF2B5EF4-FFF2-40B4-BE49-F238E27FC236}">
+                <a16:creationId xmlns:a16="http://schemas.microsoft.com/office/drawing/2014/main" id="{D5E2C668-2F94-F540-9759-62D5CA4984F8}"/>
+              </a:ext>
+            </a:extLst>
+          </p:cNvPr>
+          <p:cNvSpPr>
+            <a:spLocks noGrp="1"/>
+          </p:cNvSpPr>
+          <p:nvPr>
+            <p:ph sz="quarter" idx="10"/>
+          </p:nvPr>
+        </p:nvSpPr>
+        <p:spPr/>
+        <p:txBody>
+          <a:bodyPr>
+            <a:normAutofit/>
+          </a:bodyPr>
+          <a:lstStyle/>
+          <a:p>
+            <a:r>
+              <a:rPr lang="en-US" dirty="0"/>
+              <a:t>$ python animal3.py</a:t>
+            </a:r>
+          </a:p>
+          <a:p>
+            <a:r>
+              <a:rPr lang="en-US" dirty="0"/>
+              <a:t>cat</a:t>
+            </a:r>
+          </a:p>
+          <a:p>
+            <a:endParaRPr lang="en-US" dirty="0"/>
+          </a:p>
+          <a:p>
+            <a:r>
+              <a:rPr lang="en-US" dirty="0"/>
+              <a:t>But if the user types in 'cat': then since the condition is false, Python skips the entire if body. It goes to the line right afterwards and prints 'Goodbye'</a:t>
+            </a:r>
+          </a:p>
+        </p:txBody>
+      </p:sp>
+    </p:spTree>
+    <p:extLst>
+      <p:ext uri="{BB962C8B-B14F-4D97-AF65-F5344CB8AC3E}">
+        <p14:creationId xmlns:p14="http://schemas.microsoft.com/office/powerpoint/2010/main" val="1035234520"/>
+      </p:ext>
+    </p:extLst>
+  </p:cSld>
+  <p:clrMapOvr>
+    <a:masterClrMapping/>
+  </p:clrMapOvr>
+</p:sld>
+</file>
+
+<file path=ppt/slides/slide47.xml><?xml version="1.0" encoding="utf-8"?>
 <p:sld xmlns:a="http://schemas.openxmlformats.org/drawingml/2006/main" xmlns:r="http://schemas.openxmlformats.org/officeDocument/2006/relationships" xmlns:p="http://schemas.openxmlformats.org/presentationml/2006/main">
   <p:cSld>
     <p:spTree>
@@ -6805,7 +7152,10 @@
           <a:bodyPr/>
           <a:lstStyle/>
           <a:p>
-            <a:endParaRPr lang="en-US"/>
+            <a:r>
+              <a:rPr lang="en-US" dirty="0"/>
+              <a:t>&lt;animal4.py&gt;</a:t>
+            </a:r>
           </a:p>
         </p:txBody>
       </p:sp>
@@ -6822,7 +7172,7 @@
 </p:sld>
 </file>
 
-<file path=ppt/slides/slide45.xml><?xml version="1.0" encoding="utf-8"?>
+<file path=ppt/slides/slide48.xml><?xml version="1.0" encoding="utf-8"?>
 <p:sld xmlns:a="http://schemas.openxmlformats.org/drawingml/2006/main" xmlns:r="http://schemas.openxmlformats.org/officeDocument/2006/relationships" xmlns:p="http://schemas.openxmlformats.org/presentationml/2006/main">
   <p:cSld>
     <p:spTree>
@@ -6894,796 +7244,6 @@
 </p:sld>
 </file>
 
-<file path=ppt/slides/slide46.xml><?xml version="1.0" encoding="utf-8"?>
-<p:sld xmlns:a="http://schemas.openxmlformats.org/drawingml/2006/main" xmlns:r="http://schemas.openxmlformats.org/officeDocument/2006/relationships" xmlns:p="http://schemas.openxmlformats.org/presentationml/2006/main">
-  <p:cSld>
-    <p:spTree>
-      <p:nvGrpSpPr>
-        <p:cNvPr id="1" name=""/>
-        <p:cNvGrpSpPr/>
-        <p:nvPr/>
-      </p:nvGrpSpPr>
-      <p:grpSpPr>
-        <a:xfrm>
-          <a:off x="0" y="0"/>
-          <a:ext cx="0" cy="0"/>
-          <a:chOff x="0" y="0"/>
-          <a:chExt cx="0" cy="0"/>
-        </a:xfrm>
-      </p:grpSpPr>
-      <p:sp>
-        <p:nvSpPr>
-          <p:cNvPr id="2" name="Text Placeholder 1">
-            <a:extLst>
-              <a:ext uri="{FF2B5EF4-FFF2-40B4-BE49-F238E27FC236}">
-                <a16:creationId xmlns:a16="http://schemas.microsoft.com/office/drawing/2014/main" id="{56008109-547F-6847-B658-E572020036A0}"/>
-              </a:ext>
-            </a:extLst>
-          </p:cNvPr>
-          <p:cNvSpPr>
-            <a:spLocks noGrp="1"/>
-          </p:cNvSpPr>
-          <p:nvPr>
-            <p:ph type="body" sz="quarter" idx="11"/>
-          </p:nvPr>
-        </p:nvSpPr>
-        <p:spPr>
-          <a:xfrm>
-            <a:off x="5892800" y="359330"/>
-            <a:ext cx="6011900" cy="2586990"/>
-          </a:xfrm>
-        </p:spPr>
-        <p:txBody>
-          <a:bodyPr/>
-          <a:lstStyle/>
-          <a:p>
-            <a:r>
-              <a:rPr lang="en-US" b="1" dirty="0">
-                <a:solidFill>
-                  <a:srgbClr val="000000"/>
-                </a:solidFill>
-                <a:latin typeface="Consolas" panose="020B0609020204030204" pitchFamily="49" charset="0"/>
-              </a:rPr>
-              <a:t>animal </a:t>
-            </a:r>
-            <a:r>
-              <a:rPr lang="en-US" b="1" dirty="0">
-                <a:solidFill>
-                  <a:srgbClr val="CE5C00"/>
-                </a:solidFill>
-                <a:latin typeface="Consolas" panose="020B0609020204030204" pitchFamily="49" charset="0"/>
-              </a:rPr>
-              <a:t>= </a:t>
-            </a:r>
-            <a:r>
-              <a:rPr lang="en-US" b="1" dirty="0">
-                <a:solidFill>
-                  <a:srgbClr val="204A87"/>
-                </a:solidFill>
-                <a:latin typeface="Consolas" panose="020B0609020204030204" pitchFamily="49" charset="0"/>
-              </a:rPr>
-              <a:t>input</a:t>
-            </a:r>
-            <a:r>
-              <a:rPr lang="en-US" b="1" dirty="0">
-                <a:solidFill>
-                  <a:srgbClr val="000000"/>
-                </a:solidFill>
-                <a:latin typeface="Consolas" panose="020B0609020204030204" pitchFamily="49" charset="0"/>
-              </a:rPr>
-              <a:t>(</a:t>
-            </a:r>
-            <a:r>
-              <a:rPr lang="en-US" b="1" dirty="0">
-                <a:solidFill>
-                  <a:srgbClr val="4E9A06"/>
-                </a:solidFill>
-                <a:latin typeface="Consolas" panose="020B0609020204030204" pitchFamily="49" charset="0"/>
-              </a:rPr>
-              <a:t>'Name an animal: '</a:t>
-            </a:r>
-            <a:r>
-              <a:rPr lang="en-US" b="1" dirty="0">
-                <a:solidFill>
-                  <a:srgbClr val="000000"/>
-                </a:solidFill>
-                <a:latin typeface="Consolas" panose="020B0609020204030204" pitchFamily="49" charset="0"/>
-              </a:rPr>
-              <a:t>)</a:t>
-            </a:r>
-          </a:p>
-          <a:p>
-            <a:r>
-              <a:rPr lang="en-US" b="1" dirty="0">
-                <a:solidFill>
-                  <a:srgbClr val="204A87"/>
-                </a:solidFill>
-                <a:latin typeface="Consolas" panose="020B0609020204030204" pitchFamily="49" charset="0"/>
-              </a:rPr>
-              <a:t>if </a:t>
-            </a:r>
-            <a:r>
-              <a:rPr lang="en-US" b="1" dirty="0">
-                <a:solidFill>
-                  <a:srgbClr val="000000"/>
-                </a:solidFill>
-                <a:latin typeface="Consolas" panose="020B0609020204030204" pitchFamily="49" charset="0"/>
-              </a:rPr>
-              <a:t>animal </a:t>
-            </a:r>
-            <a:r>
-              <a:rPr lang="en-US" b="1" dirty="0">
-                <a:solidFill>
-                  <a:srgbClr val="CE5C00"/>
-                </a:solidFill>
-                <a:latin typeface="Consolas" panose="020B0609020204030204" pitchFamily="49" charset="0"/>
-              </a:rPr>
-              <a:t>== </a:t>
-            </a:r>
-            <a:r>
-              <a:rPr lang="en-US" b="1" dirty="0">
-                <a:solidFill>
-                  <a:srgbClr val="4E9A06"/>
-                </a:solidFill>
-                <a:latin typeface="Consolas" panose="020B0609020204030204" pitchFamily="49" charset="0"/>
-              </a:rPr>
-              <a:t>'dog'</a:t>
-            </a:r>
-            <a:r>
-              <a:rPr lang="en-US" b="1" dirty="0">
-                <a:solidFill>
-                  <a:srgbClr val="000000"/>
-                </a:solidFill>
-                <a:latin typeface="Consolas" panose="020B0609020204030204" pitchFamily="49" charset="0"/>
-              </a:rPr>
-              <a:t>:</a:t>
-            </a:r>
-          </a:p>
-          <a:p>
-            <a:r>
-              <a:rPr lang="en-US" b="1" dirty="0">
-                <a:latin typeface="Consolas" panose="020B0609020204030204" pitchFamily="49" charset="0"/>
-              </a:rPr>
-              <a:t>    </a:t>
-            </a:r>
-            <a:r>
-              <a:rPr lang="en-US" b="1" dirty="0">
-                <a:solidFill>
-                  <a:srgbClr val="204A87"/>
-                </a:solidFill>
-                <a:latin typeface="Consolas" panose="020B0609020204030204" pitchFamily="49" charset="0"/>
-              </a:rPr>
-              <a:t>print</a:t>
-            </a:r>
-            <a:r>
-              <a:rPr lang="en-US" b="1" dirty="0">
-                <a:solidFill>
-                  <a:srgbClr val="000000"/>
-                </a:solidFill>
-                <a:latin typeface="Consolas" panose="020B0609020204030204" pitchFamily="49" charset="0"/>
-              </a:rPr>
-              <a:t>(</a:t>
-            </a:r>
-            <a:r>
-              <a:rPr lang="en-US" b="1" dirty="0">
-                <a:solidFill>
-                  <a:srgbClr val="4E9A06"/>
-                </a:solidFill>
-                <a:latin typeface="Consolas" panose="020B0609020204030204" pitchFamily="49" charset="0"/>
-              </a:rPr>
-              <a:t>'Cool. I like dogs, too.'</a:t>
-            </a:r>
-            <a:r>
-              <a:rPr lang="en-US" b="1" dirty="0">
-                <a:solidFill>
-                  <a:srgbClr val="000000"/>
-                </a:solidFill>
-                <a:latin typeface="Consolas" panose="020B0609020204030204" pitchFamily="49" charset="0"/>
-              </a:rPr>
-              <a:t>)</a:t>
-            </a:r>
-          </a:p>
-          <a:p>
-            <a:r>
-              <a:rPr lang="en-US" b="1" dirty="0">
-                <a:solidFill>
-                  <a:srgbClr val="204A87"/>
-                </a:solidFill>
-                <a:latin typeface="Consolas" panose="020B0609020204030204" pitchFamily="49" charset="0"/>
-              </a:rPr>
-              <a:t>if </a:t>
-            </a:r>
-            <a:r>
-              <a:rPr lang="en-US" b="1" dirty="0">
-                <a:solidFill>
-                  <a:srgbClr val="000000"/>
-                </a:solidFill>
-                <a:latin typeface="Consolas" panose="020B0609020204030204" pitchFamily="49" charset="0"/>
-              </a:rPr>
-              <a:t>animal </a:t>
-            </a:r>
-            <a:r>
-              <a:rPr lang="en-US" b="1" dirty="0">
-                <a:solidFill>
-                  <a:srgbClr val="CE5C00"/>
-                </a:solidFill>
-                <a:latin typeface="Consolas" panose="020B0609020204030204" pitchFamily="49" charset="0"/>
-              </a:rPr>
-              <a:t>== </a:t>
-            </a:r>
-            <a:r>
-              <a:rPr lang="en-US" b="1" dirty="0">
-                <a:solidFill>
-                  <a:srgbClr val="4E9A06"/>
-                </a:solidFill>
-                <a:latin typeface="Consolas" panose="020B0609020204030204" pitchFamily="49" charset="0"/>
-              </a:rPr>
-              <a:t>'cat'</a:t>
-            </a:r>
-            <a:r>
-              <a:rPr lang="en-US" b="1" dirty="0">
-                <a:solidFill>
-                  <a:srgbClr val="000000"/>
-                </a:solidFill>
-                <a:latin typeface="Consolas" panose="020B0609020204030204" pitchFamily="49" charset="0"/>
-              </a:rPr>
-              <a:t>:</a:t>
-            </a:r>
-          </a:p>
-          <a:p>
-            <a:r>
-              <a:rPr lang="en-US" b="1" dirty="0">
-                <a:latin typeface="Consolas" panose="020B0609020204030204" pitchFamily="49" charset="0"/>
-              </a:rPr>
-              <a:t>    </a:t>
-            </a:r>
-            <a:r>
-              <a:rPr lang="en-US" b="1" dirty="0">
-                <a:solidFill>
-                  <a:srgbClr val="204A87"/>
-                </a:solidFill>
-                <a:latin typeface="Consolas" panose="020B0609020204030204" pitchFamily="49" charset="0"/>
-              </a:rPr>
-              <a:t>print</a:t>
-            </a:r>
-            <a:r>
-              <a:rPr lang="en-US" b="1" dirty="0">
-                <a:solidFill>
-                  <a:srgbClr val="000000"/>
-                </a:solidFill>
-                <a:latin typeface="Consolas" panose="020B0609020204030204" pitchFamily="49" charset="0"/>
-              </a:rPr>
-              <a:t>(</a:t>
-            </a:r>
-            <a:r>
-              <a:rPr lang="en-US" b="1" dirty="0">
-                <a:solidFill>
-                  <a:srgbClr val="4E9A06"/>
-                </a:solidFill>
-                <a:latin typeface="Consolas" panose="020B0609020204030204" pitchFamily="49" charset="0"/>
-              </a:rPr>
-              <a:t>'Cats are okay.'</a:t>
-            </a:r>
-            <a:r>
-              <a:rPr lang="en-US" b="1" dirty="0">
-                <a:solidFill>
-                  <a:srgbClr val="000000"/>
-                </a:solidFill>
-                <a:latin typeface="Consolas" panose="020B0609020204030204" pitchFamily="49" charset="0"/>
-              </a:rPr>
-              <a:t>)</a:t>
-            </a:r>
-          </a:p>
-          <a:p>
-            <a:r>
-              <a:rPr lang="en-US" b="1" dirty="0">
-                <a:solidFill>
-                  <a:srgbClr val="204A87"/>
-                </a:solidFill>
-                <a:latin typeface="Consolas" panose="020B0609020204030204" pitchFamily="49" charset="0"/>
-              </a:rPr>
-              <a:t>print</a:t>
-            </a:r>
-            <a:r>
-              <a:rPr lang="en-US" b="1" dirty="0">
-                <a:solidFill>
-                  <a:srgbClr val="000000"/>
-                </a:solidFill>
-                <a:latin typeface="Consolas" panose="020B0609020204030204" pitchFamily="49" charset="0"/>
-              </a:rPr>
-              <a:t>(</a:t>
-            </a:r>
-            <a:r>
-              <a:rPr lang="en-US" b="1" dirty="0">
-                <a:solidFill>
-                  <a:srgbClr val="4E9A06"/>
-                </a:solidFill>
-                <a:latin typeface="Consolas" panose="020B0609020204030204" pitchFamily="49" charset="0"/>
-              </a:rPr>
-              <a:t>'Goodbye!'</a:t>
-            </a:r>
-            <a:r>
-              <a:rPr lang="en-US" b="1" dirty="0">
-                <a:solidFill>
-                  <a:srgbClr val="000000"/>
-                </a:solidFill>
-                <a:latin typeface="Consolas" panose="020B0609020204030204" pitchFamily="49" charset="0"/>
-              </a:rPr>
-              <a:t>)</a:t>
-            </a:r>
-          </a:p>
-        </p:txBody>
-      </p:sp>
-      <p:sp>
-        <p:nvSpPr>
-          <p:cNvPr id="3" name="Text Placeholder 2">
-            <a:extLst>
-              <a:ext uri="{FF2B5EF4-FFF2-40B4-BE49-F238E27FC236}">
-                <a16:creationId xmlns:a16="http://schemas.microsoft.com/office/drawing/2014/main" id="{895189D6-F794-8944-8263-2DA14DA05B5F}"/>
-              </a:ext>
-            </a:extLst>
-          </p:cNvPr>
-          <p:cNvSpPr>
-            <a:spLocks noGrp="1"/>
-          </p:cNvSpPr>
-          <p:nvPr>
-            <p:ph type="body" sz="quarter" idx="12"/>
-          </p:nvPr>
-        </p:nvSpPr>
-        <p:spPr/>
-        <p:txBody>
-          <a:bodyPr/>
-          <a:lstStyle/>
-          <a:p>
-            <a:endParaRPr lang="en-US"/>
-          </a:p>
-        </p:txBody>
-      </p:sp>
-    </p:spTree>
-    <p:extLst>
-      <p:ext uri="{BB962C8B-B14F-4D97-AF65-F5344CB8AC3E}">
-        <p14:creationId xmlns:p14="http://schemas.microsoft.com/office/powerpoint/2010/main" val="1225866903"/>
-      </p:ext>
-    </p:extLst>
-  </p:cSld>
-  <p:clrMapOvr>
-    <a:masterClrMapping/>
-  </p:clrMapOvr>
-</p:sld>
-</file>
-
-<file path=ppt/slides/slide47.xml><?xml version="1.0" encoding="utf-8"?>
-<p:sld xmlns:a="http://schemas.openxmlformats.org/drawingml/2006/main" xmlns:r="http://schemas.openxmlformats.org/officeDocument/2006/relationships" xmlns:p="http://schemas.openxmlformats.org/presentationml/2006/main">
-  <p:cSld>
-    <p:spTree>
-      <p:nvGrpSpPr>
-        <p:cNvPr id="1" name=""/>
-        <p:cNvGrpSpPr/>
-        <p:nvPr/>
-      </p:nvGrpSpPr>
-      <p:grpSpPr>
-        <a:xfrm>
-          <a:off x="0" y="0"/>
-          <a:ext cx="0" cy="0"/>
-          <a:chOff x="0" y="0"/>
-          <a:chExt cx="0" cy="0"/>
-        </a:xfrm>
-      </p:grpSpPr>
-      <p:sp>
-        <p:nvSpPr>
-          <p:cNvPr id="2" name="Text Placeholder 1">
-            <a:extLst>
-              <a:ext uri="{FF2B5EF4-FFF2-40B4-BE49-F238E27FC236}">
-                <a16:creationId xmlns:a16="http://schemas.microsoft.com/office/drawing/2014/main" id="{E7143F4B-9EB5-C44D-9CB3-A24ACB8320F0}"/>
-              </a:ext>
-            </a:extLst>
-          </p:cNvPr>
-          <p:cNvSpPr>
-            <a:spLocks noGrp="1"/>
-          </p:cNvSpPr>
-          <p:nvPr>
-            <p:ph type="body" sz="quarter" idx="10"/>
-          </p:nvPr>
-        </p:nvSpPr>
-        <p:spPr/>
-        <p:txBody>
-          <a:bodyPr>
-            <a:normAutofit fontScale="92500" lnSpcReduction="10000"/>
-          </a:bodyPr>
-          <a:lstStyle/>
-          <a:p>
-            <a:r>
-              <a:rPr lang="en-US" dirty="0"/>
-              <a:t>Here's a version with </a:t>
-            </a:r>
-            <a:r>
-              <a:rPr lang="en-US" i="1" dirty="0"/>
-              <a:t>two</a:t>
-            </a:r>
-            <a:r>
-              <a:rPr lang="en-US" dirty="0"/>
-              <a:t> if statements</a:t>
-            </a:r>
-          </a:p>
-          <a:p>
-            <a:r>
-              <a:rPr lang="en-US" dirty="0"/>
-              <a:t>Each of them has its own condition and its own body</a:t>
-            </a:r>
-          </a:p>
-          <a:p>
-            <a:r>
-              <a:rPr lang="en-US" dirty="0"/>
-              <a:t>if animal is dog, Python executes the first indented block</a:t>
-            </a:r>
-          </a:p>
-          <a:p>
-            <a:r>
-              <a:rPr lang="en-US" dirty="0"/>
-              <a:t>Either way, control continues with the next line after the if body  … another if statement!</a:t>
-            </a:r>
-          </a:p>
-          <a:p>
-            <a:r>
-              <a:rPr lang="en-US" dirty="0"/>
-              <a:t>if animal is cat, Python executes the second indented block</a:t>
-            </a:r>
-          </a:p>
-          <a:p>
-            <a:r>
-              <a:rPr lang="en-US" dirty="0"/>
-              <a:t>Either way, control continues with the next line after the if body  … goodbye</a:t>
-            </a:r>
-          </a:p>
-          <a:p>
-            <a:endParaRPr lang="en-US" dirty="0"/>
-          </a:p>
-        </p:txBody>
-      </p:sp>
-    </p:spTree>
-    <p:extLst>
-      <p:ext uri="{BB962C8B-B14F-4D97-AF65-F5344CB8AC3E}">
-        <p14:creationId xmlns:p14="http://schemas.microsoft.com/office/powerpoint/2010/main" val="1489608468"/>
-      </p:ext>
-    </p:extLst>
-  </p:cSld>
-  <p:clrMapOvr>
-    <a:masterClrMapping/>
-  </p:clrMapOvr>
-</p:sld>
-</file>
-
-<file path=ppt/slides/slide48.xml><?xml version="1.0" encoding="utf-8"?>
-<p:sld xmlns:a="http://schemas.openxmlformats.org/drawingml/2006/main" xmlns:r="http://schemas.openxmlformats.org/officeDocument/2006/relationships" xmlns:p="http://schemas.openxmlformats.org/presentationml/2006/main">
-  <p:cSld>
-    <p:spTree>
-      <p:nvGrpSpPr>
-        <p:cNvPr id="1" name=""/>
-        <p:cNvGrpSpPr/>
-        <p:nvPr/>
-      </p:nvGrpSpPr>
-      <p:grpSpPr>
-        <a:xfrm>
-          <a:off x="0" y="0"/>
-          <a:ext cx="0" cy="0"/>
-          <a:chOff x="0" y="0"/>
-          <a:chExt cx="0" cy="0"/>
-        </a:xfrm>
-      </p:grpSpPr>
-      <p:sp>
-        <p:nvSpPr>
-          <p:cNvPr id="2" name="Text Placeholder 1">
-            <a:extLst>
-              <a:ext uri="{FF2B5EF4-FFF2-40B4-BE49-F238E27FC236}">
-                <a16:creationId xmlns:a16="http://schemas.microsoft.com/office/drawing/2014/main" id="{F172E846-CA42-054D-ADCD-FAC4BB1413F0}"/>
-              </a:ext>
-            </a:extLst>
-          </p:cNvPr>
-          <p:cNvSpPr>
-            <a:spLocks noGrp="1"/>
-          </p:cNvSpPr>
-          <p:nvPr>
-            <p:ph type="body" sz="quarter" idx="11"/>
-          </p:nvPr>
-        </p:nvSpPr>
-        <p:spPr>
-          <a:xfrm>
-            <a:off x="5892800" y="359330"/>
-            <a:ext cx="6011900" cy="2586990"/>
-          </a:xfrm>
-        </p:spPr>
-        <p:txBody>
-          <a:bodyPr/>
-          <a:lstStyle/>
-          <a:p>
-            <a:r>
-              <a:rPr lang="en-US" b="1" dirty="0">
-                <a:solidFill>
-                  <a:srgbClr val="000000"/>
-                </a:solidFill>
-                <a:latin typeface="Consolas" panose="020B0609020204030204" pitchFamily="49" charset="0"/>
-              </a:rPr>
-              <a:t>animal </a:t>
-            </a:r>
-            <a:r>
-              <a:rPr lang="en-US" b="1" dirty="0">
-                <a:solidFill>
-                  <a:srgbClr val="CE5C00"/>
-                </a:solidFill>
-                <a:latin typeface="Consolas" panose="020B0609020204030204" pitchFamily="49" charset="0"/>
-              </a:rPr>
-              <a:t>= </a:t>
-            </a:r>
-            <a:r>
-              <a:rPr lang="en-US" b="1" dirty="0">
-                <a:solidFill>
-                  <a:srgbClr val="204A87"/>
-                </a:solidFill>
-                <a:latin typeface="Consolas" panose="020B0609020204030204" pitchFamily="49" charset="0"/>
-              </a:rPr>
-              <a:t>input</a:t>
-            </a:r>
-            <a:r>
-              <a:rPr lang="en-US" b="1" dirty="0">
-                <a:solidFill>
-                  <a:srgbClr val="000000"/>
-                </a:solidFill>
-                <a:latin typeface="Consolas" panose="020B0609020204030204" pitchFamily="49" charset="0"/>
-              </a:rPr>
-              <a:t>(</a:t>
-            </a:r>
-            <a:r>
-              <a:rPr lang="en-US" b="1" dirty="0">
-                <a:solidFill>
-                  <a:srgbClr val="4E9A06"/>
-                </a:solidFill>
-                <a:latin typeface="Consolas" panose="020B0609020204030204" pitchFamily="49" charset="0"/>
-              </a:rPr>
-              <a:t>'Name an animal: '</a:t>
-            </a:r>
-            <a:r>
-              <a:rPr lang="en-US" b="1" dirty="0">
-                <a:solidFill>
-                  <a:srgbClr val="000000"/>
-                </a:solidFill>
-                <a:latin typeface="Consolas" panose="020B0609020204030204" pitchFamily="49" charset="0"/>
-              </a:rPr>
-              <a:t>)</a:t>
-            </a:r>
-          </a:p>
-          <a:p>
-            <a:r>
-              <a:rPr lang="en-US" b="1" dirty="0">
-                <a:solidFill>
-                  <a:srgbClr val="204A87"/>
-                </a:solidFill>
-                <a:latin typeface="Consolas" panose="020B0609020204030204" pitchFamily="49" charset="0"/>
-              </a:rPr>
-              <a:t>if </a:t>
-            </a:r>
-            <a:r>
-              <a:rPr lang="en-US" b="1" dirty="0">
-                <a:solidFill>
-                  <a:srgbClr val="000000"/>
-                </a:solidFill>
-                <a:latin typeface="Consolas" panose="020B0609020204030204" pitchFamily="49" charset="0"/>
-              </a:rPr>
-              <a:t>animal </a:t>
-            </a:r>
-            <a:r>
-              <a:rPr lang="en-US" b="1" dirty="0">
-                <a:solidFill>
-                  <a:srgbClr val="CE5C00"/>
-                </a:solidFill>
-                <a:latin typeface="Consolas" panose="020B0609020204030204" pitchFamily="49" charset="0"/>
-              </a:rPr>
-              <a:t>== </a:t>
-            </a:r>
-            <a:r>
-              <a:rPr lang="en-US" b="1" dirty="0">
-                <a:solidFill>
-                  <a:srgbClr val="4E9A06"/>
-                </a:solidFill>
-                <a:latin typeface="Consolas" panose="020B0609020204030204" pitchFamily="49" charset="0"/>
-              </a:rPr>
-              <a:t>'dog'</a:t>
-            </a:r>
-            <a:r>
-              <a:rPr lang="en-US" b="1" dirty="0">
-                <a:solidFill>
-                  <a:srgbClr val="000000"/>
-                </a:solidFill>
-                <a:latin typeface="Consolas" panose="020B0609020204030204" pitchFamily="49" charset="0"/>
-              </a:rPr>
-              <a:t>:</a:t>
-            </a:r>
-          </a:p>
-          <a:p>
-            <a:r>
-              <a:rPr lang="en-US" b="1" dirty="0">
-                <a:latin typeface="Consolas" panose="020B0609020204030204" pitchFamily="49" charset="0"/>
-              </a:rPr>
-              <a:t>    </a:t>
-            </a:r>
-            <a:r>
-              <a:rPr lang="en-US" b="1" dirty="0">
-                <a:solidFill>
-                  <a:srgbClr val="204A87"/>
-                </a:solidFill>
-                <a:latin typeface="Consolas" panose="020B0609020204030204" pitchFamily="49" charset="0"/>
-              </a:rPr>
-              <a:t>print</a:t>
-            </a:r>
-            <a:r>
-              <a:rPr lang="en-US" b="1" dirty="0">
-                <a:solidFill>
-                  <a:srgbClr val="000000"/>
-                </a:solidFill>
-                <a:latin typeface="Consolas" panose="020B0609020204030204" pitchFamily="49" charset="0"/>
-              </a:rPr>
-              <a:t>(</a:t>
-            </a:r>
-            <a:r>
-              <a:rPr lang="en-US" b="1" dirty="0">
-                <a:solidFill>
-                  <a:srgbClr val="4E9A06"/>
-                </a:solidFill>
-                <a:latin typeface="Consolas" panose="020B0609020204030204" pitchFamily="49" charset="0"/>
-              </a:rPr>
-              <a:t>'Cool. I like dogs, too.'</a:t>
-            </a:r>
-            <a:r>
-              <a:rPr lang="en-US" b="1" dirty="0">
-                <a:solidFill>
-                  <a:srgbClr val="000000"/>
-                </a:solidFill>
-                <a:latin typeface="Consolas" panose="020B0609020204030204" pitchFamily="49" charset="0"/>
-              </a:rPr>
-              <a:t>)</a:t>
-            </a:r>
-          </a:p>
-          <a:p>
-            <a:r>
-              <a:rPr lang="en-US" b="1" dirty="0">
-                <a:solidFill>
-                  <a:srgbClr val="204A87"/>
-                </a:solidFill>
-                <a:latin typeface="Consolas" panose="020B0609020204030204" pitchFamily="49" charset="0"/>
-              </a:rPr>
-              <a:t>else</a:t>
-            </a:r>
-            <a:r>
-              <a:rPr lang="en-US" b="1" dirty="0">
-                <a:solidFill>
-                  <a:srgbClr val="000000"/>
-                </a:solidFill>
-                <a:latin typeface="Consolas" panose="020B0609020204030204" pitchFamily="49" charset="0"/>
-              </a:rPr>
-              <a:t>:</a:t>
-            </a:r>
-          </a:p>
-          <a:p>
-            <a:r>
-              <a:rPr lang="en-US" b="1" dirty="0">
-                <a:latin typeface="Consolas" panose="020B0609020204030204" pitchFamily="49" charset="0"/>
-              </a:rPr>
-              <a:t>    </a:t>
-            </a:r>
-            <a:r>
-              <a:rPr lang="en-US" b="1" dirty="0">
-                <a:solidFill>
-                  <a:srgbClr val="204A87"/>
-                </a:solidFill>
-                <a:latin typeface="Consolas" panose="020B0609020204030204" pitchFamily="49" charset="0"/>
-              </a:rPr>
-              <a:t>print</a:t>
-            </a:r>
-            <a:r>
-              <a:rPr lang="en-US" b="1" dirty="0">
-                <a:solidFill>
-                  <a:srgbClr val="000000"/>
-                </a:solidFill>
-                <a:latin typeface="Consolas" panose="020B0609020204030204" pitchFamily="49" charset="0"/>
-              </a:rPr>
-              <a:t>(</a:t>
-            </a:r>
-            <a:r>
-              <a:rPr lang="en-US" b="1" dirty="0">
-                <a:solidFill>
-                  <a:srgbClr val="4E9A06"/>
-                </a:solidFill>
-                <a:latin typeface="Consolas" panose="020B0609020204030204" pitchFamily="49" charset="0"/>
-              </a:rPr>
-              <a:t>'A dog would be better.'</a:t>
-            </a:r>
-            <a:r>
-              <a:rPr lang="en-US" b="1" dirty="0">
-                <a:solidFill>
-                  <a:srgbClr val="000000"/>
-                </a:solidFill>
-                <a:latin typeface="Consolas" panose="020B0609020204030204" pitchFamily="49" charset="0"/>
-              </a:rPr>
-              <a:t>)</a:t>
-            </a:r>
-          </a:p>
-          <a:p>
-            <a:r>
-              <a:rPr lang="en-US" b="1" dirty="0">
-                <a:solidFill>
-                  <a:srgbClr val="204A87"/>
-                </a:solidFill>
-                <a:latin typeface="Consolas" panose="020B0609020204030204" pitchFamily="49" charset="0"/>
-              </a:rPr>
-              <a:t>print</a:t>
-            </a:r>
-            <a:r>
-              <a:rPr lang="en-US" b="1" dirty="0">
-                <a:solidFill>
-                  <a:srgbClr val="000000"/>
-                </a:solidFill>
-                <a:latin typeface="Consolas" panose="020B0609020204030204" pitchFamily="49" charset="0"/>
-              </a:rPr>
-              <a:t>(</a:t>
-            </a:r>
-            <a:r>
-              <a:rPr lang="en-US" b="1" dirty="0">
-                <a:solidFill>
-                  <a:srgbClr val="4E9A06"/>
-                </a:solidFill>
-                <a:latin typeface="Consolas" panose="020B0609020204030204" pitchFamily="49" charset="0"/>
-              </a:rPr>
-              <a:t>'Goodbye!'</a:t>
-            </a:r>
-            <a:r>
-              <a:rPr lang="en-US" b="1" dirty="0">
-                <a:solidFill>
-                  <a:srgbClr val="000000"/>
-                </a:solidFill>
-                <a:latin typeface="Consolas" panose="020B0609020204030204" pitchFamily="49" charset="0"/>
-              </a:rPr>
-              <a:t>)</a:t>
-            </a:r>
-          </a:p>
-        </p:txBody>
-      </p:sp>
-      <p:sp>
-        <p:nvSpPr>
-          <p:cNvPr id="3" name="Text Placeholder 2">
-            <a:extLst>
-              <a:ext uri="{FF2B5EF4-FFF2-40B4-BE49-F238E27FC236}">
-                <a16:creationId xmlns:a16="http://schemas.microsoft.com/office/drawing/2014/main" id="{1B2546E1-2674-C849-8CF1-496E2D87F101}"/>
-              </a:ext>
-            </a:extLst>
-          </p:cNvPr>
-          <p:cNvSpPr>
-            <a:spLocks noGrp="1"/>
-          </p:cNvSpPr>
-          <p:nvPr>
-            <p:ph type="body" sz="quarter" idx="12"/>
-          </p:nvPr>
-        </p:nvSpPr>
-        <p:spPr/>
-        <p:txBody>
-          <a:bodyPr/>
-          <a:lstStyle/>
-          <a:p>
-            <a:endParaRPr lang="en-US"/>
-          </a:p>
-        </p:txBody>
-      </p:sp>
-    </p:spTree>
-    <p:extLst>
-      <p:ext uri="{BB962C8B-B14F-4D97-AF65-F5344CB8AC3E}">
-        <p14:creationId xmlns:p14="http://schemas.microsoft.com/office/powerpoint/2010/main" val="752050962"/>
-      </p:ext>
-    </p:extLst>
-  </p:cSld>
-  <p:clrMapOvr>
-    <a:masterClrMapping/>
-  </p:clrMapOvr>
-</p:sld>
-</file>
-
 <file path=ppt/slides/slide49.xml><?xml version="1.0" encoding="utf-8"?>
 <p:sld xmlns:a="http://schemas.openxmlformats.org/drawingml/2006/main" xmlns:r="http://schemas.openxmlformats.org/officeDocument/2006/relationships" xmlns:p="http://schemas.openxmlformats.org/presentationml/2006/main">
   <p:cSld>
@@ -7703,10 +7263,10 @@
       </p:grpSpPr>
       <p:sp>
         <p:nvSpPr>
-          <p:cNvPr id="2" name="Text Placeholder 1">
+          <p:cNvPr id="2" name="Content Placeholder 1">
             <a:extLst>
               <a:ext uri="{FF2B5EF4-FFF2-40B4-BE49-F238E27FC236}">
-                <a16:creationId xmlns:a16="http://schemas.microsoft.com/office/drawing/2014/main" id="{F0D72A33-AF1E-5244-A370-EA3502A05E89}"/>
+                <a16:creationId xmlns:a16="http://schemas.microsoft.com/office/drawing/2014/main" id="{D5E2C668-2F94-F540-9759-62D5CA4984F8}"/>
               </a:ext>
             </a:extLst>
           </p:cNvPr>
@@ -7714,71 +7274,40 @@
             <a:spLocks noGrp="1"/>
           </p:cNvSpPr>
           <p:nvPr>
-            <p:ph type="body" sz="quarter" idx="10"/>
+            <p:ph sz="quarter" idx="10"/>
           </p:nvPr>
         </p:nvSpPr>
         <p:spPr/>
         <p:txBody>
-          <a:bodyPr/>
+          <a:bodyPr>
+            <a:normAutofit/>
+          </a:bodyPr>
           <a:lstStyle/>
           <a:p>
             <a:r>
               <a:rPr lang="en-US" dirty="0"/>
-              <a:t>Here is a very useful variation on if</a:t>
-            </a:r>
-          </a:p>
-          <a:p>
-            <a:r>
-              <a:rPr lang="en-US" dirty="0"/>
-              <a:t>This version has </a:t>
-            </a:r>
-            <a:r>
-              <a:rPr lang="en-US" i="1" dirty="0"/>
-              <a:t>two</a:t>
-            </a:r>
-            <a:r>
-              <a:rPr lang="en-US" dirty="0"/>
-              <a:t> indented blocks</a:t>
-            </a:r>
-          </a:p>
-          <a:p>
-            <a:r>
-              <a:rPr lang="en-US" dirty="0"/>
-              <a:t>The first one is executed </a:t>
-            </a:r>
-            <a:r>
-              <a:rPr lang="en-US" i="1" dirty="0"/>
-              <a:t>if</a:t>
-            </a:r>
-            <a:r>
-              <a:rPr lang="en-US" dirty="0"/>
-              <a:t> the condition is true</a:t>
-            </a:r>
-          </a:p>
-          <a:p>
-            <a:r>
-              <a:rPr lang="en-US" dirty="0"/>
-              <a:t>The second one, after the else, is executed if the condition is false</a:t>
-            </a:r>
-          </a:p>
-          <a:p>
-            <a:r>
-              <a:rPr lang="en-US" dirty="0"/>
-              <a:t>I.e., do this, or else do that</a:t>
-            </a:r>
-          </a:p>
-          <a:p>
-            <a:r>
-              <a:rPr lang="en-US" dirty="0"/>
-              <a:t>Very useful when there are two </a:t>
-            </a:r>
-            <a:r>
-              <a:rPr lang="en-US" dirty="0" err="1"/>
-              <a:t>possibilitties</a:t>
-            </a:r>
-            <a:r>
-              <a:rPr lang="en-US" dirty="0"/>
-              <a:t> requiring different treatment</a:t>
+              <a:t>$ python animal4.py</a:t>
+            </a:r>
+          </a:p>
+          <a:p>
+            <a:r>
+              <a:rPr lang="en-US" dirty="0"/>
+              <a:t>dog</a:t>
+            </a:r>
+          </a:p>
+          <a:p>
+            <a:endParaRPr lang="en-US" dirty="0"/>
+          </a:p>
+          <a:p>
+            <a:r>
+              <a:rPr lang="en-US" dirty="0"/>
+              <a:t>$ python animal4.py</a:t>
+            </a:r>
+          </a:p>
+          <a:p>
+            <a:r>
+              <a:rPr lang="en-US" dirty="0"/>
+              <a:t>cat</a:t>
             </a:r>
           </a:p>
         </p:txBody>
@@ -7786,7 +7315,7 @@
     </p:spTree>
     <p:extLst>
       <p:ext uri="{BB962C8B-B14F-4D97-AF65-F5344CB8AC3E}">
-        <p14:creationId xmlns:p14="http://schemas.microsoft.com/office/powerpoint/2010/main" val="3841595103"/>
+        <p14:creationId xmlns:p14="http://schemas.microsoft.com/office/powerpoint/2010/main" val="1244624342"/>
       </p:ext>
     </p:extLst>
   </p:cSld>
@@ -8002,7 +7531,10 @@
           <a:bodyPr/>
           <a:lstStyle/>
           <a:p>
-            <a:endParaRPr lang="en-US"/>
+            <a:r>
+              <a:rPr lang="en-US" dirty="0"/>
+              <a:t>&lt;animal1.py&gt;</a:t>
+            </a:r>
           </a:p>
         </p:txBody>
       </p:sp>
@@ -8020,6 +7552,1073 @@
 </file>
 
 <file path=ppt/slides/slide50.xml><?xml version="1.0" encoding="utf-8"?>
+<p:sld xmlns:a="http://schemas.openxmlformats.org/drawingml/2006/main" xmlns:r="http://schemas.openxmlformats.org/officeDocument/2006/relationships" xmlns:p="http://schemas.openxmlformats.org/presentationml/2006/main">
+  <p:cSld>
+    <p:spTree>
+      <p:nvGrpSpPr>
+        <p:cNvPr id="1" name=""/>
+        <p:cNvGrpSpPr/>
+        <p:nvPr/>
+      </p:nvGrpSpPr>
+      <p:grpSpPr>
+        <a:xfrm>
+          <a:off x="0" y="0"/>
+          <a:ext cx="0" cy="0"/>
+          <a:chOff x="0" y="0"/>
+          <a:chExt cx="0" cy="0"/>
+        </a:xfrm>
+      </p:grpSpPr>
+      <p:sp>
+        <p:nvSpPr>
+          <p:cNvPr id="2" name="Text Placeholder 1">
+            <a:extLst>
+              <a:ext uri="{FF2B5EF4-FFF2-40B4-BE49-F238E27FC236}">
+                <a16:creationId xmlns:a16="http://schemas.microsoft.com/office/drawing/2014/main" id="{56008109-547F-6847-B658-E572020036A0}"/>
+              </a:ext>
+            </a:extLst>
+          </p:cNvPr>
+          <p:cNvSpPr>
+            <a:spLocks noGrp="1"/>
+          </p:cNvSpPr>
+          <p:nvPr>
+            <p:ph type="body" sz="quarter" idx="11"/>
+          </p:nvPr>
+        </p:nvSpPr>
+        <p:spPr>
+          <a:xfrm>
+            <a:off x="5892800" y="359330"/>
+            <a:ext cx="6011900" cy="2586990"/>
+          </a:xfrm>
+        </p:spPr>
+        <p:txBody>
+          <a:bodyPr/>
+          <a:lstStyle/>
+          <a:p>
+            <a:r>
+              <a:rPr lang="en-US" b="1" dirty="0">
+                <a:solidFill>
+                  <a:srgbClr val="000000"/>
+                </a:solidFill>
+                <a:latin typeface="Consolas" panose="020B0609020204030204" pitchFamily="49" charset="0"/>
+              </a:rPr>
+              <a:t>animal </a:t>
+            </a:r>
+            <a:r>
+              <a:rPr lang="en-US" b="1" dirty="0">
+                <a:solidFill>
+                  <a:srgbClr val="CE5C00"/>
+                </a:solidFill>
+                <a:latin typeface="Consolas" panose="020B0609020204030204" pitchFamily="49" charset="0"/>
+              </a:rPr>
+              <a:t>= </a:t>
+            </a:r>
+            <a:r>
+              <a:rPr lang="en-US" b="1" dirty="0">
+                <a:solidFill>
+                  <a:srgbClr val="204A87"/>
+                </a:solidFill>
+                <a:latin typeface="Consolas" panose="020B0609020204030204" pitchFamily="49" charset="0"/>
+              </a:rPr>
+              <a:t>input</a:t>
+            </a:r>
+            <a:r>
+              <a:rPr lang="en-US" b="1" dirty="0">
+                <a:solidFill>
+                  <a:srgbClr val="000000"/>
+                </a:solidFill>
+                <a:latin typeface="Consolas" panose="020B0609020204030204" pitchFamily="49" charset="0"/>
+              </a:rPr>
+              <a:t>(</a:t>
+            </a:r>
+            <a:r>
+              <a:rPr lang="en-US" b="1" dirty="0">
+                <a:solidFill>
+                  <a:srgbClr val="4E9A06"/>
+                </a:solidFill>
+                <a:latin typeface="Consolas" panose="020B0609020204030204" pitchFamily="49" charset="0"/>
+              </a:rPr>
+              <a:t>'Name an animal: '</a:t>
+            </a:r>
+            <a:r>
+              <a:rPr lang="en-US" b="1" dirty="0">
+                <a:solidFill>
+                  <a:srgbClr val="000000"/>
+                </a:solidFill>
+                <a:latin typeface="Consolas" panose="020B0609020204030204" pitchFamily="49" charset="0"/>
+              </a:rPr>
+              <a:t>)</a:t>
+            </a:r>
+          </a:p>
+          <a:p>
+            <a:r>
+              <a:rPr lang="en-US" b="1" dirty="0">
+                <a:solidFill>
+                  <a:srgbClr val="204A87"/>
+                </a:solidFill>
+                <a:latin typeface="Consolas" panose="020B0609020204030204" pitchFamily="49" charset="0"/>
+              </a:rPr>
+              <a:t>if </a:t>
+            </a:r>
+            <a:r>
+              <a:rPr lang="en-US" b="1" dirty="0">
+                <a:solidFill>
+                  <a:srgbClr val="000000"/>
+                </a:solidFill>
+                <a:latin typeface="Consolas" panose="020B0609020204030204" pitchFamily="49" charset="0"/>
+              </a:rPr>
+              <a:t>animal </a:t>
+            </a:r>
+            <a:r>
+              <a:rPr lang="en-US" b="1" dirty="0">
+                <a:solidFill>
+                  <a:srgbClr val="CE5C00"/>
+                </a:solidFill>
+                <a:latin typeface="Consolas" panose="020B0609020204030204" pitchFamily="49" charset="0"/>
+              </a:rPr>
+              <a:t>== </a:t>
+            </a:r>
+            <a:r>
+              <a:rPr lang="en-US" b="1" dirty="0">
+                <a:solidFill>
+                  <a:srgbClr val="4E9A06"/>
+                </a:solidFill>
+                <a:latin typeface="Consolas" panose="020B0609020204030204" pitchFamily="49" charset="0"/>
+              </a:rPr>
+              <a:t>'dog'</a:t>
+            </a:r>
+            <a:r>
+              <a:rPr lang="en-US" b="1" dirty="0">
+                <a:solidFill>
+                  <a:srgbClr val="000000"/>
+                </a:solidFill>
+                <a:latin typeface="Consolas" panose="020B0609020204030204" pitchFamily="49" charset="0"/>
+              </a:rPr>
+              <a:t>:</a:t>
+            </a:r>
+          </a:p>
+          <a:p>
+            <a:r>
+              <a:rPr lang="en-US" b="1" dirty="0">
+                <a:latin typeface="Consolas" panose="020B0609020204030204" pitchFamily="49" charset="0"/>
+              </a:rPr>
+              <a:t>    </a:t>
+            </a:r>
+            <a:r>
+              <a:rPr lang="en-US" b="1" dirty="0">
+                <a:solidFill>
+                  <a:srgbClr val="204A87"/>
+                </a:solidFill>
+                <a:latin typeface="Consolas" panose="020B0609020204030204" pitchFamily="49" charset="0"/>
+              </a:rPr>
+              <a:t>print</a:t>
+            </a:r>
+            <a:r>
+              <a:rPr lang="en-US" b="1" dirty="0">
+                <a:solidFill>
+                  <a:srgbClr val="000000"/>
+                </a:solidFill>
+                <a:latin typeface="Consolas" panose="020B0609020204030204" pitchFamily="49" charset="0"/>
+              </a:rPr>
+              <a:t>(</a:t>
+            </a:r>
+            <a:r>
+              <a:rPr lang="en-US" b="1" dirty="0">
+                <a:solidFill>
+                  <a:srgbClr val="4E9A06"/>
+                </a:solidFill>
+                <a:latin typeface="Consolas" panose="020B0609020204030204" pitchFamily="49" charset="0"/>
+              </a:rPr>
+              <a:t>'Cool. I like dogs, too.'</a:t>
+            </a:r>
+            <a:r>
+              <a:rPr lang="en-US" b="1" dirty="0">
+                <a:solidFill>
+                  <a:srgbClr val="000000"/>
+                </a:solidFill>
+                <a:latin typeface="Consolas" panose="020B0609020204030204" pitchFamily="49" charset="0"/>
+              </a:rPr>
+              <a:t>)</a:t>
+            </a:r>
+          </a:p>
+          <a:p>
+            <a:r>
+              <a:rPr lang="en-US" b="1" dirty="0">
+                <a:solidFill>
+                  <a:srgbClr val="204A87"/>
+                </a:solidFill>
+                <a:latin typeface="Consolas" panose="020B0609020204030204" pitchFamily="49" charset="0"/>
+              </a:rPr>
+              <a:t>if </a:t>
+            </a:r>
+            <a:r>
+              <a:rPr lang="en-US" b="1" dirty="0">
+                <a:solidFill>
+                  <a:srgbClr val="000000"/>
+                </a:solidFill>
+                <a:latin typeface="Consolas" panose="020B0609020204030204" pitchFamily="49" charset="0"/>
+              </a:rPr>
+              <a:t>animal </a:t>
+            </a:r>
+            <a:r>
+              <a:rPr lang="en-US" b="1" dirty="0">
+                <a:solidFill>
+                  <a:srgbClr val="CE5C00"/>
+                </a:solidFill>
+                <a:latin typeface="Consolas" panose="020B0609020204030204" pitchFamily="49" charset="0"/>
+              </a:rPr>
+              <a:t>== </a:t>
+            </a:r>
+            <a:r>
+              <a:rPr lang="en-US" b="1" dirty="0">
+                <a:solidFill>
+                  <a:srgbClr val="4E9A06"/>
+                </a:solidFill>
+                <a:latin typeface="Consolas" panose="020B0609020204030204" pitchFamily="49" charset="0"/>
+              </a:rPr>
+              <a:t>'cat'</a:t>
+            </a:r>
+            <a:r>
+              <a:rPr lang="en-US" b="1" dirty="0">
+                <a:solidFill>
+                  <a:srgbClr val="000000"/>
+                </a:solidFill>
+                <a:latin typeface="Consolas" panose="020B0609020204030204" pitchFamily="49" charset="0"/>
+              </a:rPr>
+              <a:t>:</a:t>
+            </a:r>
+          </a:p>
+          <a:p>
+            <a:r>
+              <a:rPr lang="en-US" b="1" dirty="0">
+                <a:latin typeface="Consolas" panose="020B0609020204030204" pitchFamily="49" charset="0"/>
+              </a:rPr>
+              <a:t>    </a:t>
+            </a:r>
+            <a:r>
+              <a:rPr lang="en-US" b="1" dirty="0">
+                <a:solidFill>
+                  <a:srgbClr val="204A87"/>
+                </a:solidFill>
+                <a:latin typeface="Consolas" panose="020B0609020204030204" pitchFamily="49" charset="0"/>
+              </a:rPr>
+              <a:t>print</a:t>
+            </a:r>
+            <a:r>
+              <a:rPr lang="en-US" b="1" dirty="0">
+                <a:solidFill>
+                  <a:srgbClr val="000000"/>
+                </a:solidFill>
+                <a:latin typeface="Consolas" panose="020B0609020204030204" pitchFamily="49" charset="0"/>
+              </a:rPr>
+              <a:t>(</a:t>
+            </a:r>
+            <a:r>
+              <a:rPr lang="en-US" b="1" dirty="0">
+                <a:solidFill>
+                  <a:srgbClr val="4E9A06"/>
+                </a:solidFill>
+                <a:latin typeface="Consolas" panose="020B0609020204030204" pitchFamily="49" charset="0"/>
+              </a:rPr>
+              <a:t>'Cats are okay.'</a:t>
+            </a:r>
+            <a:r>
+              <a:rPr lang="en-US" b="1" dirty="0">
+                <a:solidFill>
+                  <a:srgbClr val="000000"/>
+                </a:solidFill>
+                <a:latin typeface="Consolas" panose="020B0609020204030204" pitchFamily="49" charset="0"/>
+              </a:rPr>
+              <a:t>)</a:t>
+            </a:r>
+          </a:p>
+          <a:p>
+            <a:r>
+              <a:rPr lang="en-US" b="1" dirty="0">
+                <a:solidFill>
+                  <a:srgbClr val="204A87"/>
+                </a:solidFill>
+                <a:latin typeface="Consolas" panose="020B0609020204030204" pitchFamily="49" charset="0"/>
+              </a:rPr>
+              <a:t>print</a:t>
+            </a:r>
+            <a:r>
+              <a:rPr lang="en-US" b="1" dirty="0">
+                <a:solidFill>
+                  <a:srgbClr val="000000"/>
+                </a:solidFill>
+                <a:latin typeface="Consolas" panose="020B0609020204030204" pitchFamily="49" charset="0"/>
+              </a:rPr>
+              <a:t>(</a:t>
+            </a:r>
+            <a:r>
+              <a:rPr lang="en-US" b="1" dirty="0">
+                <a:solidFill>
+                  <a:srgbClr val="4E9A06"/>
+                </a:solidFill>
+                <a:latin typeface="Consolas" panose="020B0609020204030204" pitchFamily="49" charset="0"/>
+              </a:rPr>
+              <a:t>'Goodbye!'</a:t>
+            </a:r>
+            <a:r>
+              <a:rPr lang="en-US" b="1" dirty="0">
+                <a:solidFill>
+                  <a:srgbClr val="000000"/>
+                </a:solidFill>
+                <a:latin typeface="Consolas" panose="020B0609020204030204" pitchFamily="49" charset="0"/>
+              </a:rPr>
+              <a:t>)</a:t>
+            </a:r>
+          </a:p>
+        </p:txBody>
+      </p:sp>
+      <p:sp>
+        <p:nvSpPr>
+          <p:cNvPr id="3" name="Text Placeholder 2">
+            <a:extLst>
+              <a:ext uri="{FF2B5EF4-FFF2-40B4-BE49-F238E27FC236}">
+                <a16:creationId xmlns:a16="http://schemas.microsoft.com/office/drawing/2014/main" id="{895189D6-F794-8944-8263-2DA14DA05B5F}"/>
+              </a:ext>
+            </a:extLst>
+          </p:cNvPr>
+          <p:cNvSpPr>
+            <a:spLocks noGrp="1"/>
+          </p:cNvSpPr>
+          <p:nvPr>
+            <p:ph type="body" sz="quarter" idx="12"/>
+          </p:nvPr>
+        </p:nvSpPr>
+        <p:spPr/>
+        <p:txBody>
+          <a:bodyPr/>
+          <a:lstStyle/>
+          <a:p>
+            <a:r>
+              <a:rPr lang="en-US" dirty="0"/>
+              <a:t>&lt;animal5.py&gt;</a:t>
+            </a:r>
+          </a:p>
+        </p:txBody>
+      </p:sp>
+    </p:spTree>
+    <p:extLst>
+      <p:ext uri="{BB962C8B-B14F-4D97-AF65-F5344CB8AC3E}">
+        <p14:creationId xmlns:p14="http://schemas.microsoft.com/office/powerpoint/2010/main" val="1225866903"/>
+      </p:ext>
+    </p:extLst>
+  </p:cSld>
+  <p:clrMapOvr>
+    <a:masterClrMapping/>
+  </p:clrMapOvr>
+</p:sld>
+</file>
+
+<file path=ppt/slides/slide51.xml><?xml version="1.0" encoding="utf-8"?>
+<p:sld xmlns:a="http://schemas.openxmlformats.org/drawingml/2006/main" xmlns:r="http://schemas.openxmlformats.org/officeDocument/2006/relationships" xmlns:p="http://schemas.openxmlformats.org/presentationml/2006/main">
+  <p:cSld>
+    <p:spTree>
+      <p:nvGrpSpPr>
+        <p:cNvPr id="1" name=""/>
+        <p:cNvGrpSpPr/>
+        <p:nvPr/>
+      </p:nvGrpSpPr>
+      <p:grpSpPr>
+        <a:xfrm>
+          <a:off x="0" y="0"/>
+          <a:ext cx="0" cy="0"/>
+          <a:chOff x="0" y="0"/>
+          <a:chExt cx="0" cy="0"/>
+        </a:xfrm>
+      </p:grpSpPr>
+      <p:sp>
+        <p:nvSpPr>
+          <p:cNvPr id="2" name="Text Placeholder 1">
+            <a:extLst>
+              <a:ext uri="{FF2B5EF4-FFF2-40B4-BE49-F238E27FC236}">
+                <a16:creationId xmlns:a16="http://schemas.microsoft.com/office/drawing/2014/main" id="{E7143F4B-9EB5-C44D-9CB3-A24ACB8320F0}"/>
+              </a:ext>
+            </a:extLst>
+          </p:cNvPr>
+          <p:cNvSpPr>
+            <a:spLocks noGrp="1"/>
+          </p:cNvSpPr>
+          <p:nvPr>
+            <p:ph type="body" sz="quarter" idx="10"/>
+          </p:nvPr>
+        </p:nvSpPr>
+        <p:spPr/>
+        <p:txBody>
+          <a:bodyPr>
+            <a:normAutofit fontScale="92500" lnSpcReduction="10000"/>
+          </a:bodyPr>
+          <a:lstStyle/>
+          <a:p>
+            <a:r>
+              <a:rPr lang="en-US" dirty="0"/>
+              <a:t>Here's a version with </a:t>
+            </a:r>
+            <a:r>
+              <a:rPr lang="en-US" i="1" dirty="0"/>
+              <a:t>two</a:t>
+            </a:r>
+            <a:r>
+              <a:rPr lang="en-US" dirty="0"/>
+              <a:t> if statements</a:t>
+            </a:r>
+          </a:p>
+          <a:p>
+            <a:r>
+              <a:rPr lang="en-US" dirty="0"/>
+              <a:t>Each of them has its own condition and its own body</a:t>
+            </a:r>
+          </a:p>
+          <a:p>
+            <a:r>
+              <a:rPr lang="en-US" dirty="0"/>
+              <a:t>if animal is dog, Python executes the first indented block</a:t>
+            </a:r>
+          </a:p>
+          <a:p>
+            <a:r>
+              <a:rPr lang="en-US" dirty="0"/>
+              <a:t>Either way, control continues with the next line after the if body  … another if statement!</a:t>
+            </a:r>
+          </a:p>
+          <a:p>
+            <a:r>
+              <a:rPr lang="en-US" dirty="0"/>
+              <a:t>if animal is cat, Python executes the second indented block</a:t>
+            </a:r>
+          </a:p>
+          <a:p>
+            <a:r>
+              <a:rPr lang="en-US" dirty="0"/>
+              <a:t>Either way, control continues with the next line after the if body  … goodbye</a:t>
+            </a:r>
+          </a:p>
+          <a:p>
+            <a:endParaRPr lang="en-US" dirty="0"/>
+          </a:p>
+        </p:txBody>
+      </p:sp>
+    </p:spTree>
+    <p:extLst>
+      <p:ext uri="{BB962C8B-B14F-4D97-AF65-F5344CB8AC3E}">
+        <p14:creationId xmlns:p14="http://schemas.microsoft.com/office/powerpoint/2010/main" val="1489608468"/>
+      </p:ext>
+    </p:extLst>
+  </p:cSld>
+  <p:clrMapOvr>
+    <a:masterClrMapping/>
+  </p:clrMapOvr>
+</p:sld>
+</file>
+
+<file path=ppt/slides/slide52.xml><?xml version="1.0" encoding="utf-8"?>
+<p:sld xmlns:a="http://schemas.openxmlformats.org/drawingml/2006/main" xmlns:r="http://schemas.openxmlformats.org/officeDocument/2006/relationships" xmlns:p="http://schemas.openxmlformats.org/presentationml/2006/main">
+  <p:cSld>
+    <p:spTree>
+      <p:nvGrpSpPr>
+        <p:cNvPr id="1" name=""/>
+        <p:cNvGrpSpPr/>
+        <p:nvPr/>
+      </p:nvGrpSpPr>
+      <p:grpSpPr>
+        <a:xfrm>
+          <a:off x="0" y="0"/>
+          <a:ext cx="0" cy="0"/>
+          <a:chOff x="0" y="0"/>
+          <a:chExt cx="0" cy="0"/>
+        </a:xfrm>
+      </p:grpSpPr>
+      <p:sp>
+        <p:nvSpPr>
+          <p:cNvPr id="2" name="Content Placeholder 1">
+            <a:extLst>
+              <a:ext uri="{FF2B5EF4-FFF2-40B4-BE49-F238E27FC236}">
+                <a16:creationId xmlns:a16="http://schemas.microsoft.com/office/drawing/2014/main" id="{D5E2C668-2F94-F540-9759-62D5CA4984F8}"/>
+              </a:ext>
+            </a:extLst>
+          </p:cNvPr>
+          <p:cNvSpPr>
+            <a:spLocks noGrp="1"/>
+          </p:cNvSpPr>
+          <p:nvPr>
+            <p:ph sz="quarter" idx="10"/>
+          </p:nvPr>
+        </p:nvSpPr>
+        <p:spPr/>
+        <p:txBody>
+          <a:bodyPr>
+            <a:normAutofit/>
+          </a:bodyPr>
+          <a:lstStyle/>
+          <a:p>
+            <a:r>
+              <a:rPr lang="en-US" dirty="0"/>
+              <a:t>$ python animal5.py</a:t>
+            </a:r>
+          </a:p>
+          <a:p>
+            <a:r>
+              <a:rPr lang="en-US" dirty="0"/>
+              <a:t>dog</a:t>
+            </a:r>
+          </a:p>
+          <a:p>
+            <a:endParaRPr lang="en-US" dirty="0"/>
+          </a:p>
+          <a:p>
+            <a:r>
+              <a:rPr lang="en-US" dirty="0"/>
+              <a:t>$ python animal5.py</a:t>
+            </a:r>
+          </a:p>
+          <a:p>
+            <a:r>
+              <a:rPr lang="en-US" dirty="0"/>
+              <a:t>cat</a:t>
+            </a:r>
+          </a:p>
+        </p:txBody>
+      </p:sp>
+    </p:spTree>
+    <p:extLst>
+      <p:ext uri="{BB962C8B-B14F-4D97-AF65-F5344CB8AC3E}">
+        <p14:creationId xmlns:p14="http://schemas.microsoft.com/office/powerpoint/2010/main" val="3789157388"/>
+      </p:ext>
+    </p:extLst>
+  </p:cSld>
+  <p:clrMapOvr>
+    <a:masterClrMapping/>
+  </p:clrMapOvr>
+</p:sld>
+</file>
+
+<file path=ppt/slides/slide53.xml><?xml version="1.0" encoding="utf-8"?>
+<p:sld xmlns:a="http://schemas.openxmlformats.org/drawingml/2006/main" xmlns:r="http://schemas.openxmlformats.org/officeDocument/2006/relationships" xmlns:p="http://schemas.openxmlformats.org/presentationml/2006/main">
+  <p:cSld>
+    <p:spTree>
+      <p:nvGrpSpPr>
+        <p:cNvPr id="1" name=""/>
+        <p:cNvGrpSpPr/>
+        <p:nvPr/>
+      </p:nvGrpSpPr>
+      <p:grpSpPr>
+        <a:xfrm>
+          <a:off x="0" y="0"/>
+          <a:ext cx="0" cy="0"/>
+          <a:chOff x="0" y="0"/>
+          <a:chExt cx="0" cy="0"/>
+        </a:xfrm>
+      </p:grpSpPr>
+      <p:sp>
+        <p:nvSpPr>
+          <p:cNvPr id="2" name="Text Placeholder 1">
+            <a:extLst>
+              <a:ext uri="{FF2B5EF4-FFF2-40B4-BE49-F238E27FC236}">
+                <a16:creationId xmlns:a16="http://schemas.microsoft.com/office/drawing/2014/main" id="{F172E846-CA42-054D-ADCD-FAC4BB1413F0}"/>
+              </a:ext>
+            </a:extLst>
+          </p:cNvPr>
+          <p:cNvSpPr>
+            <a:spLocks noGrp="1"/>
+          </p:cNvSpPr>
+          <p:nvPr>
+            <p:ph type="body" sz="quarter" idx="11"/>
+          </p:nvPr>
+        </p:nvSpPr>
+        <p:spPr>
+          <a:xfrm>
+            <a:off x="5892800" y="359330"/>
+            <a:ext cx="6011900" cy="2586990"/>
+          </a:xfrm>
+        </p:spPr>
+        <p:txBody>
+          <a:bodyPr/>
+          <a:lstStyle/>
+          <a:p>
+            <a:r>
+              <a:rPr lang="en-US" b="1" dirty="0">
+                <a:solidFill>
+                  <a:srgbClr val="000000"/>
+                </a:solidFill>
+                <a:latin typeface="Consolas" panose="020B0609020204030204" pitchFamily="49" charset="0"/>
+              </a:rPr>
+              <a:t>animal </a:t>
+            </a:r>
+            <a:r>
+              <a:rPr lang="en-US" b="1" dirty="0">
+                <a:solidFill>
+                  <a:srgbClr val="CE5C00"/>
+                </a:solidFill>
+                <a:latin typeface="Consolas" panose="020B0609020204030204" pitchFamily="49" charset="0"/>
+              </a:rPr>
+              <a:t>= </a:t>
+            </a:r>
+            <a:r>
+              <a:rPr lang="en-US" b="1" dirty="0">
+                <a:solidFill>
+                  <a:srgbClr val="204A87"/>
+                </a:solidFill>
+                <a:latin typeface="Consolas" panose="020B0609020204030204" pitchFamily="49" charset="0"/>
+              </a:rPr>
+              <a:t>input</a:t>
+            </a:r>
+            <a:r>
+              <a:rPr lang="en-US" b="1" dirty="0">
+                <a:solidFill>
+                  <a:srgbClr val="000000"/>
+                </a:solidFill>
+                <a:latin typeface="Consolas" panose="020B0609020204030204" pitchFamily="49" charset="0"/>
+              </a:rPr>
+              <a:t>(</a:t>
+            </a:r>
+            <a:r>
+              <a:rPr lang="en-US" b="1" dirty="0">
+                <a:solidFill>
+                  <a:srgbClr val="4E9A06"/>
+                </a:solidFill>
+                <a:latin typeface="Consolas" panose="020B0609020204030204" pitchFamily="49" charset="0"/>
+              </a:rPr>
+              <a:t>'Name an animal: '</a:t>
+            </a:r>
+            <a:r>
+              <a:rPr lang="en-US" b="1" dirty="0">
+                <a:solidFill>
+                  <a:srgbClr val="000000"/>
+                </a:solidFill>
+                <a:latin typeface="Consolas" panose="020B0609020204030204" pitchFamily="49" charset="0"/>
+              </a:rPr>
+              <a:t>)</a:t>
+            </a:r>
+          </a:p>
+          <a:p>
+            <a:r>
+              <a:rPr lang="en-US" b="1" dirty="0">
+                <a:solidFill>
+                  <a:srgbClr val="204A87"/>
+                </a:solidFill>
+                <a:latin typeface="Consolas" panose="020B0609020204030204" pitchFamily="49" charset="0"/>
+              </a:rPr>
+              <a:t>if </a:t>
+            </a:r>
+            <a:r>
+              <a:rPr lang="en-US" b="1" dirty="0">
+                <a:solidFill>
+                  <a:srgbClr val="000000"/>
+                </a:solidFill>
+                <a:latin typeface="Consolas" panose="020B0609020204030204" pitchFamily="49" charset="0"/>
+              </a:rPr>
+              <a:t>animal </a:t>
+            </a:r>
+            <a:r>
+              <a:rPr lang="en-US" b="1" dirty="0">
+                <a:solidFill>
+                  <a:srgbClr val="CE5C00"/>
+                </a:solidFill>
+                <a:latin typeface="Consolas" panose="020B0609020204030204" pitchFamily="49" charset="0"/>
+              </a:rPr>
+              <a:t>== </a:t>
+            </a:r>
+            <a:r>
+              <a:rPr lang="en-US" b="1" dirty="0">
+                <a:solidFill>
+                  <a:srgbClr val="4E9A06"/>
+                </a:solidFill>
+                <a:latin typeface="Consolas" panose="020B0609020204030204" pitchFamily="49" charset="0"/>
+              </a:rPr>
+              <a:t>'dog'</a:t>
+            </a:r>
+            <a:r>
+              <a:rPr lang="en-US" b="1" dirty="0">
+                <a:solidFill>
+                  <a:srgbClr val="000000"/>
+                </a:solidFill>
+                <a:latin typeface="Consolas" panose="020B0609020204030204" pitchFamily="49" charset="0"/>
+              </a:rPr>
+              <a:t>:</a:t>
+            </a:r>
+          </a:p>
+          <a:p>
+            <a:r>
+              <a:rPr lang="en-US" b="1" dirty="0">
+                <a:latin typeface="Consolas" panose="020B0609020204030204" pitchFamily="49" charset="0"/>
+              </a:rPr>
+              <a:t>    </a:t>
+            </a:r>
+            <a:r>
+              <a:rPr lang="en-US" b="1" dirty="0">
+                <a:solidFill>
+                  <a:srgbClr val="204A87"/>
+                </a:solidFill>
+                <a:latin typeface="Consolas" panose="020B0609020204030204" pitchFamily="49" charset="0"/>
+              </a:rPr>
+              <a:t>print</a:t>
+            </a:r>
+            <a:r>
+              <a:rPr lang="en-US" b="1" dirty="0">
+                <a:solidFill>
+                  <a:srgbClr val="000000"/>
+                </a:solidFill>
+                <a:latin typeface="Consolas" panose="020B0609020204030204" pitchFamily="49" charset="0"/>
+              </a:rPr>
+              <a:t>(</a:t>
+            </a:r>
+            <a:r>
+              <a:rPr lang="en-US" b="1" dirty="0">
+                <a:solidFill>
+                  <a:srgbClr val="4E9A06"/>
+                </a:solidFill>
+                <a:latin typeface="Consolas" panose="020B0609020204030204" pitchFamily="49" charset="0"/>
+              </a:rPr>
+              <a:t>'Cool. I like dogs, too.'</a:t>
+            </a:r>
+            <a:r>
+              <a:rPr lang="en-US" b="1" dirty="0">
+                <a:solidFill>
+                  <a:srgbClr val="000000"/>
+                </a:solidFill>
+                <a:latin typeface="Consolas" panose="020B0609020204030204" pitchFamily="49" charset="0"/>
+              </a:rPr>
+              <a:t>)</a:t>
+            </a:r>
+          </a:p>
+          <a:p>
+            <a:r>
+              <a:rPr lang="en-US" b="1" dirty="0">
+                <a:solidFill>
+                  <a:srgbClr val="204A87"/>
+                </a:solidFill>
+                <a:latin typeface="Consolas" panose="020B0609020204030204" pitchFamily="49" charset="0"/>
+              </a:rPr>
+              <a:t>else</a:t>
+            </a:r>
+            <a:r>
+              <a:rPr lang="en-US" b="1" dirty="0">
+                <a:solidFill>
+                  <a:srgbClr val="000000"/>
+                </a:solidFill>
+                <a:latin typeface="Consolas" panose="020B0609020204030204" pitchFamily="49" charset="0"/>
+              </a:rPr>
+              <a:t>:</a:t>
+            </a:r>
+          </a:p>
+          <a:p>
+            <a:r>
+              <a:rPr lang="en-US" b="1" dirty="0">
+                <a:latin typeface="Consolas" panose="020B0609020204030204" pitchFamily="49" charset="0"/>
+              </a:rPr>
+              <a:t>    </a:t>
+            </a:r>
+            <a:r>
+              <a:rPr lang="en-US" b="1" dirty="0">
+                <a:solidFill>
+                  <a:srgbClr val="204A87"/>
+                </a:solidFill>
+                <a:latin typeface="Consolas" panose="020B0609020204030204" pitchFamily="49" charset="0"/>
+              </a:rPr>
+              <a:t>print</a:t>
+            </a:r>
+            <a:r>
+              <a:rPr lang="en-US" b="1" dirty="0">
+                <a:solidFill>
+                  <a:srgbClr val="000000"/>
+                </a:solidFill>
+                <a:latin typeface="Consolas" panose="020B0609020204030204" pitchFamily="49" charset="0"/>
+              </a:rPr>
+              <a:t>(</a:t>
+            </a:r>
+            <a:r>
+              <a:rPr lang="en-US" b="1" dirty="0">
+                <a:solidFill>
+                  <a:srgbClr val="4E9A06"/>
+                </a:solidFill>
+                <a:latin typeface="Consolas" panose="020B0609020204030204" pitchFamily="49" charset="0"/>
+              </a:rPr>
+              <a:t>'A dog would be better.'</a:t>
+            </a:r>
+            <a:r>
+              <a:rPr lang="en-US" b="1" dirty="0">
+                <a:solidFill>
+                  <a:srgbClr val="000000"/>
+                </a:solidFill>
+                <a:latin typeface="Consolas" panose="020B0609020204030204" pitchFamily="49" charset="0"/>
+              </a:rPr>
+              <a:t>)</a:t>
+            </a:r>
+          </a:p>
+          <a:p>
+            <a:r>
+              <a:rPr lang="en-US" b="1" dirty="0">
+                <a:solidFill>
+                  <a:srgbClr val="204A87"/>
+                </a:solidFill>
+                <a:latin typeface="Consolas" panose="020B0609020204030204" pitchFamily="49" charset="0"/>
+              </a:rPr>
+              <a:t>print</a:t>
+            </a:r>
+            <a:r>
+              <a:rPr lang="en-US" b="1" dirty="0">
+                <a:solidFill>
+                  <a:srgbClr val="000000"/>
+                </a:solidFill>
+                <a:latin typeface="Consolas" panose="020B0609020204030204" pitchFamily="49" charset="0"/>
+              </a:rPr>
+              <a:t>(</a:t>
+            </a:r>
+            <a:r>
+              <a:rPr lang="en-US" b="1" dirty="0">
+                <a:solidFill>
+                  <a:srgbClr val="4E9A06"/>
+                </a:solidFill>
+                <a:latin typeface="Consolas" panose="020B0609020204030204" pitchFamily="49" charset="0"/>
+              </a:rPr>
+              <a:t>'Goodbye!'</a:t>
+            </a:r>
+            <a:r>
+              <a:rPr lang="en-US" b="1" dirty="0">
+                <a:solidFill>
+                  <a:srgbClr val="000000"/>
+                </a:solidFill>
+                <a:latin typeface="Consolas" panose="020B0609020204030204" pitchFamily="49" charset="0"/>
+              </a:rPr>
+              <a:t>)</a:t>
+            </a:r>
+          </a:p>
+        </p:txBody>
+      </p:sp>
+      <p:sp>
+        <p:nvSpPr>
+          <p:cNvPr id="3" name="Text Placeholder 2">
+            <a:extLst>
+              <a:ext uri="{FF2B5EF4-FFF2-40B4-BE49-F238E27FC236}">
+                <a16:creationId xmlns:a16="http://schemas.microsoft.com/office/drawing/2014/main" id="{1B2546E1-2674-C849-8CF1-496E2D87F101}"/>
+              </a:ext>
+            </a:extLst>
+          </p:cNvPr>
+          <p:cNvSpPr>
+            <a:spLocks noGrp="1"/>
+          </p:cNvSpPr>
+          <p:nvPr>
+            <p:ph type="body" sz="quarter" idx="12"/>
+          </p:nvPr>
+        </p:nvSpPr>
+        <p:spPr/>
+        <p:txBody>
+          <a:bodyPr/>
+          <a:lstStyle/>
+          <a:p>
+            <a:endParaRPr lang="en-US"/>
+          </a:p>
+        </p:txBody>
+      </p:sp>
+    </p:spTree>
+    <p:extLst>
+      <p:ext uri="{BB962C8B-B14F-4D97-AF65-F5344CB8AC3E}">
+        <p14:creationId xmlns:p14="http://schemas.microsoft.com/office/powerpoint/2010/main" val="752050962"/>
+      </p:ext>
+    </p:extLst>
+  </p:cSld>
+  <p:clrMapOvr>
+    <a:masterClrMapping/>
+  </p:clrMapOvr>
+</p:sld>
+</file>
+
+<file path=ppt/slides/slide54.xml><?xml version="1.0" encoding="utf-8"?>
+<p:sld xmlns:a="http://schemas.openxmlformats.org/drawingml/2006/main" xmlns:r="http://schemas.openxmlformats.org/officeDocument/2006/relationships" xmlns:p="http://schemas.openxmlformats.org/presentationml/2006/main">
+  <p:cSld>
+    <p:spTree>
+      <p:nvGrpSpPr>
+        <p:cNvPr id="1" name=""/>
+        <p:cNvGrpSpPr/>
+        <p:nvPr/>
+      </p:nvGrpSpPr>
+      <p:grpSpPr>
+        <a:xfrm>
+          <a:off x="0" y="0"/>
+          <a:ext cx="0" cy="0"/>
+          <a:chOff x="0" y="0"/>
+          <a:chExt cx="0" cy="0"/>
+        </a:xfrm>
+      </p:grpSpPr>
+      <p:sp>
+        <p:nvSpPr>
+          <p:cNvPr id="2" name="Text Placeholder 1">
+            <a:extLst>
+              <a:ext uri="{FF2B5EF4-FFF2-40B4-BE49-F238E27FC236}">
+                <a16:creationId xmlns:a16="http://schemas.microsoft.com/office/drawing/2014/main" id="{F0D72A33-AF1E-5244-A370-EA3502A05E89}"/>
+              </a:ext>
+            </a:extLst>
+          </p:cNvPr>
+          <p:cNvSpPr>
+            <a:spLocks noGrp="1"/>
+          </p:cNvSpPr>
+          <p:nvPr>
+            <p:ph type="body" sz="quarter" idx="10"/>
+          </p:nvPr>
+        </p:nvSpPr>
+        <p:spPr/>
+        <p:txBody>
+          <a:bodyPr/>
+          <a:lstStyle/>
+          <a:p>
+            <a:r>
+              <a:rPr lang="en-US" dirty="0"/>
+              <a:t>Here is a very useful variation on if</a:t>
+            </a:r>
+          </a:p>
+          <a:p>
+            <a:r>
+              <a:rPr lang="en-US" dirty="0"/>
+              <a:t>This version has </a:t>
+            </a:r>
+            <a:r>
+              <a:rPr lang="en-US" i="1" dirty="0"/>
+              <a:t>two</a:t>
+            </a:r>
+            <a:r>
+              <a:rPr lang="en-US" dirty="0"/>
+              <a:t> indented blocks</a:t>
+            </a:r>
+          </a:p>
+          <a:p>
+            <a:r>
+              <a:rPr lang="en-US" dirty="0"/>
+              <a:t>The first one is executed </a:t>
+            </a:r>
+            <a:r>
+              <a:rPr lang="en-US" i="1" dirty="0"/>
+              <a:t>if</a:t>
+            </a:r>
+            <a:r>
+              <a:rPr lang="en-US" dirty="0"/>
+              <a:t> the condition is true</a:t>
+            </a:r>
+          </a:p>
+          <a:p>
+            <a:r>
+              <a:rPr lang="en-US" dirty="0"/>
+              <a:t>The second one, after the else, is executed if the condition is false</a:t>
+            </a:r>
+          </a:p>
+          <a:p>
+            <a:r>
+              <a:rPr lang="en-US" dirty="0"/>
+              <a:t>I.e., do this, or else do that</a:t>
+            </a:r>
+          </a:p>
+          <a:p>
+            <a:r>
+              <a:rPr lang="en-US" dirty="0"/>
+              <a:t>Very useful when there are two </a:t>
+            </a:r>
+            <a:r>
+              <a:rPr lang="en-US" dirty="0" err="1"/>
+              <a:t>possibilitties</a:t>
+            </a:r>
+            <a:r>
+              <a:rPr lang="en-US" dirty="0"/>
+              <a:t> requiring different treatment</a:t>
+            </a:r>
+          </a:p>
+        </p:txBody>
+      </p:sp>
+    </p:spTree>
+    <p:extLst>
+      <p:ext uri="{BB962C8B-B14F-4D97-AF65-F5344CB8AC3E}">
+        <p14:creationId xmlns:p14="http://schemas.microsoft.com/office/powerpoint/2010/main" val="3841595103"/>
+      </p:ext>
+    </p:extLst>
+  </p:cSld>
+  <p:clrMapOvr>
+    <a:masterClrMapping/>
+  </p:clrMapOvr>
+</p:sld>
+</file>
+
+<file path=ppt/slides/slide55.xml><?xml version="1.0" encoding="utf-8"?>
+<p:sld xmlns:a="http://schemas.openxmlformats.org/drawingml/2006/main" xmlns:r="http://schemas.openxmlformats.org/officeDocument/2006/relationships" xmlns:p="http://schemas.openxmlformats.org/presentationml/2006/main">
+  <p:cSld>
+    <p:spTree>
+      <p:nvGrpSpPr>
+        <p:cNvPr id="1" name=""/>
+        <p:cNvGrpSpPr/>
+        <p:nvPr/>
+      </p:nvGrpSpPr>
+      <p:grpSpPr>
+        <a:xfrm>
+          <a:off x="0" y="0"/>
+          <a:ext cx="0" cy="0"/>
+          <a:chOff x="0" y="0"/>
+          <a:chExt cx="0" cy="0"/>
+        </a:xfrm>
+      </p:grpSpPr>
+      <p:sp>
+        <p:nvSpPr>
+          <p:cNvPr id="2" name="Content Placeholder 1">
+            <a:extLst>
+              <a:ext uri="{FF2B5EF4-FFF2-40B4-BE49-F238E27FC236}">
+                <a16:creationId xmlns:a16="http://schemas.microsoft.com/office/drawing/2014/main" id="{D5E2C668-2F94-F540-9759-62D5CA4984F8}"/>
+              </a:ext>
+            </a:extLst>
+          </p:cNvPr>
+          <p:cNvSpPr>
+            <a:spLocks noGrp="1"/>
+          </p:cNvSpPr>
+          <p:nvPr>
+            <p:ph sz="quarter" idx="10"/>
+          </p:nvPr>
+        </p:nvSpPr>
+        <p:spPr/>
+        <p:txBody>
+          <a:bodyPr>
+            <a:normAutofit/>
+          </a:bodyPr>
+          <a:lstStyle/>
+          <a:p>
+            <a:r>
+              <a:rPr lang="en-US" dirty="0"/>
+              <a:t>$ python animal6.py</a:t>
+            </a:r>
+          </a:p>
+          <a:p>
+            <a:r>
+              <a:rPr lang="en-US" dirty="0"/>
+              <a:t>dog</a:t>
+            </a:r>
+          </a:p>
+          <a:p>
+            <a:endParaRPr lang="en-US" dirty="0"/>
+          </a:p>
+          <a:p>
+            <a:r>
+              <a:rPr lang="en-US" dirty="0"/>
+              <a:t>$ python animal6.py</a:t>
+            </a:r>
+          </a:p>
+          <a:p>
+            <a:r>
+              <a:rPr lang="en-US" dirty="0"/>
+              <a:t>cat</a:t>
+            </a:r>
+          </a:p>
+        </p:txBody>
+      </p:sp>
+    </p:spTree>
+    <p:extLst>
+      <p:ext uri="{BB962C8B-B14F-4D97-AF65-F5344CB8AC3E}">
+        <p14:creationId xmlns:p14="http://schemas.microsoft.com/office/powerpoint/2010/main" val="258648585"/>
+      </p:ext>
+    </p:extLst>
+  </p:cSld>
+  <p:clrMapOvr>
+    <a:masterClrMapping/>
+  </p:clrMapOvr>
+</p:sld>
+</file>
+
+<file path=ppt/slides/slide56.xml><?xml version="1.0" encoding="utf-8"?>
 <p:sld xmlns:a="http://schemas.openxmlformats.org/drawingml/2006/main" xmlns:r="http://schemas.openxmlformats.org/officeDocument/2006/relationships" xmlns:p="http://schemas.openxmlformats.org/presentationml/2006/main">
   <p:cSld>
     <p:spTree>
@@ -8078,7 +8677,7 @@
                   <a:schemeClr val="bg1"/>
                 </a:solidFill>
               </a:rPr>
-              <a:t>CTECH401_M4_06</a:t>
+              <a:t>CTECH401_M4_07</a:t>
             </a:r>
           </a:p>
           <a:p>
@@ -8106,7 +8705,7 @@
 </p:sld>
 </file>
 
-<file path=ppt/slides/slide51.xml><?xml version="1.0" encoding="utf-8"?>
+<file path=ppt/slides/slide57.xml><?xml version="1.0" encoding="utf-8"?>
 <p:sld xmlns:a="http://schemas.openxmlformats.org/drawingml/2006/main" xmlns:r="http://schemas.openxmlformats.org/officeDocument/2006/relationships" xmlns:p="http://schemas.openxmlformats.org/presentationml/2006/main">
   <p:cSld>
     <p:spTree>
@@ -8178,7 +8777,7 @@
 </p:sld>
 </file>
 
-<file path=ppt/slides/slide52.xml><?xml version="1.0" encoding="utf-8"?>
+<file path=ppt/slides/slide58.xml><?xml version="1.0" encoding="utf-8"?>
 <p:sld xmlns:a="http://schemas.openxmlformats.org/drawingml/2006/main" xmlns:r="http://schemas.openxmlformats.org/officeDocument/2006/relationships" xmlns:p="http://schemas.openxmlformats.org/presentationml/2006/main">
   <p:cSld>
     <p:spTree>
@@ -8543,7 +9142,10 @@
           <a:bodyPr/>
           <a:lstStyle/>
           <a:p>
-            <a:endParaRPr lang="en-US"/>
+            <a:r>
+              <a:rPr lang="en-US" dirty="0"/>
+              <a:t>&lt;animal7.py&gt;</a:t>
+            </a:r>
           </a:p>
         </p:txBody>
       </p:sp>
@@ -8560,7 +9162,7 @@
 </p:sld>
 </file>
 
-<file path=ppt/slides/slide53.xml><?xml version="1.0" encoding="utf-8"?>
+<file path=ppt/slides/slide59.xml><?xml version="1.0" encoding="utf-8"?>
 <p:sld xmlns:a="http://schemas.openxmlformats.org/drawingml/2006/main" xmlns:r="http://schemas.openxmlformats.org/officeDocument/2006/relationships" xmlns:p="http://schemas.openxmlformats.org/presentationml/2006/main">
   <p:cSld>
     <p:spTree>
@@ -8666,1252 +9268,6 @@
     <p:extLst>
       <p:ext uri="{BB962C8B-B14F-4D97-AF65-F5344CB8AC3E}">
         <p14:creationId xmlns:p14="http://schemas.microsoft.com/office/powerpoint/2010/main" val="2036836805"/>
-      </p:ext>
-    </p:extLst>
-  </p:cSld>
-  <p:clrMapOvr>
-    <a:masterClrMapping/>
-  </p:clrMapOvr>
-</p:sld>
-</file>
-
-<file path=ppt/slides/slide54.xml><?xml version="1.0" encoding="utf-8"?>
-<p:sld xmlns:a="http://schemas.openxmlformats.org/drawingml/2006/main" xmlns:r="http://schemas.openxmlformats.org/officeDocument/2006/relationships" xmlns:p="http://schemas.openxmlformats.org/presentationml/2006/main">
-  <p:cSld>
-    <p:spTree>
-      <p:nvGrpSpPr>
-        <p:cNvPr id="1" name=""/>
-        <p:cNvGrpSpPr/>
-        <p:nvPr/>
-      </p:nvGrpSpPr>
-      <p:grpSpPr>
-        <a:xfrm>
-          <a:off x="0" y="0"/>
-          <a:ext cx="0" cy="0"/>
-          <a:chOff x="0" y="0"/>
-          <a:chExt cx="0" cy="0"/>
-        </a:xfrm>
-      </p:grpSpPr>
-      <p:sp>
-        <p:nvSpPr>
-          <p:cNvPr id="2" name="Text Placeholder 1">
-            <a:extLst>
-              <a:ext uri="{FF2B5EF4-FFF2-40B4-BE49-F238E27FC236}">
-                <a16:creationId xmlns:a16="http://schemas.microsoft.com/office/drawing/2014/main" id="{6C59ED25-3C4A-4A45-95CF-F0961C0789B4}"/>
-              </a:ext>
-            </a:extLst>
-          </p:cNvPr>
-          <p:cNvSpPr>
-            <a:spLocks noGrp="1"/>
-          </p:cNvSpPr>
-          <p:nvPr>
-            <p:ph type="body" sz="quarter" idx="10"/>
-          </p:nvPr>
-        </p:nvSpPr>
-        <p:spPr/>
-        <p:txBody>
-          <a:bodyPr/>
-          <a:lstStyle/>
-          <a:p>
-            <a:r>
-              <a:rPr lang="en-US" dirty="0"/>
-              <a:t>You see what's going on here? Take the first example.</a:t>
-            </a:r>
-          </a:p>
-          <a:p>
-            <a:r>
-              <a:rPr lang="en-US" dirty="0"/>
-              <a:t>Python gets to the outer if. animal is dog, so the comparison is true, so Python executes the body of the outer if, and prints that it likes dogs, too.</a:t>
-            </a:r>
-          </a:p>
-          <a:p>
-            <a:r>
-              <a:rPr lang="en-US" dirty="0"/>
-              <a:t>Now it reaches the inner if, and color is brown, so this comparison is true, so Python also executes the body of the inner if, and prints especially brown dogs</a:t>
-            </a:r>
-          </a:p>
-        </p:txBody>
-      </p:sp>
-    </p:spTree>
-    <p:extLst>
-      <p:ext uri="{BB962C8B-B14F-4D97-AF65-F5344CB8AC3E}">
-        <p14:creationId xmlns:p14="http://schemas.microsoft.com/office/powerpoint/2010/main" val="1715814065"/>
-      </p:ext>
-    </p:extLst>
-  </p:cSld>
-  <p:clrMapOvr>
-    <a:masterClrMapping/>
-  </p:clrMapOvr>
-</p:sld>
-</file>
-
-<file path=ppt/slides/slide55.xml><?xml version="1.0" encoding="utf-8"?>
-<p:sld xmlns:a="http://schemas.openxmlformats.org/drawingml/2006/main" xmlns:r="http://schemas.openxmlformats.org/officeDocument/2006/relationships" xmlns:p="http://schemas.openxmlformats.org/presentationml/2006/main">
-  <p:cSld>
-    <p:spTree>
-      <p:nvGrpSpPr>
-        <p:cNvPr id="1" name=""/>
-        <p:cNvGrpSpPr/>
-        <p:nvPr/>
-      </p:nvGrpSpPr>
-      <p:grpSpPr>
-        <a:xfrm>
-          <a:off x="0" y="0"/>
-          <a:ext cx="0" cy="0"/>
-          <a:chOff x="0" y="0"/>
-          <a:chExt cx="0" cy="0"/>
-        </a:xfrm>
-      </p:grpSpPr>
-      <p:sp>
-        <p:nvSpPr>
-          <p:cNvPr id="2" name="Text Placeholder 1">
-            <a:extLst>
-              <a:ext uri="{FF2B5EF4-FFF2-40B4-BE49-F238E27FC236}">
-                <a16:creationId xmlns:a16="http://schemas.microsoft.com/office/drawing/2014/main" id="{96F80DEF-EC08-404A-BA8D-EADA2BB0814D}"/>
-              </a:ext>
-            </a:extLst>
-          </p:cNvPr>
-          <p:cNvSpPr>
-            <a:spLocks noGrp="1"/>
-          </p:cNvSpPr>
-          <p:nvPr>
-            <p:ph type="body" sz="quarter" idx="10"/>
-          </p:nvPr>
-        </p:nvSpPr>
-        <p:spPr/>
-        <p:txBody>
-          <a:bodyPr/>
-          <a:lstStyle/>
-          <a:p>
-            <a:r>
-              <a:rPr lang="en-US" dirty="0"/>
-              <a:t>But if you type in cat instead, Python skips over the body of the outer if, </a:t>
-            </a:r>
-            <a:r>
-              <a:rPr lang="en-US" i="1" dirty="0"/>
-              <a:t>including the entire inner if and its body</a:t>
-            </a:r>
-            <a:r>
-              <a:rPr lang="en-US" dirty="0"/>
-              <a:t>. </a:t>
-            </a:r>
-          </a:p>
-          <a:p>
-            <a:r>
-              <a:rPr lang="en-US" dirty="0"/>
-              <a:t>Doesn't matter if color is brown, Python will never even look at the if color==brown</a:t>
-            </a:r>
-          </a:p>
-        </p:txBody>
-      </p:sp>
-    </p:spTree>
-    <p:extLst>
-      <p:ext uri="{BB962C8B-B14F-4D97-AF65-F5344CB8AC3E}">
-        <p14:creationId xmlns:p14="http://schemas.microsoft.com/office/powerpoint/2010/main" val="2939641532"/>
-      </p:ext>
-    </p:extLst>
-  </p:cSld>
-  <p:clrMapOvr>
-    <a:masterClrMapping/>
-  </p:clrMapOvr>
-</p:sld>
-</file>
-
-<file path=ppt/slides/slide56.xml><?xml version="1.0" encoding="utf-8"?>
-<p:sld xmlns:a="http://schemas.openxmlformats.org/drawingml/2006/main" xmlns:r="http://schemas.openxmlformats.org/officeDocument/2006/relationships" xmlns:p="http://schemas.openxmlformats.org/presentationml/2006/main">
-  <p:cSld>
-    <p:spTree>
-      <p:nvGrpSpPr>
-        <p:cNvPr id="1" name=""/>
-        <p:cNvGrpSpPr/>
-        <p:nvPr/>
-      </p:nvGrpSpPr>
-      <p:grpSpPr>
-        <a:xfrm>
-          <a:off x="0" y="0"/>
-          <a:ext cx="0" cy="0"/>
-          <a:chOff x="0" y="0"/>
-          <a:chExt cx="0" cy="0"/>
-        </a:xfrm>
-      </p:grpSpPr>
-      <p:sp>
-        <p:nvSpPr>
-          <p:cNvPr id="2" name="Text Placeholder 1">
-            <a:extLst>
-              <a:ext uri="{FF2B5EF4-FFF2-40B4-BE49-F238E27FC236}">
-                <a16:creationId xmlns:a16="http://schemas.microsoft.com/office/drawing/2014/main" id="{2F94A7DC-ECB2-4F48-940F-C2190699026D}"/>
-              </a:ext>
-            </a:extLst>
-          </p:cNvPr>
-          <p:cNvSpPr>
-            <a:spLocks noGrp="1"/>
-          </p:cNvSpPr>
-          <p:nvPr>
-            <p:ph type="body" sz="quarter" idx="11"/>
-          </p:nvPr>
-        </p:nvSpPr>
-        <p:spPr>
-          <a:xfrm>
-            <a:off x="5892800" y="359330"/>
-            <a:ext cx="6011900" cy="4248984"/>
-          </a:xfrm>
-        </p:spPr>
-        <p:txBody>
-          <a:bodyPr/>
-          <a:lstStyle/>
-          <a:p>
-            <a:r>
-              <a:rPr lang="en-US" b="1" dirty="0">
-                <a:solidFill>
-                  <a:srgbClr val="000000"/>
-                </a:solidFill>
-                <a:latin typeface="Consolas" panose="020B0609020204030204" pitchFamily="49" charset="0"/>
-              </a:rPr>
-              <a:t>animal </a:t>
-            </a:r>
-            <a:r>
-              <a:rPr lang="en-US" b="1" dirty="0">
-                <a:solidFill>
-                  <a:srgbClr val="CE5C00"/>
-                </a:solidFill>
-                <a:latin typeface="Consolas" panose="020B0609020204030204" pitchFamily="49" charset="0"/>
-              </a:rPr>
-              <a:t>= </a:t>
-            </a:r>
-            <a:r>
-              <a:rPr lang="en-US" b="1" dirty="0">
-                <a:solidFill>
-                  <a:srgbClr val="204A87"/>
-                </a:solidFill>
-                <a:latin typeface="Consolas" panose="020B0609020204030204" pitchFamily="49" charset="0"/>
-              </a:rPr>
-              <a:t>input</a:t>
-            </a:r>
-            <a:r>
-              <a:rPr lang="en-US" b="1" dirty="0">
-                <a:solidFill>
-                  <a:srgbClr val="000000"/>
-                </a:solidFill>
-                <a:latin typeface="Consolas" panose="020B0609020204030204" pitchFamily="49" charset="0"/>
-              </a:rPr>
-              <a:t>(</a:t>
-            </a:r>
-            <a:r>
-              <a:rPr lang="en-US" b="1" dirty="0">
-                <a:solidFill>
-                  <a:srgbClr val="4E9A06"/>
-                </a:solidFill>
-                <a:latin typeface="Consolas" panose="020B0609020204030204" pitchFamily="49" charset="0"/>
-              </a:rPr>
-              <a:t>'Name an animal: '</a:t>
-            </a:r>
-            <a:r>
-              <a:rPr lang="en-US" b="1" dirty="0">
-                <a:solidFill>
-                  <a:srgbClr val="000000"/>
-                </a:solidFill>
-                <a:latin typeface="Consolas" panose="020B0609020204030204" pitchFamily="49" charset="0"/>
-              </a:rPr>
-              <a:t>)</a:t>
-            </a:r>
-          </a:p>
-          <a:p>
-            <a:r>
-              <a:rPr lang="en-US" b="1" dirty="0">
-                <a:solidFill>
-                  <a:srgbClr val="000000"/>
-                </a:solidFill>
-                <a:latin typeface="Consolas" panose="020B0609020204030204" pitchFamily="49" charset="0"/>
-              </a:rPr>
-              <a:t>color </a:t>
-            </a:r>
-            <a:r>
-              <a:rPr lang="en-US" b="1" dirty="0">
-                <a:solidFill>
-                  <a:srgbClr val="CE5C00"/>
-                </a:solidFill>
-                <a:latin typeface="Consolas" panose="020B0609020204030204" pitchFamily="49" charset="0"/>
-              </a:rPr>
-              <a:t>= </a:t>
-            </a:r>
-            <a:r>
-              <a:rPr lang="en-US" b="1" dirty="0">
-                <a:solidFill>
-                  <a:srgbClr val="204A87"/>
-                </a:solidFill>
-                <a:latin typeface="Consolas" panose="020B0609020204030204" pitchFamily="49" charset="0"/>
-              </a:rPr>
-              <a:t>input</a:t>
-            </a:r>
-            <a:r>
-              <a:rPr lang="en-US" b="1" dirty="0">
-                <a:solidFill>
-                  <a:srgbClr val="000000"/>
-                </a:solidFill>
-                <a:latin typeface="Consolas" panose="020B0609020204030204" pitchFamily="49" charset="0"/>
-              </a:rPr>
-              <a:t>(</a:t>
-            </a:r>
-            <a:r>
-              <a:rPr lang="en-US" b="1" dirty="0">
-                <a:solidFill>
-                  <a:srgbClr val="4E9A06"/>
-                </a:solidFill>
-                <a:latin typeface="Consolas" panose="020B0609020204030204" pitchFamily="49" charset="0"/>
-              </a:rPr>
-              <a:t>'Enter a color: '</a:t>
-            </a:r>
-            <a:r>
-              <a:rPr lang="en-US" b="1" dirty="0">
-                <a:solidFill>
-                  <a:srgbClr val="000000"/>
-                </a:solidFill>
-                <a:latin typeface="Consolas" panose="020B0609020204030204" pitchFamily="49" charset="0"/>
-              </a:rPr>
-              <a:t>)</a:t>
-            </a:r>
-          </a:p>
-          <a:p>
-            <a:r>
-              <a:rPr lang="en-US" b="1" dirty="0">
-                <a:solidFill>
-                  <a:srgbClr val="204A87"/>
-                </a:solidFill>
-                <a:latin typeface="Consolas" panose="020B0609020204030204" pitchFamily="49" charset="0"/>
-              </a:rPr>
-              <a:t>if </a:t>
-            </a:r>
-            <a:r>
-              <a:rPr lang="en-US" b="1" dirty="0">
-                <a:solidFill>
-                  <a:srgbClr val="000000"/>
-                </a:solidFill>
-                <a:latin typeface="Consolas" panose="020B0609020204030204" pitchFamily="49" charset="0"/>
-              </a:rPr>
-              <a:t>animal </a:t>
-            </a:r>
-            <a:r>
-              <a:rPr lang="en-US" b="1" dirty="0">
-                <a:solidFill>
-                  <a:srgbClr val="CE5C00"/>
-                </a:solidFill>
-                <a:latin typeface="Consolas" panose="020B0609020204030204" pitchFamily="49" charset="0"/>
-              </a:rPr>
-              <a:t>== </a:t>
-            </a:r>
-            <a:r>
-              <a:rPr lang="en-US" b="1" dirty="0">
-                <a:solidFill>
-                  <a:srgbClr val="4E9A06"/>
-                </a:solidFill>
-                <a:latin typeface="Consolas" panose="020B0609020204030204" pitchFamily="49" charset="0"/>
-              </a:rPr>
-              <a:t>'dog'</a:t>
-            </a:r>
-            <a:r>
-              <a:rPr lang="en-US" b="1" dirty="0">
-                <a:solidFill>
-                  <a:srgbClr val="000000"/>
-                </a:solidFill>
-                <a:latin typeface="Consolas" panose="020B0609020204030204" pitchFamily="49" charset="0"/>
-              </a:rPr>
-              <a:t>:</a:t>
-            </a:r>
-          </a:p>
-          <a:p>
-            <a:r>
-              <a:rPr lang="en-US" b="1" dirty="0">
-                <a:latin typeface="Consolas" panose="020B0609020204030204" pitchFamily="49" charset="0"/>
-              </a:rPr>
-              <a:t>    </a:t>
-            </a:r>
-            <a:r>
-              <a:rPr lang="en-US" b="1" dirty="0">
-                <a:solidFill>
-                  <a:srgbClr val="204A87"/>
-                </a:solidFill>
-                <a:latin typeface="Consolas" panose="020B0609020204030204" pitchFamily="49" charset="0"/>
-              </a:rPr>
-              <a:t>print</a:t>
-            </a:r>
-            <a:r>
-              <a:rPr lang="en-US" b="1" dirty="0">
-                <a:solidFill>
-                  <a:srgbClr val="000000"/>
-                </a:solidFill>
-                <a:latin typeface="Consolas" panose="020B0609020204030204" pitchFamily="49" charset="0"/>
-              </a:rPr>
-              <a:t>(</a:t>
-            </a:r>
-            <a:r>
-              <a:rPr lang="en-US" b="1" dirty="0">
-                <a:solidFill>
-                  <a:srgbClr val="4E9A06"/>
-                </a:solidFill>
-                <a:latin typeface="Consolas" panose="020B0609020204030204" pitchFamily="49" charset="0"/>
-              </a:rPr>
-              <a:t>'Cool. I like dogs, too.'</a:t>
-            </a:r>
-            <a:r>
-              <a:rPr lang="en-US" b="1" dirty="0">
-                <a:solidFill>
-                  <a:srgbClr val="000000"/>
-                </a:solidFill>
-                <a:latin typeface="Consolas" panose="020B0609020204030204" pitchFamily="49" charset="0"/>
-              </a:rPr>
-              <a:t>)</a:t>
-            </a:r>
-          </a:p>
-          <a:p>
-            <a:r>
-              <a:rPr lang="en-US" b="1" dirty="0">
-                <a:latin typeface="Consolas" panose="020B0609020204030204" pitchFamily="49" charset="0"/>
-              </a:rPr>
-              <a:t>    </a:t>
-            </a:r>
-            <a:r>
-              <a:rPr lang="en-US" b="1" dirty="0">
-                <a:solidFill>
-                  <a:srgbClr val="204A87"/>
-                </a:solidFill>
-                <a:latin typeface="Consolas" panose="020B0609020204030204" pitchFamily="49" charset="0"/>
-              </a:rPr>
-              <a:t>if </a:t>
-            </a:r>
-            <a:r>
-              <a:rPr lang="en-US" b="1" dirty="0">
-                <a:solidFill>
-                  <a:srgbClr val="000000"/>
-                </a:solidFill>
-                <a:latin typeface="Consolas" panose="020B0609020204030204" pitchFamily="49" charset="0"/>
-              </a:rPr>
-              <a:t>color </a:t>
-            </a:r>
-            <a:r>
-              <a:rPr lang="en-US" b="1" dirty="0">
-                <a:solidFill>
-                  <a:srgbClr val="CE5C00"/>
-                </a:solidFill>
-                <a:latin typeface="Consolas" panose="020B0609020204030204" pitchFamily="49" charset="0"/>
-              </a:rPr>
-              <a:t>== </a:t>
-            </a:r>
-            <a:r>
-              <a:rPr lang="en-US" b="1" dirty="0">
-                <a:solidFill>
-                  <a:srgbClr val="4E9A06"/>
-                </a:solidFill>
-                <a:latin typeface="Consolas" panose="020B0609020204030204" pitchFamily="49" charset="0"/>
-              </a:rPr>
-              <a:t>'brown'</a:t>
-            </a:r>
-            <a:r>
-              <a:rPr lang="en-US" b="1" dirty="0">
-                <a:solidFill>
-                  <a:srgbClr val="000000"/>
-                </a:solidFill>
-                <a:latin typeface="Consolas" panose="020B0609020204030204" pitchFamily="49" charset="0"/>
-              </a:rPr>
-              <a:t>:</a:t>
-            </a:r>
-          </a:p>
-          <a:p>
-            <a:r>
-              <a:rPr lang="en-US" b="1" dirty="0">
-                <a:latin typeface="Consolas" panose="020B0609020204030204" pitchFamily="49" charset="0"/>
-              </a:rPr>
-              <a:t>        </a:t>
-            </a:r>
-            <a:r>
-              <a:rPr lang="en-US" b="1" dirty="0">
-                <a:solidFill>
-                  <a:srgbClr val="204A87"/>
-                </a:solidFill>
-                <a:latin typeface="Consolas" panose="020B0609020204030204" pitchFamily="49" charset="0"/>
-              </a:rPr>
-              <a:t>print</a:t>
-            </a:r>
-            <a:r>
-              <a:rPr lang="en-US" b="1" dirty="0">
-                <a:solidFill>
-                  <a:srgbClr val="000000"/>
-                </a:solidFill>
-                <a:latin typeface="Consolas" panose="020B0609020204030204" pitchFamily="49" charset="0"/>
-              </a:rPr>
-              <a:t>(</a:t>
-            </a:r>
-            <a:r>
-              <a:rPr lang="en-US" b="1" dirty="0">
-                <a:solidFill>
-                  <a:srgbClr val="4E9A06"/>
-                </a:solidFill>
-                <a:latin typeface="Consolas" panose="020B0609020204030204" pitchFamily="49" charset="0"/>
-              </a:rPr>
-              <a:t>'Especially brown dogs.'</a:t>
-            </a:r>
-            <a:r>
-              <a:rPr lang="en-US" b="1" dirty="0">
-                <a:solidFill>
-                  <a:srgbClr val="000000"/>
-                </a:solidFill>
-                <a:latin typeface="Consolas" panose="020B0609020204030204" pitchFamily="49" charset="0"/>
-              </a:rPr>
-              <a:t>)</a:t>
-            </a:r>
-          </a:p>
-          <a:p>
-            <a:r>
-              <a:rPr lang="en-US" b="1" dirty="0">
-                <a:latin typeface="Consolas" panose="020B0609020204030204" pitchFamily="49" charset="0"/>
-              </a:rPr>
-              <a:t>    </a:t>
-            </a:r>
-            <a:r>
-              <a:rPr lang="en-US" b="1" dirty="0">
-                <a:solidFill>
-                  <a:srgbClr val="204A87"/>
-                </a:solidFill>
-                <a:latin typeface="Consolas" panose="020B0609020204030204" pitchFamily="49" charset="0"/>
-              </a:rPr>
-              <a:t>else</a:t>
-            </a:r>
-            <a:r>
-              <a:rPr lang="en-US" b="1" dirty="0">
-                <a:solidFill>
-                  <a:srgbClr val="000000"/>
-                </a:solidFill>
-                <a:latin typeface="Consolas" panose="020B0609020204030204" pitchFamily="49" charset="0"/>
-              </a:rPr>
-              <a:t>:</a:t>
-            </a:r>
-          </a:p>
-          <a:p>
-            <a:r>
-              <a:rPr lang="en-US" b="1" dirty="0">
-                <a:latin typeface="Consolas" panose="020B0609020204030204" pitchFamily="49" charset="0"/>
-              </a:rPr>
-              <a:t>        </a:t>
-            </a:r>
-            <a:r>
-              <a:rPr lang="en-US" b="1" dirty="0">
-                <a:solidFill>
-                  <a:srgbClr val="204A87"/>
-                </a:solidFill>
-                <a:latin typeface="Consolas" panose="020B0609020204030204" pitchFamily="49" charset="0"/>
-              </a:rPr>
-              <a:t>print</a:t>
-            </a:r>
-            <a:r>
-              <a:rPr lang="en-US" b="1" dirty="0">
-                <a:solidFill>
-                  <a:srgbClr val="000000"/>
-                </a:solidFill>
-                <a:latin typeface="Consolas" panose="020B0609020204030204" pitchFamily="49" charset="0"/>
-              </a:rPr>
-              <a:t>(</a:t>
-            </a:r>
-            <a:r>
-              <a:rPr lang="en-US" b="1" dirty="0">
-                <a:solidFill>
-                  <a:srgbClr val="4E9A06"/>
-                </a:solidFill>
-                <a:latin typeface="Consolas" panose="020B0609020204030204" pitchFamily="49" charset="0"/>
-              </a:rPr>
-              <a:t>'But that\'s a bad dog color.'</a:t>
-            </a:r>
-            <a:r>
-              <a:rPr lang="en-US" b="1" dirty="0">
-                <a:solidFill>
-                  <a:srgbClr val="000000"/>
-                </a:solidFill>
-                <a:latin typeface="Consolas" panose="020B0609020204030204" pitchFamily="49" charset="0"/>
-              </a:rPr>
-              <a:t>)</a:t>
-            </a:r>
-          </a:p>
-          <a:p>
-            <a:r>
-              <a:rPr lang="en-US" b="1" dirty="0">
-                <a:solidFill>
-                  <a:srgbClr val="204A87"/>
-                </a:solidFill>
-                <a:latin typeface="Consolas" panose="020B0609020204030204" pitchFamily="49" charset="0"/>
-              </a:rPr>
-              <a:t>else</a:t>
-            </a:r>
-            <a:r>
-              <a:rPr lang="en-US" b="1" dirty="0">
-                <a:solidFill>
-                  <a:srgbClr val="000000"/>
-                </a:solidFill>
-                <a:latin typeface="Consolas" panose="020B0609020204030204" pitchFamily="49" charset="0"/>
-              </a:rPr>
-              <a:t>:</a:t>
-            </a:r>
-          </a:p>
-          <a:p>
-            <a:r>
-              <a:rPr lang="en-US" b="1" dirty="0">
-                <a:latin typeface="Consolas" panose="020B0609020204030204" pitchFamily="49" charset="0"/>
-              </a:rPr>
-              <a:t>    </a:t>
-            </a:r>
-            <a:r>
-              <a:rPr lang="en-US" b="1" dirty="0">
-                <a:solidFill>
-                  <a:srgbClr val="204A87"/>
-                </a:solidFill>
-                <a:latin typeface="Consolas" panose="020B0609020204030204" pitchFamily="49" charset="0"/>
-              </a:rPr>
-              <a:t>print</a:t>
-            </a:r>
-            <a:r>
-              <a:rPr lang="en-US" b="1" dirty="0">
-                <a:solidFill>
-                  <a:srgbClr val="000000"/>
-                </a:solidFill>
-                <a:latin typeface="Consolas" panose="020B0609020204030204" pitchFamily="49" charset="0"/>
-              </a:rPr>
-              <a:t>(</a:t>
-            </a:r>
-            <a:r>
-              <a:rPr lang="en-US" b="1" dirty="0">
-                <a:solidFill>
-                  <a:srgbClr val="4E9A06"/>
-                </a:solidFill>
-                <a:latin typeface="Consolas" panose="020B0609020204030204" pitchFamily="49" charset="0"/>
-              </a:rPr>
-              <a:t>'Dogs are better.'</a:t>
-            </a:r>
-            <a:r>
-              <a:rPr lang="en-US" b="1" dirty="0">
-                <a:solidFill>
-                  <a:srgbClr val="000000"/>
-                </a:solidFill>
-                <a:latin typeface="Consolas" panose="020B0609020204030204" pitchFamily="49" charset="0"/>
-              </a:rPr>
-              <a:t>)</a:t>
-            </a:r>
-          </a:p>
-        </p:txBody>
-      </p:sp>
-      <p:sp>
-        <p:nvSpPr>
-          <p:cNvPr id="3" name="Text Placeholder 2">
-            <a:extLst>
-              <a:ext uri="{FF2B5EF4-FFF2-40B4-BE49-F238E27FC236}">
-                <a16:creationId xmlns:a16="http://schemas.microsoft.com/office/drawing/2014/main" id="{3CB492F0-A805-3D4D-B3C8-9574D2C8D811}"/>
-              </a:ext>
-            </a:extLst>
-          </p:cNvPr>
-          <p:cNvSpPr>
-            <a:spLocks noGrp="1"/>
-          </p:cNvSpPr>
-          <p:nvPr>
-            <p:ph type="body" sz="quarter" idx="12"/>
-          </p:nvPr>
-        </p:nvSpPr>
-        <p:spPr/>
-        <p:txBody>
-          <a:bodyPr/>
-          <a:lstStyle/>
-          <a:p>
-            <a:endParaRPr lang="en-US"/>
-          </a:p>
-        </p:txBody>
-      </p:sp>
-    </p:spTree>
-    <p:extLst>
-      <p:ext uri="{BB962C8B-B14F-4D97-AF65-F5344CB8AC3E}">
-        <p14:creationId xmlns:p14="http://schemas.microsoft.com/office/powerpoint/2010/main" val="2022789116"/>
-      </p:ext>
-    </p:extLst>
-  </p:cSld>
-  <p:clrMapOvr>
-    <a:masterClrMapping/>
-  </p:clrMapOvr>
-</p:sld>
-</file>
-
-<file path=ppt/slides/slide57.xml><?xml version="1.0" encoding="utf-8"?>
-<p:sld xmlns:a="http://schemas.openxmlformats.org/drawingml/2006/main" xmlns:r="http://schemas.openxmlformats.org/officeDocument/2006/relationships" xmlns:p="http://schemas.openxmlformats.org/presentationml/2006/main">
-  <p:cSld>
-    <p:spTree>
-      <p:nvGrpSpPr>
-        <p:cNvPr id="1" name=""/>
-        <p:cNvGrpSpPr/>
-        <p:nvPr/>
-      </p:nvGrpSpPr>
-      <p:grpSpPr>
-        <a:xfrm>
-          <a:off x="0" y="0"/>
-          <a:ext cx="0" cy="0"/>
-          <a:chOff x="0" y="0"/>
-          <a:chExt cx="0" cy="0"/>
-        </a:xfrm>
-      </p:grpSpPr>
-      <p:sp>
-        <p:nvSpPr>
-          <p:cNvPr id="2" name="Text Placeholder 1">
-            <a:extLst>
-              <a:ext uri="{FF2B5EF4-FFF2-40B4-BE49-F238E27FC236}">
-                <a16:creationId xmlns:a16="http://schemas.microsoft.com/office/drawing/2014/main" id="{4ADD1121-E4B7-BA42-9A8B-A885B24D7937}"/>
-              </a:ext>
-            </a:extLst>
-          </p:cNvPr>
-          <p:cNvSpPr>
-            <a:spLocks noGrp="1"/>
-          </p:cNvSpPr>
-          <p:nvPr>
-            <p:ph type="body" sz="quarter" idx="10"/>
-          </p:nvPr>
-        </p:nvSpPr>
-        <p:spPr/>
-        <p:txBody>
-          <a:bodyPr/>
-          <a:lstStyle/>
-          <a:p>
-            <a:r>
-              <a:rPr lang="en-US" dirty="0"/>
-              <a:t>In this version, each if statement has its own else.</a:t>
-            </a:r>
-          </a:p>
-          <a:p>
-            <a:r>
-              <a:rPr lang="en-US" dirty="0"/>
-              <a:t>Look how each else lines up vertically with the if that it goes with</a:t>
-            </a:r>
-          </a:p>
-          <a:p>
-            <a:r>
-              <a:rPr lang="en-US" dirty="0"/>
-              <a:t>It's very easy to read the control flow in a Python program because things that go together line up vertically with nothing further to the left between them.</a:t>
-            </a:r>
-          </a:p>
-        </p:txBody>
-      </p:sp>
-    </p:spTree>
-    <p:extLst>
-      <p:ext uri="{BB962C8B-B14F-4D97-AF65-F5344CB8AC3E}">
-        <p14:creationId xmlns:p14="http://schemas.microsoft.com/office/powerpoint/2010/main" val="2262069705"/>
-      </p:ext>
-    </p:extLst>
-  </p:cSld>
-  <p:clrMapOvr>
-    <a:masterClrMapping/>
-  </p:clrMapOvr>
-</p:sld>
-</file>
-
-<file path=ppt/slides/slide58.xml><?xml version="1.0" encoding="utf-8"?>
-<p:sld xmlns:a="http://schemas.openxmlformats.org/drawingml/2006/main" xmlns:r="http://schemas.openxmlformats.org/officeDocument/2006/relationships" xmlns:p="http://schemas.openxmlformats.org/presentationml/2006/main">
-  <p:cSld>
-    <p:spTree>
-      <p:nvGrpSpPr>
-        <p:cNvPr id="1" name=""/>
-        <p:cNvGrpSpPr/>
-        <p:nvPr/>
-      </p:nvGrpSpPr>
-      <p:grpSpPr>
-        <a:xfrm>
-          <a:off x="0" y="0"/>
-          <a:ext cx="0" cy="0"/>
-          <a:chOff x="0" y="0"/>
-          <a:chExt cx="0" cy="0"/>
-        </a:xfrm>
-      </p:grpSpPr>
-      <p:sp>
-        <p:nvSpPr>
-          <p:cNvPr id="2" name="Text Placeholder 1">
-            <a:extLst>
-              <a:ext uri="{FF2B5EF4-FFF2-40B4-BE49-F238E27FC236}">
-                <a16:creationId xmlns:a16="http://schemas.microsoft.com/office/drawing/2014/main" id="{3B26A29A-9167-D843-A00A-DEDB6F16B943}"/>
-              </a:ext>
-            </a:extLst>
-          </p:cNvPr>
-          <p:cNvSpPr>
-            <a:spLocks noGrp="1"/>
-          </p:cNvSpPr>
-          <p:nvPr>
-            <p:ph type="body" sz="quarter" idx="11"/>
-          </p:nvPr>
-        </p:nvSpPr>
-        <p:spPr>
-          <a:xfrm>
-            <a:off x="5892800" y="359330"/>
-            <a:ext cx="6011900" cy="3417987"/>
-          </a:xfrm>
-        </p:spPr>
-        <p:txBody>
-          <a:bodyPr/>
-          <a:lstStyle/>
-          <a:p>
-            <a:r>
-              <a:rPr lang="en-US" b="1" dirty="0">
-                <a:solidFill>
-                  <a:srgbClr val="000000"/>
-                </a:solidFill>
-                <a:latin typeface="Consolas" panose="020B0609020204030204" pitchFamily="49" charset="0"/>
-              </a:rPr>
-              <a:t>animal </a:t>
-            </a:r>
-            <a:r>
-              <a:rPr lang="en-US" b="1" dirty="0">
-                <a:solidFill>
-                  <a:srgbClr val="CE5C00"/>
-                </a:solidFill>
-                <a:latin typeface="Consolas" panose="020B0609020204030204" pitchFamily="49" charset="0"/>
-              </a:rPr>
-              <a:t>= </a:t>
-            </a:r>
-            <a:r>
-              <a:rPr lang="en-US" b="1" dirty="0">
-                <a:solidFill>
-                  <a:srgbClr val="204A87"/>
-                </a:solidFill>
-                <a:latin typeface="Consolas" panose="020B0609020204030204" pitchFamily="49" charset="0"/>
-              </a:rPr>
-              <a:t>input</a:t>
-            </a:r>
-            <a:r>
-              <a:rPr lang="en-US" b="1" dirty="0">
-                <a:solidFill>
-                  <a:srgbClr val="000000"/>
-                </a:solidFill>
-                <a:latin typeface="Consolas" panose="020B0609020204030204" pitchFamily="49" charset="0"/>
-              </a:rPr>
-              <a:t>(</a:t>
-            </a:r>
-            <a:r>
-              <a:rPr lang="en-US" b="1" dirty="0">
-                <a:solidFill>
-                  <a:srgbClr val="4E9A06"/>
-                </a:solidFill>
-                <a:latin typeface="Consolas" panose="020B0609020204030204" pitchFamily="49" charset="0"/>
-              </a:rPr>
-              <a:t>'Name an animal: '</a:t>
-            </a:r>
-            <a:r>
-              <a:rPr lang="en-US" b="1" dirty="0">
-                <a:solidFill>
-                  <a:srgbClr val="000000"/>
-                </a:solidFill>
-                <a:latin typeface="Consolas" panose="020B0609020204030204" pitchFamily="49" charset="0"/>
-              </a:rPr>
-              <a:t>)</a:t>
-            </a:r>
-          </a:p>
-          <a:p>
-            <a:r>
-              <a:rPr lang="en-US" b="1" dirty="0">
-                <a:solidFill>
-                  <a:srgbClr val="000000"/>
-                </a:solidFill>
-                <a:latin typeface="Consolas" panose="020B0609020204030204" pitchFamily="49" charset="0"/>
-              </a:rPr>
-              <a:t>color </a:t>
-            </a:r>
-            <a:r>
-              <a:rPr lang="en-US" b="1" dirty="0">
-                <a:solidFill>
-                  <a:srgbClr val="CE5C00"/>
-                </a:solidFill>
-                <a:latin typeface="Consolas" panose="020B0609020204030204" pitchFamily="49" charset="0"/>
-              </a:rPr>
-              <a:t>= </a:t>
-            </a:r>
-            <a:r>
-              <a:rPr lang="en-US" b="1" dirty="0">
-                <a:solidFill>
-                  <a:srgbClr val="204A87"/>
-                </a:solidFill>
-                <a:latin typeface="Consolas" panose="020B0609020204030204" pitchFamily="49" charset="0"/>
-              </a:rPr>
-              <a:t>input</a:t>
-            </a:r>
-            <a:r>
-              <a:rPr lang="en-US" b="1" dirty="0">
-                <a:solidFill>
-                  <a:srgbClr val="000000"/>
-                </a:solidFill>
-                <a:latin typeface="Consolas" panose="020B0609020204030204" pitchFamily="49" charset="0"/>
-              </a:rPr>
-              <a:t>(</a:t>
-            </a:r>
-            <a:r>
-              <a:rPr lang="en-US" b="1" dirty="0">
-                <a:solidFill>
-                  <a:srgbClr val="4E9A06"/>
-                </a:solidFill>
-                <a:latin typeface="Consolas" panose="020B0609020204030204" pitchFamily="49" charset="0"/>
-              </a:rPr>
-              <a:t>'Enter a color: '</a:t>
-            </a:r>
-            <a:r>
-              <a:rPr lang="en-US" b="1" dirty="0">
-                <a:solidFill>
-                  <a:srgbClr val="000000"/>
-                </a:solidFill>
-                <a:latin typeface="Consolas" panose="020B0609020204030204" pitchFamily="49" charset="0"/>
-              </a:rPr>
-              <a:t>)</a:t>
-            </a:r>
-          </a:p>
-          <a:p>
-            <a:r>
-              <a:rPr lang="en-US" b="1" dirty="0">
-                <a:solidFill>
-                  <a:srgbClr val="204A87"/>
-                </a:solidFill>
-                <a:latin typeface="Consolas" panose="020B0609020204030204" pitchFamily="49" charset="0"/>
-              </a:rPr>
-              <a:t>if </a:t>
-            </a:r>
-            <a:r>
-              <a:rPr lang="en-US" b="1" dirty="0">
-                <a:solidFill>
-                  <a:srgbClr val="000000"/>
-                </a:solidFill>
-                <a:latin typeface="Consolas" panose="020B0609020204030204" pitchFamily="49" charset="0"/>
-              </a:rPr>
-              <a:t>animal </a:t>
-            </a:r>
-            <a:r>
-              <a:rPr lang="en-US" b="1" dirty="0">
-                <a:solidFill>
-                  <a:srgbClr val="CE5C00"/>
-                </a:solidFill>
-                <a:latin typeface="Consolas" panose="020B0609020204030204" pitchFamily="49" charset="0"/>
-              </a:rPr>
-              <a:t>== </a:t>
-            </a:r>
-            <a:r>
-              <a:rPr lang="en-US" b="1" dirty="0">
-                <a:solidFill>
-                  <a:srgbClr val="4E9A06"/>
-                </a:solidFill>
-                <a:latin typeface="Consolas" panose="020B0609020204030204" pitchFamily="49" charset="0"/>
-              </a:rPr>
-              <a:t>'dog'</a:t>
-            </a:r>
-            <a:r>
-              <a:rPr lang="en-US" b="1" dirty="0">
-                <a:solidFill>
-                  <a:srgbClr val="000000"/>
-                </a:solidFill>
-                <a:latin typeface="Consolas" panose="020B0609020204030204" pitchFamily="49" charset="0"/>
-              </a:rPr>
-              <a:t>:</a:t>
-            </a:r>
-          </a:p>
-          <a:p>
-            <a:r>
-              <a:rPr lang="en-US" b="1" dirty="0">
-                <a:latin typeface="Consolas" panose="020B0609020204030204" pitchFamily="49" charset="0"/>
-              </a:rPr>
-              <a:t>    </a:t>
-            </a:r>
-            <a:r>
-              <a:rPr lang="en-US" b="1" dirty="0">
-                <a:solidFill>
-                  <a:srgbClr val="204A87"/>
-                </a:solidFill>
-                <a:latin typeface="Consolas" panose="020B0609020204030204" pitchFamily="49" charset="0"/>
-              </a:rPr>
-              <a:t>print</a:t>
-            </a:r>
-            <a:r>
-              <a:rPr lang="en-US" b="1" dirty="0">
-                <a:solidFill>
-                  <a:srgbClr val="000000"/>
-                </a:solidFill>
-                <a:latin typeface="Consolas" panose="020B0609020204030204" pitchFamily="49" charset="0"/>
-              </a:rPr>
-              <a:t>(</a:t>
-            </a:r>
-            <a:r>
-              <a:rPr lang="en-US" b="1" dirty="0">
-                <a:solidFill>
-                  <a:srgbClr val="4E9A06"/>
-                </a:solidFill>
-                <a:latin typeface="Consolas" panose="020B0609020204030204" pitchFamily="49" charset="0"/>
-              </a:rPr>
-              <a:t>'Cool. I like dogs, too.'</a:t>
-            </a:r>
-            <a:r>
-              <a:rPr lang="en-US" b="1" dirty="0">
-                <a:solidFill>
-                  <a:srgbClr val="000000"/>
-                </a:solidFill>
-                <a:latin typeface="Consolas" panose="020B0609020204030204" pitchFamily="49" charset="0"/>
-              </a:rPr>
-              <a:t>)</a:t>
-            </a:r>
-          </a:p>
-          <a:p>
-            <a:r>
-              <a:rPr lang="en-US" b="1" dirty="0">
-                <a:latin typeface="Consolas" panose="020B0609020204030204" pitchFamily="49" charset="0"/>
-              </a:rPr>
-              <a:t>    </a:t>
-            </a:r>
-            <a:r>
-              <a:rPr lang="en-US" b="1" dirty="0">
-                <a:solidFill>
-                  <a:srgbClr val="204A87"/>
-                </a:solidFill>
-                <a:latin typeface="Consolas" panose="020B0609020204030204" pitchFamily="49" charset="0"/>
-              </a:rPr>
-              <a:t>if </a:t>
-            </a:r>
-            <a:r>
-              <a:rPr lang="en-US" b="1" dirty="0">
-                <a:solidFill>
-                  <a:srgbClr val="000000"/>
-                </a:solidFill>
-                <a:latin typeface="Consolas" panose="020B0609020204030204" pitchFamily="49" charset="0"/>
-              </a:rPr>
-              <a:t>color </a:t>
-            </a:r>
-            <a:r>
-              <a:rPr lang="en-US" b="1" dirty="0">
-                <a:solidFill>
-                  <a:srgbClr val="CE5C00"/>
-                </a:solidFill>
-                <a:latin typeface="Consolas" panose="020B0609020204030204" pitchFamily="49" charset="0"/>
-              </a:rPr>
-              <a:t>== </a:t>
-            </a:r>
-            <a:r>
-              <a:rPr lang="en-US" b="1" dirty="0">
-                <a:solidFill>
-                  <a:srgbClr val="4E9A06"/>
-                </a:solidFill>
-                <a:latin typeface="Consolas" panose="020B0609020204030204" pitchFamily="49" charset="0"/>
-              </a:rPr>
-              <a:t>'brown'</a:t>
-            </a:r>
-            <a:r>
-              <a:rPr lang="en-US" b="1" dirty="0">
-                <a:solidFill>
-                  <a:srgbClr val="000000"/>
-                </a:solidFill>
-                <a:latin typeface="Consolas" panose="020B0609020204030204" pitchFamily="49" charset="0"/>
-              </a:rPr>
-              <a:t>:</a:t>
-            </a:r>
-          </a:p>
-          <a:p>
-            <a:r>
-              <a:rPr lang="en-US" b="1" dirty="0">
-                <a:latin typeface="Consolas" panose="020B0609020204030204" pitchFamily="49" charset="0"/>
-              </a:rPr>
-              <a:t>        </a:t>
-            </a:r>
-            <a:r>
-              <a:rPr lang="en-US" b="1" dirty="0">
-                <a:solidFill>
-                  <a:srgbClr val="204A87"/>
-                </a:solidFill>
-                <a:latin typeface="Consolas" panose="020B0609020204030204" pitchFamily="49" charset="0"/>
-              </a:rPr>
-              <a:t>print</a:t>
-            </a:r>
-            <a:r>
-              <a:rPr lang="en-US" b="1" dirty="0">
-                <a:solidFill>
-                  <a:srgbClr val="000000"/>
-                </a:solidFill>
-                <a:latin typeface="Consolas" panose="020B0609020204030204" pitchFamily="49" charset="0"/>
-              </a:rPr>
-              <a:t>(</a:t>
-            </a:r>
-            <a:r>
-              <a:rPr lang="en-US" b="1" dirty="0">
-                <a:solidFill>
-                  <a:srgbClr val="4E9A06"/>
-                </a:solidFill>
-                <a:latin typeface="Consolas" panose="020B0609020204030204" pitchFamily="49" charset="0"/>
-              </a:rPr>
-              <a:t>'Especially brown dogs.'</a:t>
-            </a:r>
-            <a:r>
-              <a:rPr lang="en-US" b="1" dirty="0">
-                <a:solidFill>
-                  <a:srgbClr val="000000"/>
-                </a:solidFill>
-                <a:latin typeface="Consolas" panose="020B0609020204030204" pitchFamily="49" charset="0"/>
-              </a:rPr>
-              <a:t>)</a:t>
-            </a:r>
-          </a:p>
-          <a:p>
-            <a:r>
-              <a:rPr lang="en-US" b="1" dirty="0">
-                <a:latin typeface="Consolas" panose="020B0609020204030204" pitchFamily="49" charset="0"/>
-              </a:rPr>
-              <a:t>    </a:t>
-            </a:r>
-            <a:r>
-              <a:rPr lang="en-US" b="1" dirty="0">
-                <a:solidFill>
-                  <a:srgbClr val="204A87"/>
-                </a:solidFill>
-                <a:latin typeface="Consolas" panose="020B0609020204030204" pitchFamily="49" charset="0"/>
-              </a:rPr>
-              <a:t>else</a:t>
-            </a:r>
-            <a:r>
-              <a:rPr lang="en-US" b="1" dirty="0">
-                <a:solidFill>
-                  <a:srgbClr val="000000"/>
-                </a:solidFill>
-                <a:latin typeface="Consolas" panose="020B0609020204030204" pitchFamily="49" charset="0"/>
-              </a:rPr>
-              <a:t>:</a:t>
-            </a:r>
-          </a:p>
-          <a:p>
-            <a:r>
-              <a:rPr lang="en-US" b="1" dirty="0">
-                <a:latin typeface="Consolas" panose="020B0609020204030204" pitchFamily="49" charset="0"/>
-              </a:rPr>
-              <a:t>        </a:t>
-            </a:r>
-            <a:r>
-              <a:rPr lang="en-US" b="1" dirty="0">
-                <a:solidFill>
-                  <a:srgbClr val="204A87"/>
-                </a:solidFill>
-                <a:latin typeface="Consolas" panose="020B0609020204030204" pitchFamily="49" charset="0"/>
-              </a:rPr>
-              <a:t>print</a:t>
-            </a:r>
-            <a:r>
-              <a:rPr lang="en-US" b="1" dirty="0">
-                <a:solidFill>
-                  <a:srgbClr val="000000"/>
-                </a:solidFill>
-                <a:latin typeface="Consolas" panose="020B0609020204030204" pitchFamily="49" charset="0"/>
-              </a:rPr>
-              <a:t>(</a:t>
-            </a:r>
-            <a:r>
-              <a:rPr lang="en-US" b="1" dirty="0">
-                <a:solidFill>
-                  <a:srgbClr val="4E9A06"/>
-                </a:solidFill>
-                <a:latin typeface="Consolas" panose="020B0609020204030204" pitchFamily="49" charset="0"/>
-              </a:rPr>
-              <a:t>'I disagree!'</a:t>
-            </a:r>
-            <a:r>
-              <a:rPr lang="en-US" b="1" dirty="0">
-                <a:solidFill>
-                  <a:srgbClr val="000000"/>
-                </a:solidFill>
-                <a:latin typeface="Consolas" panose="020B0609020204030204" pitchFamily="49" charset="0"/>
-              </a:rPr>
-              <a:t>)</a:t>
-            </a:r>
-          </a:p>
-        </p:txBody>
-      </p:sp>
-      <p:sp>
-        <p:nvSpPr>
-          <p:cNvPr id="3" name="Text Placeholder 2">
-            <a:extLst>
-              <a:ext uri="{FF2B5EF4-FFF2-40B4-BE49-F238E27FC236}">
-                <a16:creationId xmlns:a16="http://schemas.microsoft.com/office/drawing/2014/main" id="{082E9117-2CCB-D042-B2A1-03CF38863E59}"/>
-              </a:ext>
-            </a:extLst>
-          </p:cNvPr>
-          <p:cNvSpPr>
-            <a:spLocks noGrp="1"/>
-          </p:cNvSpPr>
-          <p:nvPr>
-            <p:ph type="body" sz="quarter" idx="12"/>
-          </p:nvPr>
-        </p:nvSpPr>
-        <p:spPr/>
-        <p:txBody>
-          <a:bodyPr/>
-          <a:lstStyle/>
-          <a:p>
-            <a:endParaRPr lang="en-US"/>
-          </a:p>
-        </p:txBody>
-      </p:sp>
-    </p:spTree>
-    <p:extLst>
-      <p:ext uri="{BB962C8B-B14F-4D97-AF65-F5344CB8AC3E}">
-        <p14:creationId xmlns:p14="http://schemas.microsoft.com/office/powerpoint/2010/main" val="2256011411"/>
-      </p:ext>
-    </p:extLst>
-  </p:cSld>
-  <p:clrMapOvr>
-    <a:masterClrMapping/>
-  </p:clrMapOvr>
-</p:sld>
-</file>
-
-<file path=ppt/slides/slide59.xml><?xml version="1.0" encoding="utf-8"?>
-<p:sld xmlns:a="http://schemas.openxmlformats.org/drawingml/2006/main" xmlns:r="http://schemas.openxmlformats.org/officeDocument/2006/relationships" xmlns:p="http://schemas.openxmlformats.org/presentationml/2006/main">
-  <p:cSld>
-    <p:spTree>
-      <p:nvGrpSpPr>
-        <p:cNvPr id="1" name=""/>
-        <p:cNvGrpSpPr/>
-        <p:nvPr/>
-      </p:nvGrpSpPr>
-      <p:grpSpPr>
-        <a:xfrm>
-          <a:off x="0" y="0"/>
-          <a:ext cx="0" cy="0"/>
-          <a:chOff x="0" y="0"/>
-          <a:chExt cx="0" cy="0"/>
-        </a:xfrm>
-      </p:grpSpPr>
-      <p:sp>
-        <p:nvSpPr>
-          <p:cNvPr id="2" name="Text Placeholder 1">
-            <a:extLst>
-              <a:ext uri="{FF2B5EF4-FFF2-40B4-BE49-F238E27FC236}">
-                <a16:creationId xmlns:a16="http://schemas.microsoft.com/office/drawing/2014/main" id="{E4E7C166-403A-B040-84F5-5C04068F6EE8}"/>
-              </a:ext>
-            </a:extLst>
-          </p:cNvPr>
-          <p:cNvSpPr>
-            <a:spLocks noGrp="1"/>
-          </p:cNvSpPr>
-          <p:nvPr>
-            <p:ph type="body" sz="quarter" idx="10"/>
-          </p:nvPr>
-        </p:nvSpPr>
-        <p:spPr/>
-        <p:txBody>
-          <a:bodyPr/>
-          <a:lstStyle/>
-          <a:p>
-            <a:r>
-              <a:rPr lang="en-US" dirty="0"/>
-              <a:t>Indentation matters. This program disagrees with you about </a:t>
-            </a:r>
-            <a:r>
-              <a:rPr lang="en-US" i="1" dirty="0"/>
-              <a:t>colors</a:t>
-            </a:r>
-            <a:r>
-              <a:rPr lang="en-US" dirty="0"/>
-              <a:t>: the else goes with the if color == brown</a:t>
-            </a:r>
-          </a:p>
-        </p:txBody>
-      </p:sp>
-    </p:spTree>
-    <p:extLst>
-      <p:ext uri="{BB962C8B-B14F-4D97-AF65-F5344CB8AC3E}">
-        <p14:creationId xmlns:p14="http://schemas.microsoft.com/office/powerpoint/2010/main" val="1276600306"/>
       </p:ext>
     </p:extLst>
   </p:cSld>
@@ -10019,6 +9375,1258 @@
           <p:cNvPr id="2" name="Text Placeholder 1">
             <a:extLst>
               <a:ext uri="{FF2B5EF4-FFF2-40B4-BE49-F238E27FC236}">
+                <a16:creationId xmlns:a16="http://schemas.microsoft.com/office/drawing/2014/main" id="{6C59ED25-3C4A-4A45-95CF-F0961C0789B4}"/>
+              </a:ext>
+            </a:extLst>
+          </p:cNvPr>
+          <p:cNvSpPr>
+            <a:spLocks noGrp="1"/>
+          </p:cNvSpPr>
+          <p:nvPr>
+            <p:ph type="body" sz="quarter" idx="10"/>
+          </p:nvPr>
+        </p:nvSpPr>
+        <p:spPr/>
+        <p:txBody>
+          <a:bodyPr/>
+          <a:lstStyle/>
+          <a:p>
+            <a:r>
+              <a:rPr lang="en-US" dirty="0"/>
+              <a:t>You see what's going on here? Take the first example.</a:t>
+            </a:r>
+          </a:p>
+          <a:p>
+            <a:r>
+              <a:rPr lang="en-US" dirty="0"/>
+              <a:t>Python gets to the outer if. animal is dog, so the comparison is true, so Python executes the body of the outer if, and prints that it likes dogs, too.</a:t>
+            </a:r>
+          </a:p>
+          <a:p>
+            <a:r>
+              <a:rPr lang="en-US" dirty="0"/>
+              <a:t>Now it reaches the inner if, and color is brown, so this comparison is true, so Python also executes the body of the inner if, and prints especially brown dogs</a:t>
+            </a:r>
+          </a:p>
+        </p:txBody>
+      </p:sp>
+    </p:spTree>
+    <p:extLst>
+      <p:ext uri="{BB962C8B-B14F-4D97-AF65-F5344CB8AC3E}">
+        <p14:creationId xmlns:p14="http://schemas.microsoft.com/office/powerpoint/2010/main" val="1715814065"/>
+      </p:ext>
+    </p:extLst>
+  </p:cSld>
+  <p:clrMapOvr>
+    <a:masterClrMapping/>
+  </p:clrMapOvr>
+</p:sld>
+</file>
+
+<file path=ppt/slides/slide61.xml><?xml version="1.0" encoding="utf-8"?>
+<p:sld xmlns:a="http://schemas.openxmlformats.org/drawingml/2006/main" xmlns:r="http://schemas.openxmlformats.org/officeDocument/2006/relationships" xmlns:p="http://schemas.openxmlformats.org/presentationml/2006/main">
+  <p:cSld>
+    <p:spTree>
+      <p:nvGrpSpPr>
+        <p:cNvPr id="1" name=""/>
+        <p:cNvGrpSpPr/>
+        <p:nvPr/>
+      </p:nvGrpSpPr>
+      <p:grpSpPr>
+        <a:xfrm>
+          <a:off x="0" y="0"/>
+          <a:ext cx="0" cy="0"/>
+          <a:chOff x="0" y="0"/>
+          <a:chExt cx="0" cy="0"/>
+        </a:xfrm>
+      </p:grpSpPr>
+      <p:sp>
+        <p:nvSpPr>
+          <p:cNvPr id="2" name="Text Placeholder 1">
+            <a:extLst>
+              <a:ext uri="{FF2B5EF4-FFF2-40B4-BE49-F238E27FC236}">
+                <a16:creationId xmlns:a16="http://schemas.microsoft.com/office/drawing/2014/main" id="{96F80DEF-EC08-404A-BA8D-EADA2BB0814D}"/>
+              </a:ext>
+            </a:extLst>
+          </p:cNvPr>
+          <p:cNvSpPr>
+            <a:spLocks noGrp="1"/>
+          </p:cNvSpPr>
+          <p:nvPr>
+            <p:ph type="body" sz="quarter" idx="10"/>
+          </p:nvPr>
+        </p:nvSpPr>
+        <p:spPr/>
+        <p:txBody>
+          <a:bodyPr/>
+          <a:lstStyle/>
+          <a:p>
+            <a:r>
+              <a:rPr lang="en-US" dirty="0"/>
+              <a:t>But if you type in cat instead, Python skips over the body of the outer if, </a:t>
+            </a:r>
+            <a:r>
+              <a:rPr lang="en-US" i="1" dirty="0"/>
+              <a:t>including the entire inner if and its body</a:t>
+            </a:r>
+            <a:r>
+              <a:rPr lang="en-US" dirty="0"/>
+              <a:t>. </a:t>
+            </a:r>
+          </a:p>
+          <a:p>
+            <a:r>
+              <a:rPr lang="en-US" dirty="0"/>
+              <a:t>Doesn't matter if color is brown, Python will never even look at the if color==brown</a:t>
+            </a:r>
+          </a:p>
+        </p:txBody>
+      </p:sp>
+    </p:spTree>
+    <p:extLst>
+      <p:ext uri="{BB962C8B-B14F-4D97-AF65-F5344CB8AC3E}">
+        <p14:creationId xmlns:p14="http://schemas.microsoft.com/office/powerpoint/2010/main" val="2939641532"/>
+      </p:ext>
+    </p:extLst>
+  </p:cSld>
+  <p:clrMapOvr>
+    <a:masterClrMapping/>
+  </p:clrMapOvr>
+</p:sld>
+</file>
+
+<file path=ppt/slides/slide62.xml><?xml version="1.0" encoding="utf-8"?>
+<p:sld xmlns:a="http://schemas.openxmlformats.org/drawingml/2006/main" xmlns:r="http://schemas.openxmlformats.org/officeDocument/2006/relationships" xmlns:p="http://schemas.openxmlformats.org/presentationml/2006/main">
+  <p:cSld>
+    <p:spTree>
+      <p:nvGrpSpPr>
+        <p:cNvPr id="1" name=""/>
+        <p:cNvGrpSpPr/>
+        <p:nvPr/>
+      </p:nvGrpSpPr>
+      <p:grpSpPr>
+        <a:xfrm>
+          <a:off x="0" y="0"/>
+          <a:ext cx="0" cy="0"/>
+          <a:chOff x="0" y="0"/>
+          <a:chExt cx="0" cy="0"/>
+        </a:xfrm>
+      </p:grpSpPr>
+      <p:sp>
+        <p:nvSpPr>
+          <p:cNvPr id="2" name="Text Placeholder 1">
+            <a:extLst>
+              <a:ext uri="{FF2B5EF4-FFF2-40B4-BE49-F238E27FC236}">
+                <a16:creationId xmlns:a16="http://schemas.microsoft.com/office/drawing/2014/main" id="{2F94A7DC-ECB2-4F48-940F-C2190699026D}"/>
+              </a:ext>
+            </a:extLst>
+          </p:cNvPr>
+          <p:cNvSpPr>
+            <a:spLocks noGrp="1"/>
+          </p:cNvSpPr>
+          <p:nvPr>
+            <p:ph type="body" sz="quarter" idx="11"/>
+          </p:nvPr>
+        </p:nvSpPr>
+        <p:spPr>
+          <a:xfrm>
+            <a:off x="5892800" y="359330"/>
+            <a:ext cx="6011900" cy="4248984"/>
+          </a:xfrm>
+        </p:spPr>
+        <p:txBody>
+          <a:bodyPr/>
+          <a:lstStyle/>
+          <a:p>
+            <a:r>
+              <a:rPr lang="en-US" b="1" dirty="0">
+                <a:solidFill>
+                  <a:srgbClr val="000000"/>
+                </a:solidFill>
+                <a:latin typeface="Consolas" panose="020B0609020204030204" pitchFamily="49" charset="0"/>
+              </a:rPr>
+              <a:t>animal </a:t>
+            </a:r>
+            <a:r>
+              <a:rPr lang="en-US" b="1" dirty="0">
+                <a:solidFill>
+                  <a:srgbClr val="CE5C00"/>
+                </a:solidFill>
+                <a:latin typeface="Consolas" panose="020B0609020204030204" pitchFamily="49" charset="0"/>
+              </a:rPr>
+              <a:t>= </a:t>
+            </a:r>
+            <a:r>
+              <a:rPr lang="en-US" b="1" dirty="0">
+                <a:solidFill>
+                  <a:srgbClr val="204A87"/>
+                </a:solidFill>
+                <a:latin typeface="Consolas" panose="020B0609020204030204" pitchFamily="49" charset="0"/>
+              </a:rPr>
+              <a:t>input</a:t>
+            </a:r>
+            <a:r>
+              <a:rPr lang="en-US" b="1" dirty="0">
+                <a:solidFill>
+                  <a:srgbClr val="000000"/>
+                </a:solidFill>
+                <a:latin typeface="Consolas" panose="020B0609020204030204" pitchFamily="49" charset="0"/>
+              </a:rPr>
+              <a:t>(</a:t>
+            </a:r>
+            <a:r>
+              <a:rPr lang="en-US" b="1" dirty="0">
+                <a:solidFill>
+                  <a:srgbClr val="4E9A06"/>
+                </a:solidFill>
+                <a:latin typeface="Consolas" panose="020B0609020204030204" pitchFamily="49" charset="0"/>
+              </a:rPr>
+              <a:t>'Name an animal: '</a:t>
+            </a:r>
+            <a:r>
+              <a:rPr lang="en-US" b="1" dirty="0">
+                <a:solidFill>
+                  <a:srgbClr val="000000"/>
+                </a:solidFill>
+                <a:latin typeface="Consolas" panose="020B0609020204030204" pitchFamily="49" charset="0"/>
+              </a:rPr>
+              <a:t>)</a:t>
+            </a:r>
+          </a:p>
+          <a:p>
+            <a:r>
+              <a:rPr lang="en-US" b="1" dirty="0">
+                <a:solidFill>
+                  <a:srgbClr val="000000"/>
+                </a:solidFill>
+                <a:latin typeface="Consolas" panose="020B0609020204030204" pitchFamily="49" charset="0"/>
+              </a:rPr>
+              <a:t>color </a:t>
+            </a:r>
+            <a:r>
+              <a:rPr lang="en-US" b="1" dirty="0">
+                <a:solidFill>
+                  <a:srgbClr val="CE5C00"/>
+                </a:solidFill>
+                <a:latin typeface="Consolas" panose="020B0609020204030204" pitchFamily="49" charset="0"/>
+              </a:rPr>
+              <a:t>= </a:t>
+            </a:r>
+            <a:r>
+              <a:rPr lang="en-US" b="1" dirty="0">
+                <a:solidFill>
+                  <a:srgbClr val="204A87"/>
+                </a:solidFill>
+                <a:latin typeface="Consolas" panose="020B0609020204030204" pitchFamily="49" charset="0"/>
+              </a:rPr>
+              <a:t>input</a:t>
+            </a:r>
+            <a:r>
+              <a:rPr lang="en-US" b="1" dirty="0">
+                <a:solidFill>
+                  <a:srgbClr val="000000"/>
+                </a:solidFill>
+                <a:latin typeface="Consolas" panose="020B0609020204030204" pitchFamily="49" charset="0"/>
+              </a:rPr>
+              <a:t>(</a:t>
+            </a:r>
+            <a:r>
+              <a:rPr lang="en-US" b="1" dirty="0">
+                <a:solidFill>
+                  <a:srgbClr val="4E9A06"/>
+                </a:solidFill>
+                <a:latin typeface="Consolas" panose="020B0609020204030204" pitchFamily="49" charset="0"/>
+              </a:rPr>
+              <a:t>'Enter a color: '</a:t>
+            </a:r>
+            <a:r>
+              <a:rPr lang="en-US" b="1" dirty="0">
+                <a:solidFill>
+                  <a:srgbClr val="000000"/>
+                </a:solidFill>
+                <a:latin typeface="Consolas" panose="020B0609020204030204" pitchFamily="49" charset="0"/>
+              </a:rPr>
+              <a:t>)</a:t>
+            </a:r>
+          </a:p>
+          <a:p>
+            <a:r>
+              <a:rPr lang="en-US" b="1" dirty="0">
+                <a:solidFill>
+                  <a:srgbClr val="204A87"/>
+                </a:solidFill>
+                <a:latin typeface="Consolas" panose="020B0609020204030204" pitchFamily="49" charset="0"/>
+              </a:rPr>
+              <a:t>if </a:t>
+            </a:r>
+            <a:r>
+              <a:rPr lang="en-US" b="1" dirty="0">
+                <a:solidFill>
+                  <a:srgbClr val="000000"/>
+                </a:solidFill>
+                <a:latin typeface="Consolas" panose="020B0609020204030204" pitchFamily="49" charset="0"/>
+              </a:rPr>
+              <a:t>animal </a:t>
+            </a:r>
+            <a:r>
+              <a:rPr lang="en-US" b="1" dirty="0">
+                <a:solidFill>
+                  <a:srgbClr val="CE5C00"/>
+                </a:solidFill>
+                <a:latin typeface="Consolas" panose="020B0609020204030204" pitchFamily="49" charset="0"/>
+              </a:rPr>
+              <a:t>== </a:t>
+            </a:r>
+            <a:r>
+              <a:rPr lang="en-US" b="1" dirty="0">
+                <a:solidFill>
+                  <a:srgbClr val="4E9A06"/>
+                </a:solidFill>
+                <a:latin typeface="Consolas" panose="020B0609020204030204" pitchFamily="49" charset="0"/>
+              </a:rPr>
+              <a:t>'dog'</a:t>
+            </a:r>
+            <a:r>
+              <a:rPr lang="en-US" b="1" dirty="0">
+                <a:solidFill>
+                  <a:srgbClr val="000000"/>
+                </a:solidFill>
+                <a:latin typeface="Consolas" panose="020B0609020204030204" pitchFamily="49" charset="0"/>
+              </a:rPr>
+              <a:t>:</a:t>
+            </a:r>
+          </a:p>
+          <a:p>
+            <a:r>
+              <a:rPr lang="en-US" b="1" dirty="0">
+                <a:latin typeface="Consolas" panose="020B0609020204030204" pitchFamily="49" charset="0"/>
+              </a:rPr>
+              <a:t>    </a:t>
+            </a:r>
+            <a:r>
+              <a:rPr lang="en-US" b="1" dirty="0">
+                <a:solidFill>
+                  <a:srgbClr val="204A87"/>
+                </a:solidFill>
+                <a:latin typeface="Consolas" panose="020B0609020204030204" pitchFamily="49" charset="0"/>
+              </a:rPr>
+              <a:t>print</a:t>
+            </a:r>
+            <a:r>
+              <a:rPr lang="en-US" b="1" dirty="0">
+                <a:solidFill>
+                  <a:srgbClr val="000000"/>
+                </a:solidFill>
+                <a:latin typeface="Consolas" panose="020B0609020204030204" pitchFamily="49" charset="0"/>
+              </a:rPr>
+              <a:t>(</a:t>
+            </a:r>
+            <a:r>
+              <a:rPr lang="en-US" b="1" dirty="0">
+                <a:solidFill>
+                  <a:srgbClr val="4E9A06"/>
+                </a:solidFill>
+                <a:latin typeface="Consolas" panose="020B0609020204030204" pitchFamily="49" charset="0"/>
+              </a:rPr>
+              <a:t>'Cool. I like dogs, too.'</a:t>
+            </a:r>
+            <a:r>
+              <a:rPr lang="en-US" b="1" dirty="0">
+                <a:solidFill>
+                  <a:srgbClr val="000000"/>
+                </a:solidFill>
+                <a:latin typeface="Consolas" panose="020B0609020204030204" pitchFamily="49" charset="0"/>
+              </a:rPr>
+              <a:t>)</a:t>
+            </a:r>
+          </a:p>
+          <a:p>
+            <a:r>
+              <a:rPr lang="en-US" b="1" dirty="0">
+                <a:latin typeface="Consolas" panose="020B0609020204030204" pitchFamily="49" charset="0"/>
+              </a:rPr>
+              <a:t>    </a:t>
+            </a:r>
+            <a:r>
+              <a:rPr lang="en-US" b="1" dirty="0">
+                <a:solidFill>
+                  <a:srgbClr val="204A87"/>
+                </a:solidFill>
+                <a:latin typeface="Consolas" panose="020B0609020204030204" pitchFamily="49" charset="0"/>
+              </a:rPr>
+              <a:t>if </a:t>
+            </a:r>
+            <a:r>
+              <a:rPr lang="en-US" b="1" dirty="0">
+                <a:solidFill>
+                  <a:srgbClr val="000000"/>
+                </a:solidFill>
+                <a:latin typeface="Consolas" panose="020B0609020204030204" pitchFamily="49" charset="0"/>
+              </a:rPr>
+              <a:t>color </a:t>
+            </a:r>
+            <a:r>
+              <a:rPr lang="en-US" b="1" dirty="0">
+                <a:solidFill>
+                  <a:srgbClr val="CE5C00"/>
+                </a:solidFill>
+                <a:latin typeface="Consolas" panose="020B0609020204030204" pitchFamily="49" charset="0"/>
+              </a:rPr>
+              <a:t>== </a:t>
+            </a:r>
+            <a:r>
+              <a:rPr lang="en-US" b="1" dirty="0">
+                <a:solidFill>
+                  <a:srgbClr val="4E9A06"/>
+                </a:solidFill>
+                <a:latin typeface="Consolas" panose="020B0609020204030204" pitchFamily="49" charset="0"/>
+              </a:rPr>
+              <a:t>'brown'</a:t>
+            </a:r>
+            <a:r>
+              <a:rPr lang="en-US" b="1" dirty="0">
+                <a:solidFill>
+                  <a:srgbClr val="000000"/>
+                </a:solidFill>
+                <a:latin typeface="Consolas" panose="020B0609020204030204" pitchFamily="49" charset="0"/>
+              </a:rPr>
+              <a:t>:</a:t>
+            </a:r>
+          </a:p>
+          <a:p>
+            <a:r>
+              <a:rPr lang="en-US" b="1" dirty="0">
+                <a:latin typeface="Consolas" panose="020B0609020204030204" pitchFamily="49" charset="0"/>
+              </a:rPr>
+              <a:t>        </a:t>
+            </a:r>
+            <a:r>
+              <a:rPr lang="en-US" b="1" dirty="0">
+                <a:solidFill>
+                  <a:srgbClr val="204A87"/>
+                </a:solidFill>
+                <a:latin typeface="Consolas" panose="020B0609020204030204" pitchFamily="49" charset="0"/>
+              </a:rPr>
+              <a:t>print</a:t>
+            </a:r>
+            <a:r>
+              <a:rPr lang="en-US" b="1" dirty="0">
+                <a:solidFill>
+                  <a:srgbClr val="000000"/>
+                </a:solidFill>
+                <a:latin typeface="Consolas" panose="020B0609020204030204" pitchFamily="49" charset="0"/>
+              </a:rPr>
+              <a:t>(</a:t>
+            </a:r>
+            <a:r>
+              <a:rPr lang="en-US" b="1" dirty="0">
+                <a:solidFill>
+                  <a:srgbClr val="4E9A06"/>
+                </a:solidFill>
+                <a:latin typeface="Consolas" panose="020B0609020204030204" pitchFamily="49" charset="0"/>
+              </a:rPr>
+              <a:t>'Especially brown dogs.'</a:t>
+            </a:r>
+            <a:r>
+              <a:rPr lang="en-US" b="1" dirty="0">
+                <a:solidFill>
+                  <a:srgbClr val="000000"/>
+                </a:solidFill>
+                <a:latin typeface="Consolas" panose="020B0609020204030204" pitchFamily="49" charset="0"/>
+              </a:rPr>
+              <a:t>)</a:t>
+            </a:r>
+          </a:p>
+          <a:p>
+            <a:r>
+              <a:rPr lang="en-US" b="1" dirty="0">
+                <a:latin typeface="Consolas" panose="020B0609020204030204" pitchFamily="49" charset="0"/>
+              </a:rPr>
+              <a:t>    </a:t>
+            </a:r>
+            <a:r>
+              <a:rPr lang="en-US" b="1" dirty="0">
+                <a:solidFill>
+                  <a:srgbClr val="204A87"/>
+                </a:solidFill>
+                <a:latin typeface="Consolas" panose="020B0609020204030204" pitchFamily="49" charset="0"/>
+              </a:rPr>
+              <a:t>else</a:t>
+            </a:r>
+            <a:r>
+              <a:rPr lang="en-US" b="1" dirty="0">
+                <a:solidFill>
+                  <a:srgbClr val="000000"/>
+                </a:solidFill>
+                <a:latin typeface="Consolas" panose="020B0609020204030204" pitchFamily="49" charset="0"/>
+              </a:rPr>
+              <a:t>:</a:t>
+            </a:r>
+          </a:p>
+          <a:p>
+            <a:r>
+              <a:rPr lang="en-US" b="1" dirty="0">
+                <a:latin typeface="Consolas" panose="020B0609020204030204" pitchFamily="49" charset="0"/>
+              </a:rPr>
+              <a:t>        </a:t>
+            </a:r>
+            <a:r>
+              <a:rPr lang="en-US" b="1" dirty="0">
+                <a:solidFill>
+                  <a:srgbClr val="204A87"/>
+                </a:solidFill>
+                <a:latin typeface="Consolas" panose="020B0609020204030204" pitchFamily="49" charset="0"/>
+              </a:rPr>
+              <a:t>print</a:t>
+            </a:r>
+            <a:r>
+              <a:rPr lang="en-US" b="1" dirty="0">
+                <a:solidFill>
+                  <a:srgbClr val="000000"/>
+                </a:solidFill>
+                <a:latin typeface="Consolas" panose="020B0609020204030204" pitchFamily="49" charset="0"/>
+              </a:rPr>
+              <a:t>(</a:t>
+            </a:r>
+            <a:r>
+              <a:rPr lang="en-US" b="1" dirty="0">
+                <a:solidFill>
+                  <a:srgbClr val="4E9A06"/>
+                </a:solidFill>
+                <a:latin typeface="Consolas" panose="020B0609020204030204" pitchFamily="49" charset="0"/>
+              </a:rPr>
+              <a:t>'But that\'s a bad dog color.'</a:t>
+            </a:r>
+            <a:r>
+              <a:rPr lang="en-US" b="1" dirty="0">
+                <a:solidFill>
+                  <a:srgbClr val="000000"/>
+                </a:solidFill>
+                <a:latin typeface="Consolas" panose="020B0609020204030204" pitchFamily="49" charset="0"/>
+              </a:rPr>
+              <a:t>)</a:t>
+            </a:r>
+          </a:p>
+          <a:p>
+            <a:r>
+              <a:rPr lang="en-US" b="1" dirty="0">
+                <a:solidFill>
+                  <a:srgbClr val="204A87"/>
+                </a:solidFill>
+                <a:latin typeface="Consolas" panose="020B0609020204030204" pitchFamily="49" charset="0"/>
+              </a:rPr>
+              <a:t>else</a:t>
+            </a:r>
+            <a:r>
+              <a:rPr lang="en-US" b="1" dirty="0">
+                <a:solidFill>
+                  <a:srgbClr val="000000"/>
+                </a:solidFill>
+                <a:latin typeface="Consolas" panose="020B0609020204030204" pitchFamily="49" charset="0"/>
+              </a:rPr>
+              <a:t>:</a:t>
+            </a:r>
+          </a:p>
+          <a:p>
+            <a:r>
+              <a:rPr lang="en-US" b="1" dirty="0">
+                <a:latin typeface="Consolas" panose="020B0609020204030204" pitchFamily="49" charset="0"/>
+              </a:rPr>
+              <a:t>    </a:t>
+            </a:r>
+            <a:r>
+              <a:rPr lang="en-US" b="1" dirty="0">
+                <a:solidFill>
+                  <a:srgbClr val="204A87"/>
+                </a:solidFill>
+                <a:latin typeface="Consolas" panose="020B0609020204030204" pitchFamily="49" charset="0"/>
+              </a:rPr>
+              <a:t>print</a:t>
+            </a:r>
+            <a:r>
+              <a:rPr lang="en-US" b="1" dirty="0">
+                <a:solidFill>
+                  <a:srgbClr val="000000"/>
+                </a:solidFill>
+                <a:latin typeface="Consolas" panose="020B0609020204030204" pitchFamily="49" charset="0"/>
+              </a:rPr>
+              <a:t>(</a:t>
+            </a:r>
+            <a:r>
+              <a:rPr lang="en-US" b="1" dirty="0">
+                <a:solidFill>
+                  <a:srgbClr val="4E9A06"/>
+                </a:solidFill>
+                <a:latin typeface="Consolas" panose="020B0609020204030204" pitchFamily="49" charset="0"/>
+              </a:rPr>
+              <a:t>'Dogs are better.'</a:t>
+            </a:r>
+            <a:r>
+              <a:rPr lang="en-US" b="1" dirty="0">
+                <a:solidFill>
+                  <a:srgbClr val="000000"/>
+                </a:solidFill>
+                <a:latin typeface="Consolas" panose="020B0609020204030204" pitchFamily="49" charset="0"/>
+              </a:rPr>
+              <a:t>)</a:t>
+            </a:r>
+          </a:p>
+        </p:txBody>
+      </p:sp>
+      <p:sp>
+        <p:nvSpPr>
+          <p:cNvPr id="3" name="Text Placeholder 2">
+            <a:extLst>
+              <a:ext uri="{FF2B5EF4-FFF2-40B4-BE49-F238E27FC236}">
+                <a16:creationId xmlns:a16="http://schemas.microsoft.com/office/drawing/2014/main" id="{3CB492F0-A805-3D4D-B3C8-9574D2C8D811}"/>
+              </a:ext>
+            </a:extLst>
+          </p:cNvPr>
+          <p:cNvSpPr>
+            <a:spLocks noGrp="1"/>
+          </p:cNvSpPr>
+          <p:nvPr>
+            <p:ph type="body" sz="quarter" idx="12"/>
+          </p:nvPr>
+        </p:nvSpPr>
+        <p:spPr/>
+        <p:txBody>
+          <a:bodyPr/>
+          <a:lstStyle/>
+          <a:p>
+            <a:r>
+              <a:rPr lang="en-US" dirty="0"/>
+              <a:t>&lt;animal8.py&gt;</a:t>
+            </a:r>
+          </a:p>
+        </p:txBody>
+      </p:sp>
+    </p:spTree>
+    <p:extLst>
+      <p:ext uri="{BB962C8B-B14F-4D97-AF65-F5344CB8AC3E}">
+        <p14:creationId xmlns:p14="http://schemas.microsoft.com/office/powerpoint/2010/main" val="2022789116"/>
+      </p:ext>
+    </p:extLst>
+  </p:cSld>
+  <p:clrMapOvr>
+    <a:masterClrMapping/>
+  </p:clrMapOvr>
+</p:sld>
+</file>
+
+<file path=ppt/slides/slide63.xml><?xml version="1.0" encoding="utf-8"?>
+<p:sld xmlns:a="http://schemas.openxmlformats.org/drawingml/2006/main" xmlns:r="http://schemas.openxmlformats.org/officeDocument/2006/relationships" xmlns:p="http://schemas.openxmlformats.org/presentationml/2006/main">
+  <p:cSld>
+    <p:spTree>
+      <p:nvGrpSpPr>
+        <p:cNvPr id="1" name=""/>
+        <p:cNvGrpSpPr/>
+        <p:nvPr/>
+      </p:nvGrpSpPr>
+      <p:grpSpPr>
+        <a:xfrm>
+          <a:off x="0" y="0"/>
+          <a:ext cx="0" cy="0"/>
+          <a:chOff x="0" y="0"/>
+          <a:chExt cx="0" cy="0"/>
+        </a:xfrm>
+      </p:grpSpPr>
+      <p:sp>
+        <p:nvSpPr>
+          <p:cNvPr id="2" name="Text Placeholder 1">
+            <a:extLst>
+              <a:ext uri="{FF2B5EF4-FFF2-40B4-BE49-F238E27FC236}">
+                <a16:creationId xmlns:a16="http://schemas.microsoft.com/office/drawing/2014/main" id="{4ADD1121-E4B7-BA42-9A8B-A885B24D7937}"/>
+              </a:ext>
+            </a:extLst>
+          </p:cNvPr>
+          <p:cNvSpPr>
+            <a:spLocks noGrp="1"/>
+          </p:cNvSpPr>
+          <p:nvPr>
+            <p:ph type="body" sz="quarter" idx="10"/>
+          </p:nvPr>
+        </p:nvSpPr>
+        <p:spPr/>
+        <p:txBody>
+          <a:bodyPr/>
+          <a:lstStyle/>
+          <a:p>
+            <a:r>
+              <a:rPr lang="en-US" dirty="0"/>
+              <a:t>In this version, each if statement has its own else.</a:t>
+            </a:r>
+          </a:p>
+          <a:p>
+            <a:r>
+              <a:rPr lang="en-US" dirty="0"/>
+              <a:t>Look how each else lines up vertically with the if that it goes with</a:t>
+            </a:r>
+          </a:p>
+          <a:p>
+            <a:r>
+              <a:rPr lang="en-US" dirty="0"/>
+              <a:t>It's very easy to read the control flow in a Python program because things that go together line up vertically with nothing further to the left between them.</a:t>
+            </a:r>
+          </a:p>
+        </p:txBody>
+      </p:sp>
+    </p:spTree>
+    <p:extLst>
+      <p:ext uri="{BB962C8B-B14F-4D97-AF65-F5344CB8AC3E}">
+        <p14:creationId xmlns:p14="http://schemas.microsoft.com/office/powerpoint/2010/main" val="2262069705"/>
+      </p:ext>
+    </p:extLst>
+  </p:cSld>
+  <p:clrMapOvr>
+    <a:masterClrMapping/>
+  </p:clrMapOvr>
+</p:sld>
+</file>
+
+<file path=ppt/slides/slide64.xml><?xml version="1.0" encoding="utf-8"?>
+<p:sld xmlns:a="http://schemas.openxmlformats.org/drawingml/2006/main" xmlns:r="http://schemas.openxmlformats.org/officeDocument/2006/relationships" xmlns:p="http://schemas.openxmlformats.org/presentationml/2006/main">
+  <p:cSld>
+    <p:spTree>
+      <p:nvGrpSpPr>
+        <p:cNvPr id="1" name=""/>
+        <p:cNvGrpSpPr/>
+        <p:nvPr/>
+      </p:nvGrpSpPr>
+      <p:grpSpPr>
+        <a:xfrm>
+          <a:off x="0" y="0"/>
+          <a:ext cx="0" cy="0"/>
+          <a:chOff x="0" y="0"/>
+          <a:chExt cx="0" cy="0"/>
+        </a:xfrm>
+      </p:grpSpPr>
+      <p:sp>
+        <p:nvSpPr>
+          <p:cNvPr id="2" name="Text Placeholder 1">
+            <a:extLst>
+              <a:ext uri="{FF2B5EF4-FFF2-40B4-BE49-F238E27FC236}">
+                <a16:creationId xmlns:a16="http://schemas.microsoft.com/office/drawing/2014/main" id="{3B26A29A-9167-D843-A00A-DEDB6F16B943}"/>
+              </a:ext>
+            </a:extLst>
+          </p:cNvPr>
+          <p:cNvSpPr>
+            <a:spLocks noGrp="1"/>
+          </p:cNvSpPr>
+          <p:nvPr>
+            <p:ph type="body" sz="quarter" idx="11"/>
+          </p:nvPr>
+        </p:nvSpPr>
+        <p:spPr>
+          <a:xfrm>
+            <a:off x="5892800" y="359330"/>
+            <a:ext cx="6011900" cy="3417987"/>
+          </a:xfrm>
+        </p:spPr>
+        <p:txBody>
+          <a:bodyPr/>
+          <a:lstStyle/>
+          <a:p>
+            <a:r>
+              <a:rPr lang="en-US" b="1" dirty="0">
+                <a:solidFill>
+                  <a:srgbClr val="000000"/>
+                </a:solidFill>
+                <a:latin typeface="Consolas" panose="020B0609020204030204" pitchFamily="49" charset="0"/>
+              </a:rPr>
+              <a:t>animal </a:t>
+            </a:r>
+            <a:r>
+              <a:rPr lang="en-US" b="1" dirty="0">
+                <a:solidFill>
+                  <a:srgbClr val="CE5C00"/>
+                </a:solidFill>
+                <a:latin typeface="Consolas" panose="020B0609020204030204" pitchFamily="49" charset="0"/>
+              </a:rPr>
+              <a:t>= </a:t>
+            </a:r>
+            <a:r>
+              <a:rPr lang="en-US" b="1" dirty="0">
+                <a:solidFill>
+                  <a:srgbClr val="204A87"/>
+                </a:solidFill>
+                <a:latin typeface="Consolas" panose="020B0609020204030204" pitchFamily="49" charset="0"/>
+              </a:rPr>
+              <a:t>input</a:t>
+            </a:r>
+            <a:r>
+              <a:rPr lang="en-US" b="1" dirty="0">
+                <a:solidFill>
+                  <a:srgbClr val="000000"/>
+                </a:solidFill>
+                <a:latin typeface="Consolas" panose="020B0609020204030204" pitchFamily="49" charset="0"/>
+              </a:rPr>
+              <a:t>(</a:t>
+            </a:r>
+            <a:r>
+              <a:rPr lang="en-US" b="1" dirty="0">
+                <a:solidFill>
+                  <a:srgbClr val="4E9A06"/>
+                </a:solidFill>
+                <a:latin typeface="Consolas" panose="020B0609020204030204" pitchFamily="49" charset="0"/>
+              </a:rPr>
+              <a:t>'Name an animal: '</a:t>
+            </a:r>
+            <a:r>
+              <a:rPr lang="en-US" b="1" dirty="0">
+                <a:solidFill>
+                  <a:srgbClr val="000000"/>
+                </a:solidFill>
+                <a:latin typeface="Consolas" panose="020B0609020204030204" pitchFamily="49" charset="0"/>
+              </a:rPr>
+              <a:t>)</a:t>
+            </a:r>
+          </a:p>
+          <a:p>
+            <a:r>
+              <a:rPr lang="en-US" b="1" dirty="0">
+                <a:solidFill>
+                  <a:srgbClr val="000000"/>
+                </a:solidFill>
+                <a:latin typeface="Consolas" panose="020B0609020204030204" pitchFamily="49" charset="0"/>
+              </a:rPr>
+              <a:t>color </a:t>
+            </a:r>
+            <a:r>
+              <a:rPr lang="en-US" b="1" dirty="0">
+                <a:solidFill>
+                  <a:srgbClr val="CE5C00"/>
+                </a:solidFill>
+                <a:latin typeface="Consolas" panose="020B0609020204030204" pitchFamily="49" charset="0"/>
+              </a:rPr>
+              <a:t>= </a:t>
+            </a:r>
+            <a:r>
+              <a:rPr lang="en-US" b="1" dirty="0">
+                <a:solidFill>
+                  <a:srgbClr val="204A87"/>
+                </a:solidFill>
+                <a:latin typeface="Consolas" panose="020B0609020204030204" pitchFamily="49" charset="0"/>
+              </a:rPr>
+              <a:t>input</a:t>
+            </a:r>
+            <a:r>
+              <a:rPr lang="en-US" b="1" dirty="0">
+                <a:solidFill>
+                  <a:srgbClr val="000000"/>
+                </a:solidFill>
+                <a:latin typeface="Consolas" panose="020B0609020204030204" pitchFamily="49" charset="0"/>
+              </a:rPr>
+              <a:t>(</a:t>
+            </a:r>
+            <a:r>
+              <a:rPr lang="en-US" b="1" dirty="0">
+                <a:solidFill>
+                  <a:srgbClr val="4E9A06"/>
+                </a:solidFill>
+                <a:latin typeface="Consolas" panose="020B0609020204030204" pitchFamily="49" charset="0"/>
+              </a:rPr>
+              <a:t>'Enter a color: '</a:t>
+            </a:r>
+            <a:r>
+              <a:rPr lang="en-US" b="1" dirty="0">
+                <a:solidFill>
+                  <a:srgbClr val="000000"/>
+                </a:solidFill>
+                <a:latin typeface="Consolas" panose="020B0609020204030204" pitchFamily="49" charset="0"/>
+              </a:rPr>
+              <a:t>)</a:t>
+            </a:r>
+          </a:p>
+          <a:p>
+            <a:r>
+              <a:rPr lang="en-US" b="1" dirty="0">
+                <a:solidFill>
+                  <a:srgbClr val="204A87"/>
+                </a:solidFill>
+                <a:latin typeface="Consolas" panose="020B0609020204030204" pitchFamily="49" charset="0"/>
+              </a:rPr>
+              <a:t>if </a:t>
+            </a:r>
+            <a:r>
+              <a:rPr lang="en-US" b="1" dirty="0">
+                <a:solidFill>
+                  <a:srgbClr val="000000"/>
+                </a:solidFill>
+                <a:latin typeface="Consolas" panose="020B0609020204030204" pitchFamily="49" charset="0"/>
+              </a:rPr>
+              <a:t>animal </a:t>
+            </a:r>
+            <a:r>
+              <a:rPr lang="en-US" b="1" dirty="0">
+                <a:solidFill>
+                  <a:srgbClr val="CE5C00"/>
+                </a:solidFill>
+                <a:latin typeface="Consolas" panose="020B0609020204030204" pitchFamily="49" charset="0"/>
+              </a:rPr>
+              <a:t>== </a:t>
+            </a:r>
+            <a:r>
+              <a:rPr lang="en-US" b="1" dirty="0">
+                <a:solidFill>
+                  <a:srgbClr val="4E9A06"/>
+                </a:solidFill>
+                <a:latin typeface="Consolas" panose="020B0609020204030204" pitchFamily="49" charset="0"/>
+              </a:rPr>
+              <a:t>'dog'</a:t>
+            </a:r>
+            <a:r>
+              <a:rPr lang="en-US" b="1" dirty="0">
+                <a:solidFill>
+                  <a:srgbClr val="000000"/>
+                </a:solidFill>
+                <a:latin typeface="Consolas" panose="020B0609020204030204" pitchFamily="49" charset="0"/>
+              </a:rPr>
+              <a:t>:</a:t>
+            </a:r>
+          </a:p>
+          <a:p>
+            <a:r>
+              <a:rPr lang="en-US" b="1" dirty="0">
+                <a:latin typeface="Consolas" panose="020B0609020204030204" pitchFamily="49" charset="0"/>
+              </a:rPr>
+              <a:t>    </a:t>
+            </a:r>
+            <a:r>
+              <a:rPr lang="en-US" b="1" dirty="0">
+                <a:solidFill>
+                  <a:srgbClr val="204A87"/>
+                </a:solidFill>
+                <a:latin typeface="Consolas" panose="020B0609020204030204" pitchFamily="49" charset="0"/>
+              </a:rPr>
+              <a:t>print</a:t>
+            </a:r>
+            <a:r>
+              <a:rPr lang="en-US" b="1" dirty="0">
+                <a:solidFill>
+                  <a:srgbClr val="000000"/>
+                </a:solidFill>
+                <a:latin typeface="Consolas" panose="020B0609020204030204" pitchFamily="49" charset="0"/>
+              </a:rPr>
+              <a:t>(</a:t>
+            </a:r>
+            <a:r>
+              <a:rPr lang="en-US" b="1" dirty="0">
+                <a:solidFill>
+                  <a:srgbClr val="4E9A06"/>
+                </a:solidFill>
+                <a:latin typeface="Consolas" panose="020B0609020204030204" pitchFamily="49" charset="0"/>
+              </a:rPr>
+              <a:t>'Cool. I like dogs, too.'</a:t>
+            </a:r>
+            <a:r>
+              <a:rPr lang="en-US" b="1" dirty="0">
+                <a:solidFill>
+                  <a:srgbClr val="000000"/>
+                </a:solidFill>
+                <a:latin typeface="Consolas" panose="020B0609020204030204" pitchFamily="49" charset="0"/>
+              </a:rPr>
+              <a:t>)</a:t>
+            </a:r>
+          </a:p>
+          <a:p>
+            <a:r>
+              <a:rPr lang="en-US" b="1" dirty="0">
+                <a:latin typeface="Consolas" panose="020B0609020204030204" pitchFamily="49" charset="0"/>
+              </a:rPr>
+              <a:t>    </a:t>
+            </a:r>
+            <a:r>
+              <a:rPr lang="en-US" b="1" dirty="0">
+                <a:solidFill>
+                  <a:srgbClr val="204A87"/>
+                </a:solidFill>
+                <a:latin typeface="Consolas" panose="020B0609020204030204" pitchFamily="49" charset="0"/>
+              </a:rPr>
+              <a:t>if </a:t>
+            </a:r>
+            <a:r>
+              <a:rPr lang="en-US" b="1" dirty="0">
+                <a:solidFill>
+                  <a:srgbClr val="000000"/>
+                </a:solidFill>
+                <a:latin typeface="Consolas" panose="020B0609020204030204" pitchFamily="49" charset="0"/>
+              </a:rPr>
+              <a:t>color </a:t>
+            </a:r>
+            <a:r>
+              <a:rPr lang="en-US" b="1" dirty="0">
+                <a:solidFill>
+                  <a:srgbClr val="CE5C00"/>
+                </a:solidFill>
+                <a:latin typeface="Consolas" panose="020B0609020204030204" pitchFamily="49" charset="0"/>
+              </a:rPr>
+              <a:t>== </a:t>
+            </a:r>
+            <a:r>
+              <a:rPr lang="en-US" b="1" dirty="0">
+                <a:solidFill>
+                  <a:srgbClr val="4E9A06"/>
+                </a:solidFill>
+                <a:latin typeface="Consolas" panose="020B0609020204030204" pitchFamily="49" charset="0"/>
+              </a:rPr>
+              <a:t>'brown'</a:t>
+            </a:r>
+            <a:r>
+              <a:rPr lang="en-US" b="1" dirty="0">
+                <a:solidFill>
+                  <a:srgbClr val="000000"/>
+                </a:solidFill>
+                <a:latin typeface="Consolas" panose="020B0609020204030204" pitchFamily="49" charset="0"/>
+              </a:rPr>
+              <a:t>:</a:t>
+            </a:r>
+          </a:p>
+          <a:p>
+            <a:r>
+              <a:rPr lang="en-US" b="1" dirty="0">
+                <a:latin typeface="Consolas" panose="020B0609020204030204" pitchFamily="49" charset="0"/>
+              </a:rPr>
+              <a:t>        </a:t>
+            </a:r>
+            <a:r>
+              <a:rPr lang="en-US" b="1" dirty="0">
+                <a:solidFill>
+                  <a:srgbClr val="204A87"/>
+                </a:solidFill>
+                <a:latin typeface="Consolas" panose="020B0609020204030204" pitchFamily="49" charset="0"/>
+              </a:rPr>
+              <a:t>print</a:t>
+            </a:r>
+            <a:r>
+              <a:rPr lang="en-US" b="1" dirty="0">
+                <a:solidFill>
+                  <a:srgbClr val="000000"/>
+                </a:solidFill>
+                <a:latin typeface="Consolas" panose="020B0609020204030204" pitchFamily="49" charset="0"/>
+              </a:rPr>
+              <a:t>(</a:t>
+            </a:r>
+            <a:r>
+              <a:rPr lang="en-US" b="1" dirty="0">
+                <a:solidFill>
+                  <a:srgbClr val="4E9A06"/>
+                </a:solidFill>
+                <a:latin typeface="Consolas" panose="020B0609020204030204" pitchFamily="49" charset="0"/>
+              </a:rPr>
+              <a:t>'Especially brown dogs.'</a:t>
+            </a:r>
+            <a:r>
+              <a:rPr lang="en-US" b="1" dirty="0">
+                <a:solidFill>
+                  <a:srgbClr val="000000"/>
+                </a:solidFill>
+                <a:latin typeface="Consolas" panose="020B0609020204030204" pitchFamily="49" charset="0"/>
+              </a:rPr>
+              <a:t>)</a:t>
+            </a:r>
+          </a:p>
+          <a:p>
+            <a:r>
+              <a:rPr lang="en-US" b="1" dirty="0">
+                <a:latin typeface="Consolas" panose="020B0609020204030204" pitchFamily="49" charset="0"/>
+              </a:rPr>
+              <a:t>    </a:t>
+            </a:r>
+            <a:r>
+              <a:rPr lang="en-US" b="1" dirty="0">
+                <a:solidFill>
+                  <a:srgbClr val="204A87"/>
+                </a:solidFill>
+                <a:latin typeface="Consolas" panose="020B0609020204030204" pitchFamily="49" charset="0"/>
+              </a:rPr>
+              <a:t>else</a:t>
+            </a:r>
+            <a:r>
+              <a:rPr lang="en-US" b="1" dirty="0">
+                <a:solidFill>
+                  <a:srgbClr val="000000"/>
+                </a:solidFill>
+                <a:latin typeface="Consolas" panose="020B0609020204030204" pitchFamily="49" charset="0"/>
+              </a:rPr>
+              <a:t>:</a:t>
+            </a:r>
+          </a:p>
+          <a:p>
+            <a:r>
+              <a:rPr lang="en-US" b="1" dirty="0">
+                <a:latin typeface="Consolas" panose="020B0609020204030204" pitchFamily="49" charset="0"/>
+              </a:rPr>
+              <a:t>        </a:t>
+            </a:r>
+            <a:r>
+              <a:rPr lang="en-US" b="1" dirty="0">
+                <a:solidFill>
+                  <a:srgbClr val="204A87"/>
+                </a:solidFill>
+                <a:latin typeface="Consolas" panose="020B0609020204030204" pitchFamily="49" charset="0"/>
+              </a:rPr>
+              <a:t>print</a:t>
+            </a:r>
+            <a:r>
+              <a:rPr lang="en-US" b="1" dirty="0">
+                <a:solidFill>
+                  <a:srgbClr val="000000"/>
+                </a:solidFill>
+                <a:latin typeface="Consolas" panose="020B0609020204030204" pitchFamily="49" charset="0"/>
+              </a:rPr>
+              <a:t>(</a:t>
+            </a:r>
+            <a:r>
+              <a:rPr lang="en-US" b="1" dirty="0">
+                <a:solidFill>
+                  <a:srgbClr val="4E9A06"/>
+                </a:solidFill>
+                <a:latin typeface="Consolas" panose="020B0609020204030204" pitchFamily="49" charset="0"/>
+              </a:rPr>
+              <a:t>'I disagree!'</a:t>
+            </a:r>
+            <a:r>
+              <a:rPr lang="en-US" b="1" dirty="0">
+                <a:solidFill>
+                  <a:srgbClr val="000000"/>
+                </a:solidFill>
+                <a:latin typeface="Consolas" panose="020B0609020204030204" pitchFamily="49" charset="0"/>
+              </a:rPr>
+              <a:t>)</a:t>
+            </a:r>
+          </a:p>
+        </p:txBody>
+      </p:sp>
+      <p:sp>
+        <p:nvSpPr>
+          <p:cNvPr id="3" name="Text Placeholder 2">
+            <a:extLst>
+              <a:ext uri="{FF2B5EF4-FFF2-40B4-BE49-F238E27FC236}">
+                <a16:creationId xmlns:a16="http://schemas.microsoft.com/office/drawing/2014/main" id="{082E9117-2CCB-D042-B2A1-03CF38863E59}"/>
+              </a:ext>
+            </a:extLst>
+          </p:cNvPr>
+          <p:cNvSpPr>
+            <a:spLocks noGrp="1"/>
+          </p:cNvSpPr>
+          <p:nvPr>
+            <p:ph type="body" sz="quarter" idx="12"/>
+          </p:nvPr>
+        </p:nvSpPr>
+        <p:spPr/>
+        <p:txBody>
+          <a:bodyPr/>
+          <a:lstStyle/>
+          <a:p>
+            <a:r>
+              <a:rPr lang="en-US" dirty="0"/>
+              <a:t>&lt;animal9.py&gt;</a:t>
+            </a:r>
+          </a:p>
+        </p:txBody>
+      </p:sp>
+    </p:spTree>
+    <p:extLst>
+      <p:ext uri="{BB962C8B-B14F-4D97-AF65-F5344CB8AC3E}">
+        <p14:creationId xmlns:p14="http://schemas.microsoft.com/office/powerpoint/2010/main" val="2256011411"/>
+      </p:ext>
+    </p:extLst>
+  </p:cSld>
+  <p:clrMapOvr>
+    <a:masterClrMapping/>
+  </p:clrMapOvr>
+</p:sld>
+</file>
+
+<file path=ppt/slides/slide65.xml><?xml version="1.0" encoding="utf-8"?>
+<p:sld xmlns:a="http://schemas.openxmlformats.org/drawingml/2006/main" xmlns:r="http://schemas.openxmlformats.org/officeDocument/2006/relationships" xmlns:p="http://schemas.openxmlformats.org/presentationml/2006/main">
+  <p:cSld>
+    <p:spTree>
+      <p:nvGrpSpPr>
+        <p:cNvPr id="1" name=""/>
+        <p:cNvGrpSpPr/>
+        <p:nvPr/>
+      </p:nvGrpSpPr>
+      <p:grpSpPr>
+        <a:xfrm>
+          <a:off x="0" y="0"/>
+          <a:ext cx="0" cy="0"/>
+          <a:chOff x="0" y="0"/>
+          <a:chExt cx="0" cy="0"/>
+        </a:xfrm>
+      </p:grpSpPr>
+      <p:sp>
+        <p:nvSpPr>
+          <p:cNvPr id="2" name="Text Placeholder 1">
+            <a:extLst>
+              <a:ext uri="{FF2B5EF4-FFF2-40B4-BE49-F238E27FC236}">
+                <a16:creationId xmlns:a16="http://schemas.microsoft.com/office/drawing/2014/main" id="{E4E7C166-403A-B040-84F5-5C04068F6EE8}"/>
+              </a:ext>
+            </a:extLst>
+          </p:cNvPr>
+          <p:cNvSpPr>
+            <a:spLocks noGrp="1"/>
+          </p:cNvSpPr>
+          <p:nvPr>
+            <p:ph type="body" sz="quarter" idx="10"/>
+          </p:nvPr>
+        </p:nvSpPr>
+        <p:spPr/>
+        <p:txBody>
+          <a:bodyPr/>
+          <a:lstStyle/>
+          <a:p>
+            <a:r>
+              <a:rPr lang="en-US" dirty="0"/>
+              <a:t>Indentation matters. This program disagrees with you about </a:t>
+            </a:r>
+            <a:r>
+              <a:rPr lang="en-US" i="1" dirty="0"/>
+              <a:t>colors</a:t>
+            </a:r>
+            <a:r>
+              <a:rPr lang="en-US" dirty="0"/>
+              <a:t>: the else goes with the if color == brown</a:t>
+            </a:r>
+          </a:p>
+        </p:txBody>
+      </p:sp>
+    </p:spTree>
+    <p:extLst>
+      <p:ext uri="{BB962C8B-B14F-4D97-AF65-F5344CB8AC3E}">
+        <p14:creationId xmlns:p14="http://schemas.microsoft.com/office/powerpoint/2010/main" val="1276600306"/>
+      </p:ext>
+    </p:extLst>
+  </p:cSld>
+  <p:clrMapOvr>
+    <a:masterClrMapping/>
+  </p:clrMapOvr>
+</p:sld>
+</file>
+
+<file path=ppt/slides/slide66.xml><?xml version="1.0" encoding="utf-8"?>
+<p:sld xmlns:a="http://schemas.openxmlformats.org/drawingml/2006/main" xmlns:r="http://schemas.openxmlformats.org/officeDocument/2006/relationships" xmlns:p="http://schemas.openxmlformats.org/presentationml/2006/main">
+  <p:cSld>
+    <p:spTree>
+      <p:nvGrpSpPr>
+        <p:cNvPr id="1" name=""/>
+        <p:cNvGrpSpPr/>
+        <p:nvPr/>
+      </p:nvGrpSpPr>
+      <p:grpSpPr>
+        <a:xfrm>
+          <a:off x="0" y="0"/>
+          <a:ext cx="0" cy="0"/>
+          <a:chOff x="0" y="0"/>
+          <a:chExt cx="0" cy="0"/>
+        </a:xfrm>
+      </p:grpSpPr>
+      <p:sp>
+        <p:nvSpPr>
+          <p:cNvPr id="2" name="Text Placeholder 1">
+            <a:extLst>
+              <a:ext uri="{FF2B5EF4-FFF2-40B4-BE49-F238E27FC236}">
                 <a16:creationId xmlns:a16="http://schemas.microsoft.com/office/drawing/2014/main" id="{66AC4F41-B4F2-FE42-A0AA-09C6FCFA7D4B}"/>
               </a:ext>
             </a:extLst>
@@ -10426,7 +11034,10 @@
           <a:bodyPr/>
           <a:lstStyle/>
           <a:p>
-            <a:endParaRPr lang="en-US"/>
+            <a:r>
+              <a:rPr lang="en-US" dirty="0"/>
+              <a:t>&lt;animal10.py&gt;</a:t>
+            </a:r>
           </a:p>
         </p:txBody>
       </p:sp>
@@ -10443,7 +11054,7 @@
 </p:sld>
 </file>
 
-<file path=ppt/slides/slide61.xml><?xml version="1.0" encoding="utf-8"?>
+<file path=ppt/slides/slide67.xml><?xml version="1.0" encoding="utf-8"?>
 <p:sld xmlns:a="http://schemas.openxmlformats.org/drawingml/2006/main" xmlns:r="http://schemas.openxmlformats.org/officeDocument/2006/relationships" xmlns:p="http://schemas.openxmlformats.org/presentationml/2006/main">
   <p:cSld>
     <p:spTree>
@@ -10501,7 +11112,7 @@
 </p:sld>
 </file>
 
-<file path=ppt/slides/slide62.xml><?xml version="1.0" encoding="utf-8"?>
+<file path=ppt/slides/slide68.xml><?xml version="1.0" encoding="utf-8"?>
 <p:sld xmlns:a="http://schemas.openxmlformats.org/drawingml/2006/main" xmlns:r="http://schemas.openxmlformats.org/officeDocument/2006/relationships" xmlns:p="http://schemas.openxmlformats.org/presentationml/2006/main">
   <p:cSld>
     <p:spTree>
@@ -11026,7 +11637,10 @@
           <a:bodyPr/>
           <a:lstStyle/>
           <a:p>
-            <a:endParaRPr lang="en-US"/>
+            <a:r>
+              <a:rPr lang="en-US" dirty="0"/>
+              <a:t>&lt;animal11.py&gt;</a:t>
+            </a:r>
           </a:p>
         </p:txBody>
       </p:sp>
@@ -11043,7 +11657,7 @@
 </p:sld>
 </file>
 
-<file path=ppt/slides/slide63.xml><?xml version="1.0" encoding="utf-8"?>
+<file path=ppt/slides/slide69.xml><?xml version="1.0" encoding="utf-8"?>
 <p:sld xmlns:a="http://schemas.openxmlformats.org/drawingml/2006/main" xmlns:r="http://schemas.openxmlformats.org/officeDocument/2006/relationships" xmlns:p="http://schemas.openxmlformats.org/presentationml/2006/main">
   <p:cSld>
     <p:spTree>
@@ -11116,617 +11730,6 @@
     <p:extLst>
       <p:ext uri="{BB962C8B-B14F-4D97-AF65-F5344CB8AC3E}">
         <p14:creationId xmlns:p14="http://schemas.microsoft.com/office/powerpoint/2010/main" val="2576122679"/>
-      </p:ext>
-    </p:extLst>
-  </p:cSld>
-  <p:clrMapOvr>
-    <a:masterClrMapping/>
-  </p:clrMapOvr>
-</p:sld>
-</file>
-
-<file path=ppt/slides/slide64.xml><?xml version="1.0" encoding="utf-8"?>
-<p:sld xmlns:a="http://schemas.openxmlformats.org/drawingml/2006/main" xmlns:r="http://schemas.openxmlformats.org/officeDocument/2006/relationships" xmlns:p="http://schemas.openxmlformats.org/presentationml/2006/main">
-  <p:cSld>
-    <p:spTree>
-      <p:nvGrpSpPr>
-        <p:cNvPr id="1" name=""/>
-        <p:cNvGrpSpPr/>
-        <p:nvPr/>
-      </p:nvGrpSpPr>
-      <p:grpSpPr>
-        <a:xfrm>
-          <a:off x="0" y="0"/>
-          <a:ext cx="0" cy="0"/>
-          <a:chOff x="0" y="0"/>
-          <a:chExt cx="0" cy="0"/>
-        </a:xfrm>
-      </p:grpSpPr>
-      <p:sp>
-        <p:nvSpPr>
-          <p:cNvPr id="2" name="Text Placeholder 1">
-            <a:extLst>
-              <a:ext uri="{FF2B5EF4-FFF2-40B4-BE49-F238E27FC236}">
-                <a16:creationId xmlns:a16="http://schemas.microsoft.com/office/drawing/2014/main" id="{48425502-DE44-FC4C-B85D-846318AD064E}"/>
-              </a:ext>
-            </a:extLst>
-          </p:cNvPr>
-          <p:cNvSpPr>
-            <a:spLocks noGrp="1"/>
-          </p:cNvSpPr>
-          <p:nvPr>
-            <p:ph type="body" sz="quarter" idx="11"/>
-          </p:nvPr>
-        </p:nvSpPr>
-        <p:spPr>
-          <a:xfrm>
-            <a:off x="5892800" y="359330"/>
-            <a:ext cx="6011900" cy="3833485"/>
-          </a:xfrm>
-        </p:spPr>
-        <p:txBody>
-          <a:bodyPr/>
-          <a:lstStyle/>
-          <a:p>
-            <a:r>
-              <a:rPr lang="en-US" b="1" dirty="0">
-                <a:solidFill>
-                  <a:srgbClr val="000000"/>
-                </a:solidFill>
-                <a:latin typeface="Consolas" panose="020B0609020204030204" pitchFamily="49" charset="0"/>
-              </a:rPr>
-              <a:t>animal </a:t>
-            </a:r>
-            <a:r>
-              <a:rPr lang="en-US" b="1" dirty="0">
-                <a:solidFill>
-                  <a:srgbClr val="CE5C00"/>
-                </a:solidFill>
-                <a:latin typeface="Consolas" panose="020B0609020204030204" pitchFamily="49" charset="0"/>
-              </a:rPr>
-              <a:t>= </a:t>
-            </a:r>
-            <a:r>
-              <a:rPr lang="en-US" b="1" dirty="0">
-                <a:solidFill>
-                  <a:srgbClr val="204A87"/>
-                </a:solidFill>
-                <a:latin typeface="Consolas" panose="020B0609020204030204" pitchFamily="49" charset="0"/>
-              </a:rPr>
-              <a:t>input</a:t>
-            </a:r>
-            <a:r>
-              <a:rPr lang="en-US" b="1" dirty="0">
-                <a:solidFill>
-                  <a:srgbClr val="000000"/>
-                </a:solidFill>
-                <a:latin typeface="Consolas" panose="020B0609020204030204" pitchFamily="49" charset="0"/>
-              </a:rPr>
-              <a:t>(</a:t>
-            </a:r>
-            <a:r>
-              <a:rPr lang="en-US" b="1" dirty="0">
-                <a:solidFill>
-                  <a:srgbClr val="4E9A06"/>
-                </a:solidFill>
-                <a:latin typeface="Consolas" panose="020B0609020204030204" pitchFamily="49" charset="0"/>
-              </a:rPr>
-              <a:t>'Name an animal: '</a:t>
-            </a:r>
-            <a:r>
-              <a:rPr lang="en-US" b="1" dirty="0">
-                <a:solidFill>
-                  <a:srgbClr val="000000"/>
-                </a:solidFill>
-                <a:latin typeface="Consolas" panose="020B0609020204030204" pitchFamily="49" charset="0"/>
-              </a:rPr>
-              <a:t>)</a:t>
-            </a:r>
-          </a:p>
-          <a:p>
-            <a:r>
-              <a:rPr lang="en-US" b="1" dirty="0">
-                <a:solidFill>
-                  <a:srgbClr val="204A87"/>
-                </a:solidFill>
-                <a:latin typeface="Consolas" panose="020B0609020204030204" pitchFamily="49" charset="0"/>
-              </a:rPr>
-              <a:t>if </a:t>
-            </a:r>
-            <a:r>
-              <a:rPr lang="en-US" b="1" dirty="0">
-                <a:solidFill>
-                  <a:srgbClr val="000000"/>
-                </a:solidFill>
-                <a:latin typeface="Consolas" panose="020B0609020204030204" pitchFamily="49" charset="0"/>
-              </a:rPr>
-              <a:t>animal </a:t>
-            </a:r>
-            <a:r>
-              <a:rPr lang="en-US" b="1" dirty="0">
-                <a:solidFill>
-                  <a:srgbClr val="CE5C00"/>
-                </a:solidFill>
-                <a:latin typeface="Consolas" panose="020B0609020204030204" pitchFamily="49" charset="0"/>
-              </a:rPr>
-              <a:t>== </a:t>
-            </a:r>
-            <a:r>
-              <a:rPr lang="en-US" b="1" dirty="0">
-                <a:solidFill>
-                  <a:srgbClr val="4E9A06"/>
-                </a:solidFill>
-                <a:latin typeface="Consolas" panose="020B0609020204030204" pitchFamily="49" charset="0"/>
-              </a:rPr>
-              <a:t>'dog'</a:t>
-            </a:r>
-            <a:r>
-              <a:rPr lang="en-US" b="1" dirty="0">
-                <a:solidFill>
-                  <a:srgbClr val="000000"/>
-                </a:solidFill>
-                <a:latin typeface="Consolas" panose="020B0609020204030204" pitchFamily="49" charset="0"/>
-              </a:rPr>
-              <a:t>:</a:t>
-            </a:r>
-          </a:p>
-          <a:p>
-            <a:r>
-              <a:rPr lang="en-US" b="1" dirty="0">
-                <a:latin typeface="Consolas" panose="020B0609020204030204" pitchFamily="49" charset="0"/>
-              </a:rPr>
-              <a:t>    </a:t>
-            </a:r>
-            <a:r>
-              <a:rPr lang="en-US" b="1" dirty="0">
-                <a:solidFill>
-                  <a:srgbClr val="204A87"/>
-                </a:solidFill>
-                <a:latin typeface="Consolas" panose="020B0609020204030204" pitchFamily="49" charset="0"/>
-              </a:rPr>
-              <a:t>print</a:t>
-            </a:r>
-            <a:r>
-              <a:rPr lang="en-US" b="1" dirty="0">
-                <a:solidFill>
-                  <a:srgbClr val="000000"/>
-                </a:solidFill>
-                <a:latin typeface="Consolas" panose="020B0609020204030204" pitchFamily="49" charset="0"/>
-              </a:rPr>
-              <a:t>(</a:t>
-            </a:r>
-            <a:r>
-              <a:rPr lang="en-US" b="1" dirty="0">
-                <a:solidFill>
-                  <a:srgbClr val="4E9A06"/>
-                </a:solidFill>
-                <a:latin typeface="Consolas" panose="020B0609020204030204" pitchFamily="49" charset="0"/>
-              </a:rPr>
-              <a:t>'Cool. I like dogs, too.'</a:t>
-            </a:r>
-            <a:r>
-              <a:rPr lang="en-US" b="1" dirty="0">
-                <a:solidFill>
-                  <a:srgbClr val="000000"/>
-                </a:solidFill>
-                <a:latin typeface="Consolas" panose="020B0609020204030204" pitchFamily="49" charset="0"/>
-              </a:rPr>
-              <a:t>)</a:t>
-            </a:r>
-          </a:p>
-          <a:p>
-            <a:r>
-              <a:rPr lang="en-US" b="1" dirty="0" err="1">
-                <a:solidFill>
-                  <a:srgbClr val="204A87"/>
-                </a:solidFill>
-                <a:latin typeface="Consolas" panose="020B0609020204030204" pitchFamily="49" charset="0"/>
-              </a:rPr>
-              <a:t>elif</a:t>
-            </a:r>
-            <a:r>
-              <a:rPr lang="en-US" b="1" dirty="0">
-                <a:solidFill>
-                  <a:srgbClr val="204A87"/>
-                </a:solidFill>
-                <a:latin typeface="Consolas" panose="020B0609020204030204" pitchFamily="49" charset="0"/>
-              </a:rPr>
-              <a:t> </a:t>
-            </a:r>
-            <a:r>
-              <a:rPr lang="en-US" b="1" dirty="0">
-                <a:solidFill>
-                  <a:srgbClr val="000000"/>
-                </a:solidFill>
-                <a:latin typeface="Consolas" panose="020B0609020204030204" pitchFamily="49" charset="0"/>
-              </a:rPr>
-              <a:t>animal </a:t>
-            </a:r>
-            <a:r>
-              <a:rPr lang="en-US" b="1" dirty="0">
-                <a:solidFill>
-                  <a:srgbClr val="CE5C00"/>
-                </a:solidFill>
-                <a:latin typeface="Consolas" panose="020B0609020204030204" pitchFamily="49" charset="0"/>
-              </a:rPr>
-              <a:t>== </a:t>
-            </a:r>
-            <a:r>
-              <a:rPr lang="en-US" b="1" dirty="0">
-                <a:solidFill>
-                  <a:srgbClr val="4E9A06"/>
-                </a:solidFill>
-                <a:latin typeface="Consolas" panose="020B0609020204030204" pitchFamily="49" charset="0"/>
-              </a:rPr>
-              <a:t>'cat'</a:t>
-            </a:r>
-            <a:r>
-              <a:rPr lang="en-US" b="1" dirty="0">
-                <a:solidFill>
-                  <a:srgbClr val="000000"/>
-                </a:solidFill>
-                <a:latin typeface="Consolas" panose="020B0609020204030204" pitchFamily="49" charset="0"/>
-              </a:rPr>
-              <a:t>:</a:t>
-            </a:r>
-          </a:p>
-          <a:p>
-            <a:r>
-              <a:rPr lang="en-US" b="1" dirty="0">
-                <a:latin typeface="Consolas" panose="020B0609020204030204" pitchFamily="49" charset="0"/>
-              </a:rPr>
-              <a:t>    </a:t>
-            </a:r>
-            <a:r>
-              <a:rPr lang="en-US" b="1" dirty="0">
-                <a:solidFill>
-                  <a:srgbClr val="204A87"/>
-                </a:solidFill>
-                <a:latin typeface="Consolas" panose="020B0609020204030204" pitchFamily="49" charset="0"/>
-              </a:rPr>
-              <a:t>print</a:t>
-            </a:r>
-            <a:r>
-              <a:rPr lang="en-US" b="1" dirty="0">
-                <a:solidFill>
-                  <a:srgbClr val="000000"/>
-                </a:solidFill>
-                <a:latin typeface="Consolas" panose="020B0609020204030204" pitchFamily="49" charset="0"/>
-              </a:rPr>
-              <a:t>(</a:t>
-            </a:r>
-            <a:r>
-              <a:rPr lang="en-US" b="1" dirty="0">
-                <a:solidFill>
-                  <a:srgbClr val="4E9A06"/>
-                </a:solidFill>
-                <a:latin typeface="Consolas" panose="020B0609020204030204" pitchFamily="49" charset="0"/>
-              </a:rPr>
-              <a:t>'Cats are nice.'</a:t>
-            </a:r>
-            <a:r>
-              <a:rPr lang="en-US" b="1" dirty="0">
-                <a:solidFill>
-                  <a:srgbClr val="000000"/>
-                </a:solidFill>
-                <a:latin typeface="Consolas" panose="020B0609020204030204" pitchFamily="49" charset="0"/>
-              </a:rPr>
-              <a:t>)</a:t>
-            </a:r>
-          </a:p>
-          <a:p>
-            <a:r>
-              <a:rPr lang="en-US" b="1" dirty="0" err="1">
-                <a:solidFill>
-                  <a:srgbClr val="204A87"/>
-                </a:solidFill>
-                <a:latin typeface="Consolas" panose="020B0609020204030204" pitchFamily="49" charset="0"/>
-              </a:rPr>
-              <a:t>elif</a:t>
-            </a:r>
-            <a:r>
-              <a:rPr lang="en-US" b="1" dirty="0">
-                <a:solidFill>
-                  <a:srgbClr val="204A87"/>
-                </a:solidFill>
-                <a:latin typeface="Consolas" panose="020B0609020204030204" pitchFamily="49" charset="0"/>
-              </a:rPr>
-              <a:t> </a:t>
-            </a:r>
-            <a:r>
-              <a:rPr lang="en-US" b="1" dirty="0">
-                <a:solidFill>
-                  <a:srgbClr val="000000"/>
-                </a:solidFill>
-                <a:latin typeface="Consolas" panose="020B0609020204030204" pitchFamily="49" charset="0"/>
-              </a:rPr>
-              <a:t>animal </a:t>
-            </a:r>
-            <a:r>
-              <a:rPr lang="en-US" b="1" dirty="0">
-                <a:solidFill>
-                  <a:srgbClr val="CE5C00"/>
-                </a:solidFill>
-                <a:latin typeface="Consolas" panose="020B0609020204030204" pitchFamily="49" charset="0"/>
-              </a:rPr>
-              <a:t>== </a:t>
-            </a:r>
-            <a:r>
-              <a:rPr lang="en-US" b="1" dirty="0">
-                <a:solidFill>
-                  <a:srgbClr val="4E9A06"/>
-                </a:solidFill>
-                <a:latin typeface="Consolas" panose="020B0609020204030204" pitchFamily="49" charset="0"/>
-              </a:rPr>
-              <a:t>'mouse'</a:t>
-            </a:r>
-            <a:r>
-              <a:rPr lang="en-US" b="1" dirty="0">
-                <a:solidFill>
-                  <a:srgbClr val="000000"/>
-                </a:solidFill>
-                <a:latin typeface="Consolas" panose="020B0609020204030204" pitchFamily="49" charset="0"/>
-              </a:rPr>
-              <a:t>:</a:t>
-            </a:r>
-          </a:p>
-          <a:p>
-            <a:r>
-              <a:rPr lang="en-US" b="1" dirty="0">
-                <a:latin typeface="Consolas" panose="020B0609020204030204" pitchFamily="49" charset="0"/>
-              </a:rPr>
-              <a:t>    </a:t>
-            </a:r>
-            <a:r>
-              <a:rPr lang="en-US" b="1" dirty="0">
-                <a:solidFill>
-                  <a:srgbClr val="204A87"/>
-                </a:solidFill>
-                <a:latin typeface="Consolas" panose="020B0609020204030204" pitchFamily="49" charset="0"/>
-              </a:rPr>
-              <a:t>print</a:t>
-            </a:r>
-            <a:r>
-              <a:rPr lang="en-US" b="1" dirty="0">
-                <a:solidFill>
-                  <a:srgbClr val="000000"/>
-                </a:solidFill>
-                <a:latin typeface="Consolas" panose="020B0609020204030204" pitchFamily="49" charset="0"/>
-              </a:rPr>
-              <a:t>(</a:t>
-            </a:r>
-            <a:r>
-              <a:rPr lang="en-US" b="1" dirty="0">
-                <a:solidFill>
-                  <a:srgbClr val="4E9A06"/>
-                </a:solidFill>
-                <a:latin typeface="Consolas" panose="020B0609020204030204" pitchFamily="49" charset="0"/>
-              </a:rPr>
-              <a:t>'Mice are oaky by me.'</a:t>
-            </a:r>
-            <a:r>
-              <a:rPr lang="en-US" b="1" dirty="0">
-                <a:solidFill>
-                  <a:srgbClr val="000000"/>
-                </a:solidFill>
-                <a:latin typeface="Consolas" panose="020B0609020204030204" pitchFamily="49" charset="0"/>
-              </a:rPr>
-              <a:t>)</a:t>
-            </a:r>
-          </a:p>
-          <a:p>
-            <a:r>
-              <a:rPr lang="en-US" b="1" dirty="0">
-                <a:solidFill>
-                  <a:srgbClr val="204A87"/>
-                </a:solidFill>
-                <a:latin typeface="Consolas" panose="020B0609020204030204" pitchFamily="49" charset="0"/>
-              </a:rPr>
-              <a:t>else</a:t>
-            </a:r>
-            <a:r>
-              <a:rPr lang="en-US" b="1" dirty="0">
-                <a:solidFill>
-                  <a:srgbClr val="000000"/>
-                </a:solidFill>
-                <a:latin typeface="Consolas" panose="020B0609020204030204" pitchFamily="49" charset="0"/>
-              </a:rPr>
-              <a:t>:</a:t>
-            </a:r>
-          </a:p>
-          <a:p>
-            <a:r>
-              <a:rPr lang="en-US" b="1" dirty="0">
-                <a:latin typeface="Consolas" panose="020B0609020204030204" pitchFamily="49" charset="0"/>
-              </a:rPr>
-              <a:t>    </a:t>
-            </a:r>
-            <a:r>
-              <a:rPr lang="en-US" b="1" dirty="0">
-                <a:solidFill>
-                  <a:srgbClr val="204A87"/>
-                </a:solidFill>
-                <a:latin typeface="Consolas" panose="020B0609020204030204" pitchFamily="49" charset="0"/>
-              </a:rPr>
-              <a:t>print</a:t>
-            </a:r>
-            <a:r>
-              <a:rPr lang="en-US" b="1" dirty="0">
-                <a:solidFill>
-                  <a:srgbClr val="000000"/>
-                </a:solidFill>
-                <a:latin typeface="Consolas" panose="020B0609020204030204" pitchFamily="49" charset="0"/>
-              </a:rPr>
-              <a:t>(</a:t>
-            </a:r>
-            <a:r>
-              <a:rPr lang="en-US" b="1" dirty="0">
-                <a:solidFill>
-                  <a:srgbClr val="4E9A06"/>
-                </a:solidFill>
-                <a:latin typeface="Consolas" panose="020B0609020204030204" pitchFamily="49" charset="0"/>
-              </a:rPr>
-              <a:t>'Not my favorite.'</a:t>
-            </a:r>
-            <a:r>
-              <a:rPr lang="en-US" b="1" dirty="0">
-                <a:solidFill>
-                  <a:srgbClr val="000000"/>
-                </a:solidFill>
-                <a:latin typeface="Consolas" panose="020B0609020204030204" pitchFamily="49" charset="0"/>
-              </a:rPr>
-              <a:t>)</a:t>
-            </a:r>
-          </a:p>
-        </p:txBody>
-      </p:sp>
-      <p:sp>
-        <p:nvSpPr>
-          <p:cNvPr id="3" name="Text Placeholder 2">
-            <a:extLst>
-              <a:ext uri="{FF2B5EF4-FFF2-40B4-BE49-F238E27FC236}">
-                <a16:creationId xmlns:a16="http://schemas.microsoft.com/office/drawing/2014/main" id="{FC738EFC-BC8F-B945-A93F-420013247DDC}"/>
-              </a:ext>
-            </a:extLst>
-          </p:cNvPr>
-          <p:cNvSpPr>
-            <a:spLocks noGrp="1"/>
-          </p:cNvSpPr>
-          <p:nvPr>
-            <p:ph type="body" sz="quarter" idx="12"/>
-          </p:nvPr>
-        </p:nvSpPr>
-        <p:spPr/>
-        <p:txBody>
-          <a:bodyPr/>
-          <a:lstStyle/>
-          <a:p>
-            <a:endParaRPr lang="en-US"/>
-          </a:p>
-        </p:txBody>
-      </p:sp>
-    </p:spTree>
-    <p:extLst>
-      <p:ext uri="{BB962C8B-B14F-4D97-AF65-F5344CB8AC3E}">
-        <p14:creationId xmlns:p14="http://schemas.microsoft.com/office/powerpoint/2010/main" val="1184055706"/>
-      </p:ext>
-    </p:extLst>
-  </p:cSld>
-  <p:clrMapOvr>
-    <a:masterClrMapping/>
-  </p:clrMapOvr>
-</p:sld>
-</file>
-
-<file path=ppt/slides/slide65.xml><?xml version="1.0" encoding="utf-8"?>
-<p:sld xmlns:a="http://schemas.openxmlformats.org/drawingml/2006/main" xmlns:r="http://schemas.openxmlformats.org/officeDocument/2006/relationships" xmlns:p="http://schemas.openxmlformats.org/presentationml/2006/main">
-  <p:cSld>
-    <p:spTree>
-      <p:nvGrpSpPr>
-        <p:cNvPr id="1" name=""/>
-        <p:cNvGrpSpPr/>
-        <p:nvPr/>
-      </p:nvGrpSpPr>
-      <p:grpSpPr>
-        <a:xfrm>
-          <a:off x="0" y="0"/>
-          <a:ext cx="0" cy="0"/>
-          <a:chOff x="0" y="0"/>
-          <a:chExt cx="0" cy="0"/>
-        </a:xfrm>
-      </p:grpSpPr>
-      <p:sp>
-        <p:nvSpPr>
-          <p:cNvPr id="2" name="Text Placeholder 1">
-            <a:extLst>
-              <a:ext uri="{FF2B5EF4-FFF2-40B4-BE49-F238E27FC236}">
-                <a16:creationId xmlns:a16="http://schemas.microsoft.com/office/drawing/2014/main" id="{8CF28977-9CA1-6B46-BC6A-EE5156D4DB11}"/>
-              </a:ext>
-            </a:extLst>
-          </p:cNvPr>
-          <p:cNvSpPr>
-            <a:spLocks noGrp="1"/>
-          </p:cNvSpPr>
-          <p:nvPr>
-            <p:ph type="body" sz="quarter" idx="10"/>
-          </p:nvPr>
-        </p:nvSpPr>
-        <p:spPr/>
-        <p:txBody>
-          <a:bodyPr>
-            <a:normAutofit lnSpcReduction="10000"/>
-          </a:bodyPr>
-          <a:lstStyle/>
-          <a:p>
-            <a:r>
-              <a:rPr lang="en-US" dirty="0"/>
-              <a:t>Here's a better version</a:t>
-            </a:r>
-          </a:p>
-          <a:p>
-            <a:r>
-              <a:rPr lang="en-US" dirty="0" err="1"/>
-              <a:t>elif</a:t>
-            </a:r>
-            <a:r>
-              <a:rPr lang="en-US" dirty="0"/>
-              <a:t> is Python shorthand for else if</a:t>
-            </a:r>
-          </a:p>
-          <a:p>
-            <a:r>
-              <a:rPr lang="en-US" dirty="0"/>
-              <a:t>but it has the advantage that it's indented at the same level</a:t>
-            </a:r>
-          </a:p>
-          <a:p>
-            <a:r>
-              <a:rPr lang="en-US" dirty="0"/>
-              <a:t>if you're testing one thing against a bunch of different cases, or you have several ifs only one of which can be true, </a:t>
-            </a:r>
-            <a:r>
-              <a:rPr lang="en-US" dirty="0" err="1"/>
-              <a:t>elif</a:t>
-            </a:r>
-            <a:r>
-              <a:rPr lang="en-US" dirty="0"/>
-              <a:t> is your friend</a:t>
-            </a:r>
-          </a:p>
-          <a:p>
-            <a:r>
-              <a:rPr lang="en-US" dirty="0"/>
-              <a:t>Finally, remember, however, you put ifs, </a:t>
-            </a:r>
-            <a:r>
-              <a:rPr lang="en-US" dirty="0" err="1"/>
-              <a:t>elses</a:t>
-            </a:r>
-            <a:r>
-              <a:rPr lang="en-US" dirty="0"/>
-              <a:t>, and </a:t>
-            </a:r>
-            <a:r>
-              <a:rPr lang="en-US" dirty="0" err="1"/>
-              <a:t>elifs</a:t>
-            </a:r>
-            <a:r>
-              <a:rPr lang="en-US" dirty="0"/>
-              <a:t> together, there's a colon at the end of each of those lines.</a:t>
-            </a:r>
-          </a:p>
-          <a:p>
-            <a:pPr marL="0" indent="0">
-              <a:buNone/>
-            </a:pPr>
-            <a:endParaRPr lang="en-US" dirty="0"/>
-          </a:p>
-        </p:txBody>
-      </p:sp>
-    </p:spTree>
-    <p:extLst>
-      <p:ext uri="{BB962C8B-B14F-4D97-AF65-F5344CB8AC3E}">
-        <p14:creationId xmlns:p14="http://schemas.microsoft.com/office/powerpoint/2010/main" val="2237329769"/>
       </p:ext>
     </p:extLst>
   </p:cSld>
@@ -11824,6 +11827,620 @@
     <p:extLst>
       <p:ext uri="{BB962C8B-B14F-4D97-AF65-F5344CB8AC3E}">
         <p14:creationId xmlns:p14="http://schemas.microsoft.com/office/powerpoint/2010/main" val="2116781855"/>
+      </p:ext>
+    </p:extLst>
+  </p:cSld>
+  <p:clrMapOvr>
+    <a:masterClrMapping/>
+  </p:clrMapOvr>
+</p:sld>
+</file>
+
+<file path=ppt/slides/slide70.xml><?xml version="1.0" encoding="utf-8"?>
+<p:sld xmlns:a="http://schemas.openxmlformats.org/drawingml/2006/main" xmlns:r="http://schemas.openxmlformats.org/officeDocument/2006/relationships" xmlns:p="http://schemas.openxmlformats.org/presentationml/2006/main">
+  <p:cSld>
+    <p:spTree>
+      <p:nvGrpSpPr>
+        <p:cNvPr id="1" name=""/>
+        <p:cNvGrpSpPr/>
+        <p:nvPr/>
+      </p:nvGrpSpPr>
+      <p:grpSpPr>
+        <a:xfrm>
+          <a:off x="0" y="0"/>
+          <a:ext cx="0" cy="0"/>
+          <a:chOff x="0" y="0"/>
+          <a:chExt cx="0" cy="0"/>
+        </a:xfrm>
+      </p:grpSpPr>
+      <p:sp>
+        <p:nvSpPr>
+          <p:cNvPr id="2" name="Text Placeholder 1">
+            <a:extLst>
+              <a:ext uri="{FF2B5EF4-FFF2-40B4-BE49-F238E27FC236}">
+                <a16:creationId xmlns:a16="http://schemas.microsoft.com/office/drawing/2014/main" id="{48425502-DE44-FC4C-B85D-846318AD064E}"/>
+              </a:ext>
+            </a:extLst>
+          </p:cNvPr>
+          <p:cNvSpPr>
+            <a:spLocks noGrp="1"/>
+          </p:cNvSpPr>
+          <p:nvPr>
+            <p:ph type="body" sz="quarter" idx="11"/>
+          </p:nvPr>
+        </p:nvSpPr>
+        <p:spPr>
+          <a:xfrm>
+            <a:off x="5892800" y="359330"/>
+            <a:ext cx="6011900" cy="3833485"/>
+          </a:xfrm>
+        </p:spPr>
+        <p:txBody>
+          <a:bodyPr/>
+          <a:lstStyle/>
+          <a:p>
+            <a:r>
+              <a:rPr lang="en-US" b="1" dirty="0">
+                <a:solidFill>
+                  <a:srgbClr val="000000"/>
+                </a:solidFill>
+                <a:latin typeface="Consolas" panose="020B0609020204030204" pitchFamily="49" charset="0"/>
+              </a:rPr>
+              <a:t>animal </a:t>
+            </a:r>
+            <a:r>
+              <a:rPr lang="en-US" b="1" dirty="0">
+                <a:solidFill>
+                  <a:srgbClr val="CE5C00"/>
+                </a:solidFill>
+                <a:latin typeface="Consolas" panose="020B0609020204030204" pitchFamily="49" charset="0"/>
+              </a:rPr>
+              <a:t>= </a:t>
+            </a:r>
+            <a:r>
+              <a:rPr lang="en-US" b="1" dirty="0">
+                <a:solidFill>
+                  <a:srgbClr val="204A87"/>
+                </a:solidFill>
+                <a:latin typeface="Consolas" panose="020B0609020204030204" pitchFamily="49" charset="0"/>
+              </a:rPr>
+              <a:t>input</a:t>
+            </a:r>
+            <a:r>
+              <a:rPr lang="en-US" b="1" dirty="0">
+                <a:solidFill>
+                  <a:srgbClr val="000000"/>
+                </a:solidFill>
+                <a:latin typeface="Consolas" panose="020B0609020204030204" pitchFamily="49" charset="0"/>
+              </a:rPr>
+              <a:t>(</a:t>
+            </a:r>
+            <a:r>
+              <a:rPr lang="en-US" b="1" dirty="0">
+                <a:solidFill>
+                  <a:srgbClr val="4E9A06"/>
+                </a:solidFill>
+                <a:latin typeface="Consolas" panose="020B0609020204030204" pitchFamily="49" charset="0"/>
+              </a:rPr>
+              <a:t>'Name an animal: '</a:t>
+            </a:r>
+            <a:r>
+              <a:rPr lang="en-US" b="1" dirty="0">
+                <a:solidFill>
+                  <a:srgbClr val="000000"/>
+                </a:solidFill>
+                <a:latin typeface="Consolas" panose="020B0609020204030204" pitchFamily="49" charset="0"/>
+              </a:rPr>
+              <a:t>)</a:t>
+            </a:r>
+          </a:p>
+          <a:p>
+            <a:r>
+              <a:rPr lang="en-US" b="1" dirty="0">
+                <a:solidFill>
+                  <a:srgbClr val="204A87"/>
+                </a:solidFill>
+                <a:latin typeface="Consolas" panose="020B0609020204030204" pitchFamily="49" charset="0"/>
+              </a:rPr>
+              <a:t>if </a:t>
+            </a:r>
+            <a:r>
+              <a:rPr lang="en-US" b="1" dirty="0">
+                <a:solidFill>
+                  <a:srgbClr val="000000"/>
+                </a:solidFill>
+                <a:latin typeface="Consolas" panose="020B0609020204030204" pitchFamily="49" charset="0"/>
+              </a:rPr>
+              <a:t>animal </a:t>
+            </a:r>
+            <a:r>
+              <a:rPr lang="en-US" b="1" dirty="0">
+                <a:solidFill>
+                  <a:srgbClr val="CE5C00"/>
+                </a:solidFill>
+                <a:latin typeface="Consolas" panose="020B0609020204030204" pitchFamily="49" charset="0"/>
+              </a:rPr>
+              <a:t>== </a:t>
+            </a:r>
+            <a:r>
+              <a:rPr lang="en-US" b="1" dirty="0">
+                <a:solidFill>
+                  <a:srgbClr val="4E9A06"/>
+                </a:solidFill>
+                <a:latin typeface="Consolas" panose="020B0609020204030204" pitchFamily="49" charset="0"/>
+              </a:rPr>
+              <a:t>'dog'</a:t>
+            </a:r>
+            <a:r>
+              <a:rPr lang="en-US" b="1" dirty="0">
+                <a:solidFill>
+                  <a:srgbClr val="000000"/>
+                </a:solidFill>
+                <a:latin typeface="Consolas" panose="020B0609020204030204" pitchFamily="49" charset="0"/>
+              </a:rPr>
+              <a:t>:</a:t>
+            </a:r>
+          </a:p>
+          <a:p>
+            <a:r>
+              <a:rPr lang="en-US" b="1" dirty="0">
+                <a:latin typeface="Consolas" panose="020B0609020204030204" pitchFamily="49" charset="0"/>
+              </a:rPr>
+              <a:t>    </a:t>
+            </a:r>
+            <a:r>
+              <a:rPr lang="en-US" b="1" dirty="0">
+                <a:solidFill>
+                  <a:srgbClr val="204A87"/>
+                </a:solidFill>
+                <a:latin typeface="Consolas" panose="020B0609020204030204" pitchFamily="49" charset="0"/>
+              </a:rPr>
+              <a:t>print</a:t>
+            </a:r>
+            <a:r>
+              <a:rPr lang="en-US" b="1" dirty="0">
+                <a:solidFill>
+                  <a:srgbClr val="000000"/>
+                </a:solidFill>
+                <a:latin typeface="Consolas" panose="020B0609020204030204" pitchFamily="49" charset="0"/>
+              </a:rPr>
+              <a:t>(</a:t>
+            </a:r>
+            <a:r>
+              <a:rPr lang="en-US" b="1" dirty="0">
+                <a:solidFill>
+                  <a:srgbClr val="4E9A06"/>
+                </a:solidFill>
+                <a:latin typeface="Consolas" panose="020B0609020204030204" pitchFamily="49" charset="0"/>
+              </a:rPr>
+              <a:t>'Cool. I like dogs, too.'</a:t>
+            </a:r>
+            <a:r>
+              <a:rPr lang="en-US" b="1" dirty="0">
+                <a:solidFill>
+                  <a:srgbClr val="000000"/>
+                </a:solidFill>
+                <a:latin typeface="Consolas" panose="020B0609020204030204" pitchFamily="49" charset="0"/>
+              </a:rPr>
+              <a:t>)</a:t>
+            </a:r>
+          </a:p>
+          <a:p>
+            <a:r>
+              <a:rPr lang="en-US" b="1" dirty="0" err="1">
+                <a:solidFill>
+                  <a:srgbClr val="204A87"/>
+                </a:solidFill>
+                <a:latin typeface="Consolas" panose="020B0609020204030204" pitchFamily="49" charset="0"/>
+              </a:rPr>
+              <a:t>elif</a:t>
+            </a:r>
+            <a:r>
+              <a:rPr lang="en-US" b="1" dirty="0">
+                <a:solidFill>
+                  <a:srgbClr val="204A87"/>
+                </a:solidFill>
+                <a:latin typeface="Consolas" panose="020B0609020204030204" pitchFamily="49" charset="0"/>
+              </a:rPr>
+              <a:t> </a:t>
+            </a:r>
+            <a:r>
+              <a:rPr lang="en-US" b="1" dirty="0">
+                <a:solidFill>
+                  <a:srgbClr val="000000"/>
+                </a:solidFill>
+                <a:latin typeface="Consolas" panose="020B0609020204030204" pitchFamily="49" charset="0"/>
+              </a:rPr>
+              <a:t>animal </a:t>
+            </a:r>
+            <a:r>
+              <a:rPr lang="en-US" b="1" dirty="0">
+                <a:solidFill>
+                  <a:srgbClr val="CE5C00"/>
+                </a:solidFill>
+                <a:latin typeface="Consolas" panose="020B0609020204030204" pitchFamily="49" charset="0"/>
+              </a:rPr>
+              <a:t>== </a:t>
+            </a:r>
+            <a:r>
+              <a:rPr lang="en-US" b="1" dirty="0">
+                <a:solidFill>
+                  <a:srgbClr val="4E9A06"/>
+                </a:solidFill>
+                <a:latin typeface="Consolas" panose="020B0609020204030204" pitchFamily="49" charset="0"/>
+              </a:rPr>
+              <a:t>'cat'</a:t>
+            </a:r>
+            <a:r>
+              <a:rPr lang="en-US" b="1" dirty="0">
+                <a:solidFill>
+                  <a:srgbClr val="000000"/>
+                </a:solidFill>
+                <a:latin typeface="Consolas" panose="020B0609020204030204" pitchFamily="49" charset="0"/>
+              </a:rPr>
+              <a:t>:</a:t>
+            </a:r>
+          </a:p>
+          <a:p>
+            <a:r>
+              <a:rPr lang="en-US" b="1" dirty="0">
+                <a:latin typeface="Consolas" panose="020B0609020204030204" pitchFamily="49" charset="0"/>
+              </a:rPr>
+              <a:t>    </a:t>
+            </a:r>
+            <a:r>
+              <a:rPr lang="en-US" b="1" dirty="0">
+                <a:solidFill>
+                  <a:srgbClr val="204A87"/>
+                </a:solidFill>
+                <a:latin typeface="Consolas" panose="020B0609020204030204" pitchFamily="49" charset="0"/>
+              </a:rPr>
+              <a:t>print</a:t>
+            </a:r>
+            <a:r>
+              <a:rPr lang="en-US" b="1" dirty="0">
+                <a:solidFill>
+                  <a:srgbClr val="000000"/>
+                </a:solidFill>
+                <a:latin typeface="Consolas" panose="020B0609020204030204" pitchFamily="49" charset="0"/>
+              </a:rPr>
+              <a:t>(</a:t>
+            </a:r>
+            <a:r>
+              <a:rPr lang="en-US" b="1" dirty="0">
+                <a:solidFill>
+                  <a:srgbClr val="4E9A06"/>
+                </a:solidFill>
+                <a:latin typeface="Consolas" panose="020B0609020204030204" pitchFamily="49" charset="0"/>
+              </a:rPr>
+              <a:t>'Cats are nice.'</a:t>
+            </a:r>
+            <a:r>
+              <a:rPr lang="en-US" b="1" dirty="0">
+                <a:solidFill>
+                  <a:srgbClr val="000000"/>
+                </a:solidFill>
+                <a:latin typeface="Consolas" panose="020B0609020204030204" pitchFamily="49" charset="0"/>
+              </a:rPr>
+              <a:t>)</a:t>
+            </a:r>
+          </a:p>
+          <a:p>
+            <a:r>
+              <a:rPr lang="en-US" b="1" dirty="0" err="1">
+                <a:solidFill>
+                  <a:srgbClr val="204A87"/>
+                </a:solidFill>
+                <a:latin typeface="Consolas" panose="020B0609020204030204" pitchFamily="49" charset="0"/>
+              </a:rPr>
+              <a:t>elif</a:t>
+            </a:r>
+            <a:r>
+              <a:rPr lang="en-US" b="1" dirty="0">
+                <a:solidFill>
+                  <a:srgbClr val="204A87"/>
+                </a:solidFill>
+                <a:latin typeface="Consolas" panose="020B0609020204030204" pitchFamily="49" charset="0"/>
+              </a:rPr>
+              <a:t> </a:t>
+            </a:r>
+            <a:r>
+              <a:rPr lang="en-US" b="1" dirty="0">
+                <a:solidFill>
+                  <a:srgbClr val="000000"/>
+                </a:solidFill>
+                <a:latin typeface="Consolas" panose="020B0609020204030204" pitchFamily="49" charset="0"/>
+              </a:rPr>
+              <a:t>animal </a:t>
+            </a:r>
+            <a:r>
+              <a:rPr lang="en-US" b="1" dirty="0">
+                <a:solidFill>
+                  <a:srgbClr val="CE5C00"/>
+                </a:solidFill>
+                <a:latin typeface="Consolas" panose="020B0609020204030204" pitchFamily="49" charset="0"/>
+              </a:rPr>
+              <a:t>== </a:t>
+            </a:r>
+            <a:r>
+              <a:rPr lang="en-US" b="1" dirty="0">
+                <a:solidFill>
+                  <a:srgbClr val="4E9A06"/>
+                </a:solidFill>
+                <a:latin typeface="Consolas" panose="020B0609020204030204" pitchFamily="49" charset="0"/>
+              </a:rPr>
+              <a:t>'mouse'</a:t>
+            </a:r>
+            <a:r>
+              <a:rPr lang="en-US" b="1" dirty="0">
+                <a:solidFill>
+                  <a:srgbClr val="000000"/>
+                </a:solidFill>
+                <a:latin typeface="Consolas" panose="020B0609020204030204" pitchFamily="49" charset="0"/>
+              </a:rPr>
+              <a:t>:</a:t>
+            </a:r>
+          </a:p>
+          <a:p>
+            <a:r>
+              <a:rPr lang="en-US" b="1" dirty="0">
+                <a:latin typeface="Consolas" panose="020B0609020204030204" pitchFamily="49" charset="0"/>
+              </a:rPr>
+              <a:t>    </a:t>
+            </a:r>
+            <a:r>
+              <a:rPr lang="en-US" b="1" dirty="0">
+                <a:solidFill>
+                  <a:srgbClr val="204A87"/>
+                </a:solidFill>
+                <a:latin typeface="Consolas" panose="020B0609020204030204" pitchFamily="49" charset="0"/>
+              </a:rPr>
+              <a:t>print</a:t>
+            </a:r>
+            <a:r>
+              <a:rPr lang="en-US" b="1" dirty="0">
+                <a:solidFill>
+                  <a:srgbClr val="000000"/>
+                </a:solidFill>
+                <a:latin typeface="Consolas" panose="020B0609020204030204" pitchFamily="49" charset="0"/>
+              </a:rPr>
+              <a:t>(</a:t>
+            </a:r>
+            <a:r>
+              <a:rPr lang="en-US" b="1" dirty="0">
+                <a:solidFill>
+                  <a:srgbClr val="4E9A06"/>
+                </a:solidFill>
+                <a:latin typeface="Consolas" panose="020B0609020204030204" pitchFamily="49" charset="0"/>
+              </a:rPr>
+              <a:t>'Mice are oaky by me.'</a:t>
+            </a:r>
+            <a:r>
+              <a:rPr lang="en-US" b="1" dirty="0">
+                <a:solidFill>
+                  <a:srgbClr val="000000"/>
+                </a:solidFill>
+                <a:latin typeface="Consolas" panose="020B0609020204030204" pitchFamily="49" charset="0"/>
+              </a:rPr>
+              <a:t>)</a:t>
+            </a:r>
+          </a:p>
+          <a:p>
+            <a:r>
+              <a:rPr lang="en-US" b="1" dirty="0">
+                <a:solidFill>
+                  <a:srgbClr val="204A87"/>
+                </a:solidFill>
+                <a:latin typeface="Consolas" panose="020B0609020204030204" pitchFamily="49" charset="0"/>
+              </a:rPr>
+              <a:t>else</a:t>
+            </a:r>
+            <a:r>
+              <a:rPr lang="en-US" b="1" dirty="0">
+                <a:solidFill>
+                  <a:srgbClr val="000000"/>
+                </a:solidFill>
+                <a:latin typeface="Consolas" panose="020B0609020204030204" pitchFamily="49" charset="0"/>
+              </a:rPr>
+              <a:t>:</a:t>
+            </a:r>
+          </a:p>
+          <a:p>
+            <a:r>
+              <a:rPr lang="en-US" b="1" dirty="0">
+                <a:latin typeface="Consolas" panose="020B0609020204030204" pitchFamily="49" charset="0"/>
+              </a:rPr>
+              <a:t>    </a:t>
+            </a:r>
+            <a:r>
+              <a:rPr lang="en-US" b="1" dirty="0">
+                <a:solidFill>
+                  <a:srgbClr val="204A87"/>
+                </a:solidFill>
+                <a:latin typeface="Consolas" panose="020B0609020204030204" pitchFamily="49" charset="0"/>
+              </a:rPr>
+              <a:t>print</a:t>
+            </a:r>
+            <a:r>
+              <a:rPr lang="en-US" b="1" dirty="0">
+                <a:solidFill>
+                  <a:srgbClr val="000000"/>
+                </a:solidFill>
+                <a:latin typeface="Consolas" panose="020B0609020204030204" pitchFamily="49" charset="0"/>
+              </a:rPr>
+              <a:t>(</a:t>
+            </a:r>
+            <a:r>
+              <a:rPr lang="en-US" b="1" dirty="0">
+                <a:solidFill>
+                  <a:srgbClr val="4E9A06"/>
+                </a:solidFill>
+                <a:latin typeface="Consolas" panose="020B0609020204030204" pitchFamily="49" charset="0"/>
+              </a:rPr>
+              <a:t>'Not my favorite.'</a:t>
+            </a:r>
+            <a:r>
+              <a:rPr lang="en-US" b="1" dirty="0">
+                <a:solidFill>
+                  <a:srgbClr val="000000"/>
+                </a:solidFill>
+                <a:latin typeface="Consolas" panose="020B0609020204030204" pitchFamily="49" charset="0"/>
+              </a:rPr>
+              <a:t>)</a:t>
+            </a:r>
+          </a:p>
+        </p:txBody>
+      </p:sp>
+      <p:sp>
+        <p:nvSpPr>
+          <p:cNvPr id="3" name="Text Placeholder 2">
+            <a:extLst>
+              <a:ext uri="{FF2B5EF4-FFF2-40B4-BE49-F238E27FC236}">
+                <a16:creationId xmlns:a16="http://schemas.microsoft.com/office/drawing/2014/main" id="{FC738EFC-BC8F-B945-A93F-420013247DDC}"/>
+              </a:ext>
+            </a:extLst>
+          </p:cNvPr>
+          <p:cNvSpPr>
+            <a:spLocks noGrp="1"/>
+          </p:cNvSpPr>
+          <p:nvPr>
+            <p:ph type="body" sz="quarter" idx="12"/>
+          </p:nvPr>
+        </p:nvSpPr>
+        <p:spPr/>
+        <p:txBody>
+          <a:bodyPr/>
+          <a:lstStyle/>
+          <a:p>
+            <a:r>
+              <a:rPr lang="en-US"/>
+              <a:t>&lt;animal12.py&gt;</a:t>
+            </a:r>
+          </a:p>
+        </p:txBody>
+      </p:sp>
+    </p:spTree>
+    <p:extLst>
+      <p:ext uri="{BB962C8B-B14F-4D97-AF65-F5344CB8AC3E}">
+        <p14:creationId xmlns:p14="http://schemas.microsoft.com/office/powerpoint/2010/main" val="1184055706"/>
+      </p:ext>
+    </p:extLst>
+  </p:cSld>
+  <p:clrMapOvr>
+    <a:masterClrMapping/>
+  </p:clrMapOvr>
+</p:sld>
+</file>
+
+<file path=ppt/slides/slide71.xml><?xml version="1.0" encoding="utf-8"?>
+<p:sld xmlns:a="http://schemas.openxmlformats.org/drawingml/2006/main" xmlns:r="http://schemas.openxmlformats.org/officeDocument/2006/relationships" xmlns:p="http://schemas.openxmlformats.org/presentationml/2006/main">
+  <p:cSld>
+    <p:spTree>
+      <p:nvGrpSpPr>
+        <p:cNvPr id="1" name=""/>
+        <p:cNvGrpSpPr/>
+        <p:nvPr/>
+      </p:nvGrpSpPr>
+      <p:grpSpPr>
+        <a:xfrm>
+          <a:off x="0" y="0"/>
+          <a:ext cx="0" cy="0"/>
+          <a:chOff x="0" y="0"/>
+          <a:chExt cx="0" cy="0"/>
+        </a:xfrm>
+      </p:grpSpPr>
+      <p:sp>
+        <p:nvSpPr>
+          <p:cNvPr id="2" name="Text Placeholder 1">
+            <a:extLst>
+              <a:ext uri="{FF2B5EF4-FFF2-40B4-BE49-F238E27FC236}">
+                <a16:creationId xmlns:a16="http://schemas.microsoft.com/office/drawing/2014/main" id="{8CF28977-9CA1-6B46-BC6A-EE5156D4DB11}"/>
+              </a:ext>
+            </a:extLst>
+          </p:cNvPr>
+          <p:cNvSpPr>
+            <a:spLocks noGrp="1"/>
+          </p:cNvSpPr>
+          <p:nvPr>
+            <p:ph type="body" sz="quarter" idx="10"/>
+          </p:nvPr>
+        </p:nvSpPr>
+        <p:spPr/>
+        <p:txBody>
+          <a:bodyPr>
+            <a:normAutofit lnSpcReduction="10000"/>
+          </a:bodyPr>
+          <a:lstStyle/>
+          <a:p>
+            <a:r>
+              <a:rPr lang="en-US" dirty="0"/>
+              <a:t>Here's a better version</a:t>
+            </a:r>
+          </a:p>
+          <a:p>
+            <a:r>
+              <a:rPr lang="en-US" dirty="0" err="1"/>
+              <a:t>elif</a:t>
+            </a:r>
+            <a:r>
+              <a:rPr lang="en-US" dirty="0"/>
+              <a:t> is Python shorthand for else if</a:t>
+            </a:r>
+          </a:p>
+          <a:p>
+            <a:r>
+              <a:rPr lang="en-US" dirty="0"/>
+              <a:t>but it has the advantage that it's indented at the same level</a:t>
+            </a:r>
+          </a:p>
+          <a:p>
+            <a:r>
+              <a:rPr lang="en-US" dirty="0"/>
+              <a:t>if you're testing one thing against a bunch of different cases, or you have several ifs only one of which can be true, </a:t>
+            </a:r>
+            <a:r>
+              <a:rPr lang="en-US" dirty="0" err="1"/>
+              <a:t>elif</a:t>
+            </a:r>
+            <a:r>
+              <a:rPr lang="en-US" dirty="0"/>
+              <a:t> is your friend</a:t>
+            </a:r>
+          </a:p>
+          <a:p>
+            <a:r>
+              <a:rPr lang="en-US" dirty="0"/>
+              <a:t>Finally, remember, however, you put ifs, </a:t>
+            </a:r>
+            <a:r>
+              <a:rPr lang="en-US" dirty="0" err="1"/>
+              <a:t>elses</a:t>
+            </a:r>
+            <a:r>
+              <a:rPr lang="en-US" dirty="0"/>
+              <a:t>, and </a:t>
+            </a:r>
+            <a:r>
+              <a:rPr lang="en-US" dirty="0" err="1"/>
+              <a:t>elifs</a:t>
+            </a:r>
+            <a:r>
+              <a:rPr lang="en-US" dirty="0"/>
+              <a:t> together, there's a colon at the end of each of those lines.</a:t>
+            </a:r>
+          </a:p>
+          <a:p>
+            <a:pPr marL="0" indent="0">
+              <a:buNone/>
+            </a:pPr>
+            <a:endParaRPr lang="en-US" dirty="0"/>
+          </a:p>
+        </p:txBody>
+      </p:sp>
+    </p:spTree>
+    <p:extLst>
+      <p:ext uri="{BB962C8B-B14F-4D97-AF65-F5344CB8AC3E}">
+        <p14:creationId xmlns:p14="http://schemas.microsoft.com/office/powerpoint/2010/main" val="2237329769"/>
       </p:ext>
     </p:extLst>
   </p:cSld>
